--- a/Slides/22. Física Vetorial.pptx
+++ b/Slides/22. Física Vetorial.pptx
@@ -5,7 +5,7 @@
     <p:sldMasterId id="2147483780" r:id="rId1"/>
   </p:sldMasterIdLst>
   <p:notesMasterIdLst>
-    <p:notesMasterId r:id="rId10"/>
+    <p:notesMasterId r:id="rId11"/>
   </p:notesMasterIdLst>
   <p:sldIdLst>
     <p:sldId id="341" r:id="rId2"/>
@@ -15,7 +15,8 @@
     <p:sldId id="326" r:id="rId6"/>
     <p:sldId id="335" r:id="rId7"/>
     <p:sldId id="339" r:id="rId8"/>
-    <p:sldId id="340" r:id="rId9"/>
+    <p:sldId id="342" r:id="rId9"/>
+    <p:sldId id="340" r:id="rId10"/>
   </p:sldIdLst>
   <p:sldSz cx="12192000" cy="6858000"/>
   <p:notesSz cx="6858000" cy="9144000"/>
@@ -136,7 +137,8 @@
 <file path=ppt/revisionInfo.xml><?xml version="1.0" encoding="utf-8"?>
 <p1510:revInfo xmlns:a="http://schemas.openxmlformats.org/drawingml/2006/main" xmlns:r="http://schemas.openxmlformats.org/officeDocument/2006/relationships" xmlns:p1510="http://schemas.microsoft.com/office/powerpoint/2015/10/main">
   <p1510:revLst>
-    <p1510:client id="{73F35A3F-2598-4ADA-A885-817FFF1603C8}" v="1" dt="2021-10-13T18:09:54.437"/>
+    <p1510:client id="{73F35A3F-2598-4ADA-A885-817FFF1603C8}" v="4" dt="2021-10-19T14:28:12.977"/>
+    <p1510:client id="{90C51AEA-DCFE-484C-9678-1B8B665A600B}" v="111" dt="2021-10-19T03:10:26.668"/>
   </p1510:revLst>
 </p1510:revInfo>
 </file>
@@ -1687,18 +1689,815 @@
     </pc:docChg>
   </pc:docChgLst>
   <pc:docChgLst>
-    <pc:chgData name="Judson Santiago" userId="ebb108da2f256286" providerId="LiveId" clId="{73F35A3F-2598-4ADA-A885-817FFF1603C8}"/>
-    <pc:docChg chg="custSel modSld modMainMaster">
-      <pc:chgData name="Judson Santiago" userId="ebb108da2f256286" providerId="LiveId" clId="{73F35A3F-2598-4ADA-A885-817FFF1603C8}" dt="2021-10-18T12:32:08.292" v="12" actId="20577"/>
+    <pc:chgData name="Judson Santiago" userId="ebb108da2f256286" providerId="LiveId" clId="{90C51AEA-DCFE-484C-9678-1B8B665A600B}"/>
+    <pc:docChg chg="undo custSel addSld modSld">
+      <pc:chgData name="Judson Santiago" userId="ebb108da2f256286" providerId="LiveId" clId="{90C51AEA-DCFE-484C-9678-1B8B665A600B}" dt="2021-10-19T03:10:26.668" v="382" actId="20577"/>
       <pc:docMkLst>
         <pc:docMk/>
       </pc:docMkLst>
+      <pc:sldChg chg="addSp delSp modSp mod modNotesTx">
+        <pc:chgData name="Judson Santiago" userId="ebb108da2f256286" providerId="LiveId" clId="{90C51AEA-DCFE-484C-9678-1B8B665A600B}" dt="2021-10-19T02:35:47.950" v="205" actId="1076"/>
+        <pc:sldMkLst>
+          <pc:docMk/>
+          <pc:sldMk cId="815178062" sldId="339"/>
+        </pc:sldMkLst>
+        <pc:spChg chg="mod">
+          <ac:chgData name="Judson Santiago" userId="ebb108da2f256286" providerId="LiveId" clId="{90C51AEA-DCFE-484C-9678-1B8B665A600B}" dt="2021-10-19T02:35:47.950" v="205" actId="1076"/>
+          <ac:spMkLst>
+            <pc:docMk/>
+            <pc:sldMk cId="815178062" sldId="339"/>
+            <ac:spMk id="9" creationId="{2C3F5507-4BC0-44DE-8E01-8D2CFB469A5A}"/>
+          </ac:spMkLst>
+        </pc:spChg>
+        <pc:spChg chg="mod topLvl">
+          <ac:chgData name="Judson Santiago" userId="ebb108da2f256286" providerId="LiveId" clId="{90C51AEA-DCFE-484C-9678-1B8B665A600B}" dt="2021-10-19T02:24:23.357" v="4" actId="164"/>
+          <ac:spMkLst>
+            <pc:docMk/>
+            <pc:sldMk cId="815178062" sldId="339"/>
+            <ac:spMk id="29" creationId="{6EB69FAF-8EDF-4314-BAF6-7C913E6A1819}"/>
+          </ac:spMkLst>
+        </pc:spChg>
+        <pc:spChg chg="mod topLvl">
+          <ac:chgData name="Judson Santiago" userId="ebb108da2f256286" providerId="LiveId" clId="{90C51AEA-DCFE-484C-9678-1B8B665A600B}" dt="2021-10-19T02:24:23.357" v="4" actId="164"/>
+          <ac:spMkLst>
+            <pc:docMk/>
+            <pc:sldMk cId="815178062" sldId="339"/>
+            <ac:spMk id="30" creationId="{6D0369D2-782F-4462-B685-48F577EC67F4}"/>
+          </ac:spMkLst>
+        </pc:spChg>
+        <pc:spChg chg="mod topLvl">
+          <ac:chgData name="Judson Santiago" userId="ebb108da2f256286" providerId="LiveId" clId="{90C51AEA-DCFE-484C-9678-1B8B665A600B}" dt="2021-10-19T02:24:23.357" v="4" actId="164"/>
+          <ac:spMkLst>
+            <pc:docMk/>
+            <pc:sldMk cId="815178062" sldId="339"/>
+            <ac:spMk id="35" creationId="{00000000-0000-0000-0000-000000000000}"/>
+          </ac:spMkLst>
+        </pc:spChg>
+        <pc:spChg chg="mod topLvl">
+          <ac:chgData name="Judson Santiago" userId="ebb108da2f256286" providerId="LiveId" clId="{90C51AEA-DCFE-484C-9678-1B8B665A600B}" dt="2021-10-19T02:24:23.357" v="4" actId="164"/>
+          <ac:spMkLst>
+            <pc:docMk/>
+            <pc:sldMk cId="815178062" sldId="339"/>
+            <ac:spMk id="36" creationId="{00000000-0000-0000-0000-000000000000}"/>
+          </ac:spMkLst>
+        </pc:spChg>
+        <pc:spChg chg="mod topLvl">
+          <ac:chgData name="Judson Santiago" userId="ebb108da2f256286" providerId="LiveId" clId="{90C51AEA-DCFE-484C-9678-1B8B665A600B}" dt="2021-10-19T02:24:23.357" v="4" actId="164"/>
+          <ac:spMkLst>
+            <pc:docMk/>
+            <pc:sldMk cId="815178062" sldId="339"/>
+            <ac:spMk id="42" creationId="{00000000-0000-0000-0000-000000000000}"/>
+          </ac:spMkLst>
+        </pc:spChg>
+        <pc:spChg chg="mod topLvl">
+          <ac:chgData name="Judson Santiago" userId="ebb108da2f256286" providerId="LiveId" clId="{90C51AEA-DCFE-484C-9678-1B8B665A600B}" dt="2021-10-19T02:24:23.357" v="4" actId="164"/>
+          <ac:spMkLst>
+            <pc:docMk/>
+            <pc:sldMk cId="815178062" sldId="339"/>
+            <ac:spMk id="48" creationId="{00000000-0000-0000-0000-000000000000}"/>
+          </ac:spMkLst>
+        </pc:spChg>
+        <pc:spChg chg="mod topLvl">
+          <ac:chgData name="Judson Santiago" userId="ebb108da2f256286" providerId="LiveId" clId="{90C51AEA-DCFE-484C-9678-1B8B665A600B}" dt="2021-10-19T02:24:23.357" v="4" actId="164"/>
+          <ac:spMkLst>
+            <pc:docMk/>
+            <pc:sldMk cId="815178062" sldId="339"/>
+            <ac:spMk id="65" creationId="{00000000-0000-0000-0000-000000000000}"/>
+          </ac:spMkLst>
+        </pc:spChg>
+        <pc:spChg chg="mod topLvl">
+          <ac:chgData name="Judson Santiago" userId="ebb108da2f256286" providerId="LiveId" clId="{90C51AEA-DCFE-484C-9678-1B8B665A600B}" dt="2021-10-19T02:24:23.357" v="4" actId="164"/>
+          <ac:spMkLst>
+            <pc:docMk/>
+            <pc:sldMk cId="815178062" sldId="339"/>
+            <ac:spMk id="89" creationId="{00000000-0000-0000-0000-000000000000}"/>
+          </ac:spMkLst>
+        </pc:spChg>
+        <pc:spChg chg="mod topLvl">
+          <ac:chgData name="Judson Santiago" userId="ebb108da2f256286" providerId="LiveId" clId="{90C51AEA-DCFE-484C-9678-1B8B665A600B}" dt="2021-10-19T02:24:23.357" v="4" actId="164"/>
+          <ac:spMkLst>
+            <pc:docMk/>
+            <pc:sldMk cId="815178062" sldId="339"/>
+            <ac:spMk id="90" creationId="{00000000-0000-0000-0000-000000000000}"/>
+          </ac:spMkLst>
+        </pc:spChg>
+        <pc:grpChg chg="add mod">
+          <ac:chgData name="Judson Santiago" userId="ebb108da2f256286" providerId="LiveId" clId="{90C51AEA-DCFE-484C-9678-1B8B665A600B}" dt="2021-10-19T02:24:23.357" v="4" actId="164"/>
+          <ac:grpSpMkLst>
+            <pc:docMk/>
+            <pc:sldMk cId="815178062" sldId="339"/>
+            <ac:grpSpMk id="4" creationId="{6B3DB0A9-C249-314C-A449-1122E3132EB3}"/>
+          </ac:grpSpMkLst>
+        </pc:grpChg>
+        <pc:grpChg chg="del">
+          <ac:chgData name="Judson Santiago" userId="ebb108da2f256286" providerId="LiveId" clId="{90C51AEA-DCFE-484C-9678-1B8B665A600B}" dt="2021-10-19T02:22:48.767" v="0" actId="165"/>
+          <ac:grpSpMkLst>
+            <pc:docMk/>
+            <pc:sldMk cId="815178062" sldId="339"/>
+            <ac:grpSpMk id="11" creationId="{312390C2-8299-4389-8308-B4C76099C68A}"/>
+          </ac:grpSpMkLst>
+        </pc:grpChg>
+        <pc:grpChg chg="del">
+          <ac:chgData name="Judson Santiago" userId="ebb108da2f256286" providerId="LiveId" clId="{90C51AEA-DCFE-484C-9678-1B8B665A600B}" dt="2021-10-19T02:24:02.774" v="2" actId="478"/>
+          <ac:grpSpMkLst>
+            <pc:docMk/>
+            <pc:sldMk cId="815178062" sldId="339"/>
+            <ac:grpSpMk id="26" creationId="{87FF8989-7975-4878-950F-4EF97F7CD07D}"/>
+          </ac:grpSpMkLst>
+        </pc:grpChg>
+        <pc:cxnChg chg="mod topLvl">
+          <ac:chgData name="Judson Santiago" userId="ebb108da2f256286" providerId="LiveId" clId="{90C51AEA-DCFE-484C-9678-1B8B665A600B}" dt="2021-10-19T02:24:23.357" v="4" actId="164"/>
+          <ac:cxnSpMkLst>
+            <pc:docMk/>
+            <pc:sldMk cId="815178062" sldId="339"/>
+            <ac:cxnSpMk id="41" creationId="{00000000-0000-0000-0000-000000000000}"/>
+          </ac:cxnSpMkLst>
+        </pc:cxnChg>
+        <pc:cxnChg chg="mod topLvl">
+          <ac:chgData name="Judson Santiago" userId="ebb108da2f256286" providerId="LiveId" clId="{90C51AEA-DCFE-484C-9678-1B8B665A600B}" dt="2021-10-19T02:24:23.357" v="4" actId="164"/>
+          <ac:cxnSpMkLst>
+            <pc:docMk/>
+            <pc:sldMk cId="815178062" sldId="339"/>
+            <ac:cxnSpMk id="43" creationId="{00000000-0000-0000-0000-000000000000}"/>
+          </ac:cxnSpMkLst>
+        </pc:cxnChg>
+        <pc:cxnChg chg="mod topLvl">
+          <ac:chgData name="Judson Santiago" userId="ebb108da2f256286" providerId="LiveId" clId="{90C51AEA-DCFE-484C-9678-1B8B665A600B}" dt="2021-10-19T02:24:23.357" v="4" actId="164"/>
+          <ac:cxnSpMkLst>
+            <pc:docMk/>
+            <pc:sldMk cId="815178062" sldId="339"/>
+            <ac:cxnSpMk id="53" creationId="{00000000-0000-0000-0000-000000000000}"/>
+          </ac:cxnSpMkLst>
+        </pc:cxnChg>
+        <pc:cxnChg chg="mod topLvl">
+          <ac:chgData name="Judson Santiago" userId="ebb108da2f256286" providerId="LiveId" clId="{90C51AEA-DCFE-484C-9678-1B8B665A600B}" dt="2021-10-19T02:24:23.357" v="4" actId="164"/>
+          <ac:cxnSpMkLst>
+            <pc:docMk/>
+            <pc:sldMk cId="815178062" sldId="339"/>
+            <ac:cxnSpMk id="73" creationId="{00000000-0000-0000-0000-000000000000}"/>
+          </ac:cxnSpMkLst>
+        </pc:cxnChg>
+        <pc:cxnChg chg="mod topLvl">
+          <ac:chgData name="Judson Santiago" userId="ebb108da2f256286" providerId="LiveId" clId="{90C51AEA-DCFE-484C-9678-1B8B665A600B}" dt="2021-10-19T02:24:23.357" v="4" actId="164"/>
+          <ac:cxnSpMkLst>
+            <pc:docMk/>
+            <pc:sldMk cId="815178062" sldId="339"/>
+            <ac:cxnSpMk id="74" creationId="{00000000-0000-0000-0000-000000000000}"/>
+          </ac:cxnSpMkLst>
+        </pc:cxnChg>
+      </pc:sldChg>
+      <pc:sldChg chg="addSp delSp modSp add mod">
+        <pc:chgData name="Judson Santiago" userId="ebb108da2f256286" providerId="LiveId" clId="{90C51AEA-DCFE-484C-9678-1B8B665A600B}" dt="2021-10-19T03:10:26.668" v="382" actId="20577"/>
+        <pc:sldMkLst>
+          <pc:docMk/>
+          <pc:sldMk cId="615578514" sldId="342"/>
+        </pc:sldMkLst>
+        <pc:spChg chg="mod">
+          <ac:chgData name="Judson Santiago" userId="ebb108da2f256286" providerId="LiveId" clId="{90C51AEA-DCFE-484C-9678-1B8B665A600B}" dt="2021-10-19T03:08:06.974" v="359" actId="20577"/>
+          <ac:spMkLst>
+            <pc:docMk/>
+            <pc:sldMk cId="615578514" sldId="342"/>
+            <ac:spMk id="2" creationId="{00000000-0000-0000-0000-000000000000}"/>
+          </ac:spMkLst>
+        </pc:spChg>
+        <pc:spChg chg="del">
+          <ac:chgData name="Judson Santiago" userId="ebb108da2f256286" providerId="LiveId" clId="{90C51AEA-DCFE-484C-9678-1B8B665A600B}" dt="2021-10-19T02:35:36.960" v="204" actId="478"/>
+          <ac:spMkLst>
+            <pc:docMk/>
+            <pc:sldMk cId="615578514" sldId="342"/>
+            <ac:spMk id="6" creationId="{CE66DB22-4B98-4A26-B4A1-E623F13A7623}"/>
+          </ac:spMkLst>
+        </pc:spChg>
+        <pc:spChg chg="mod topLvl">
+          <ac:chgData name="Judson Santiago" userId="ebb108da2f256286" providerId="LiveId" clId="{90C51AEA-DCFE-484C-9678-1B8B665A600B}" dt="2021-10-19T02:49:34.863" v="319" actId="1076"/>
+          <ac:spMkLst>
+            <pc:docMk/>
+            <pc:sldMk cId="615578514" sldId="342"/>
+            <ac:spMk id="9" creationId="{2C3F5507-4BC0-44DE-8E01-8D2CFB469A5A}"/>
+          </ac:spMkLst>
+        </pc:spChg>
+        <pc:spChg chg="del">
+          <ac:chgData name="Judson Santiago" userId="ebb108da2f256286" providerId="LiveId" clId="{90C51AEA-DCFE-484C-9678-1B8B665A600B}" dt="2021-10-19T02:30:18.349" v="161" actId="478"/>
+          <ac:spMkLst>
+            <pc:docMk/>
+            <pc:sldMk cId="615578514" sldId="342"/>
+            <ac:spMk id="29" creationId="{6EB69FAF-8EDF-4314-BAF6-7C913E6A1819}"/>
+          </ac:spMkLst>
+        </pc:spChg>
+        <pc:spChg chg="del">
+          <ac:chgData name="Judson Santiago" userId="ebb108da2f256286" providerId="LiveId" clId="{90C51AEA-DCFE-484C-9678-1B8B665A600B}" dt="2021-10-19T02:30:15.446" v="160" actId="478"/>
+          <ac:spMkLst>
+            <pc:docMk/>
+            <pc:sldMk cId="615578514" sldId="342"/>
+            <ac:spMk id="30" creationId="{6D0369D2-782F-4462-B685-48F577EC67F4}"/>
+          </ac:spMkLst>
+        </pc:spChg>
+        <pc:spChg chg="del mod topLvl">
+          <ac:chgData name="Judson Santiago" userId="ebb108da2f256286" providerId="LiveId" clId="{90C51AEA-DCFE-484C-9678-1B8B665A600B}" dt="2021-10-19T02:35:33.833" v="203" actId="478"/>
+          <ac:spMkLst>
+            <pc:docMk/>
+            <pc:sldMk cId="615578514" sldId="342"/>
+            <ac:spMk id="32" creationId="{E33A8D29-727C-47B3-9840-21730D6CD71B}"/>
+          </ac:spMkLst>
+        </pc:spChg>
+        <pc:spChg chg="mod topLvl">
+          <ac:chgData name="Judson Santiago" userId="ebb108da2f256286" providerId="LiveId" clId="{90C51AEA-DCFE-484C-9678-1B8B665A600B}" dt="2021-10-19T02:48:13.916" v="316" actId="164"/>
+          <ac:spMkLst>
+            <pc:docMk/>
+            <pc:sldMk cId="615578514" sldId="342"/>
+            <ac:spMk id="34" creationId="{8233B84F-2ADB-6E49-BA09-7B0DBF57A91B}"/>
+          </ac:spMkLst>
+        </pc:spChg>
+        <pc:spChg chg="mod topLvl">
+          <ac:chgData name="Judson Santiago" userId="ebb108da2f256286" providerId="LiveId" clId="{90C51AEA-DCFE-484C-9678-1B8B665A600B}" dt="2021-10-19T02:48:13.916" v="316" actId="164"/>
+          <ac:spMkLst>
+            <pc:docMk/>
+            <pc:sldMk cId="615578514" sldId="342"/>
+            <ac:spMk id="35" creationId="{00000000-0000-0000-0000-000000000000}"/>
+          </ac:spMkLst>
+        </pc:spChg>
+        <pc:spChg chg="mod topLvl">
+          <ac:chgData name="Judson Santiago" userId="ebb108da2f256286" providerId="LiveId" clId="{90C51AEA-DCFE-484C-9678-1B8B665A600B}" dt="2021-10-19T02:48:13.916" v="316" actId="164"/>
+          <ac:spMkLst>
+            <pc:docMk/>
+            <pc:sldMk cId="615578514" sldId="342"/>
+            <ac:spMk id="36" creationId="{00000000-0000-0000-0000-000000000000}"/>
+          </ac:spMkLst>
+        </pc:spChg>
+        <pc:spChg chg="del mod topLvl">
+          <ac:chgData name="Judson Santiago" userId="ebb108da2f256286" providerId="LiveId" clId="{90C51AEA-DCFE-484C-9678-1B8B665A600B}" dt="2021-10-19T02:39:51.669" v="237" actId="478"/>
+          <ac:spMkLst>
+            <pc:docMk/>
+            <pc:sldMk cId="615578514" sldId="342"/>
+            <ac:spMk id="37" creationId="{25E8C700-0434-424E-8234-084A0A193D7E}"/>
+          </ac:spMkLst>
+        </pc:spChg>
+        <pc:spChg chg="mod topLvl">
+          <ac:chgData name="Judson Santiago" userId="ebb108da2f256286" providerId="LiveId" clId="{90C51AEA-DCFE-484C-9678-1B8B665A600B}" dt="2021-10-19T02:48:13.916" v="316" actId="164"/>
+          <ac:spMkLst>
+            <pc:docMk/>
+            <pc:sldMk cId="615578514" sldId="342"/>
+            <ac:spMk id="40" creationId="{6E71181D-4F25-E043-BC80-53526D0D5FE4}"/>
+          </ac:spMkLst>
+        </pc:spChg>
+        <pc:spChg chg="mod">
+          <ac:chgData name="Judson Santiago" userId="ebb108da2f256286" providerId="LiveId" clId="{90C51AEA-DCFE-484C-9678-1B8B665A600B}" dt="2021-10-19T02:48:13.916" v="316" actId="164"/>
+          <ac:spMkLst>
+            <pc:docMk/>
+            <pc:sldMk cId="615578514" sldId="342"/>
+            <ac:spMk id="42" creationId="{00000000-0000-0000-0000-000000000000}"/>
+          </ac:spMkLst>
+        </pc:spChg>
+        <pc:spChg chg="del mod topLvl">
+          <ac:chgData name="Judson Santiago" userId="ebb108da2f256286" providerId="LiveId" clId="{90C51AEA-DCFE-484C-9678-1B8B665A600B}" dt="2021-10-19T02:40:04.197" v="242" actId="478"/>
+          <ac:spMkLst>
+            <pc:docMk/>
+            <pc:sldMk cId="615578514" sldId="342"/>
+            <ac:spMk id="44" creationId="{2D36BBD6-2430-DC42-8791-7074ED81DE35}"/>
+          </ac:spMkLst>
+        </pc:spChg>
+        <pc:spChg chg="mod topLvl">
+          <ac:chgData name="Judson Santiago" userId="ebb108da2f256286" providerId="LiveId" clId="{90C51AEA-DCFE-484C-9678-1B8B665A600B}" dt="2021-10-19T02:48:13.916" v="316" actId="164"/>
+          <ac:spMkLst>
+            <pc:docMk/>
+            <pc:sldMk cId="615578514" sldId="342"/>
+            <ac:spMk id="47" creationId="{DF7709B9-BB79-BF42-94DD-AB225C06E89D}"/>
+          </ac:spMkLst>
+        </pc:spChg>
+        <pc:spChg chg="mod">
+          <ac:chgData name="Judson Santiago" userId="ebb108da2f256286" providerId="LiveId" clId="{90C51AEA-DCFE-484C-9678-1B8B665A600B}" dt="2021-10-19T02:48:13.916" v="316" actId="164"/>
+          <ac:spMkLst>
+            <pc:docMk/>
+            <pc:sldMk cId="615578514" sldId="342"/>
+            <ac:spMk id="48" creationId="{00000000-0000-0000-0000-000000000000}"/>
+          </ac:spMkLst>
+        </pc:spChg>
+        <pc:spChg chg="del mod topLvl">
+          <ac:chgData name="Judson Santiago" userId="ebb108da2f256286" providerId="LiveId" clId="{90C51AEA-DCFE-484C-9678-1B8B665A600B}" dt="2021-10-19T02:39:31.557" v="232" actId="478"/>
+          <ac:spMkLst>
+            <pc:docMk/>
+            <pc:sldMk cId="615578514" sldId="342"/>
+            <ac:spMk id="49" creationId="{7B339E70-9FF5-9643-81B8-052F4D6DEADE}"/>
+          </ac:spMkLst>
+        </pc:spChg>
+        <pc:spChg chg="mod">
+          <ac:chgData name="Judson Santiago" userId="ebb108da2f256286" providerId="LiveId" clId="{90C51AEA-DCFE-484C-9678-1B8B665A600B}" dt="2021-10-19T02:33:49.083" v="189" actId="571"/>
+          <ac:spMkLst>
+            <pc:docMk/>
+            <pc:sldMk cId="615578514" sldId="342"/>
+            <ac:spMk id="52" creationId="{74352C63-CB28-D94B-BB6E-134392EB3516}"/>
+          </ac:spMkLst>
+        </pc:spChg>
+        <pc:spChg chg="mod">
+          <ac:chgData name="Judson Santiago" userId="ebb108da2f256286" providerId="LiveId" clId="{90C51AEA-DCFE-484C-9678-1B8B665A600B}" dt="2021-10-19T02:33:49.083" v="189" actId="571"/>
+          <ac:spMkLst>
+            <pc:docMk/>
+            <pc:sldMk cId="615578514" sldId="342"/>
+            <ac:spMk id="54" creationId="{CA825AE8-16EF-CD42-AD4B-0475C7092D78}"/>
+          </ac:spMkLst>
+        </pc:spChg>
+        <pc:spChg chg="add mod">
+          <ac:chgData name="Judson Santiago" userId="ebb108da2f256286" providerId="LiveId" clId="{90C51AEA-DCFE-484C-9678-1B8B665A600B}" dt="2021-10-19T02:48:13.916" v="316" actId="164"/>
+          <ac:spMkLst>
+            <pc:docMk/>
+            <pc:sldMk cId="615578514" sldId="342"/>
+            <ac:spMk id="57" creationId="{31E0253B-E984-A04B-A31C-1460DF303021}"/>
+          </ac:spMkLst>
+        </pc:spChg>
+        <pc:spChg chg="add mod">
+          <ac:chgData name="Judson Santiago" userId="ebb108da2f256286" providerId="LiveId" clId="{90C51AEA-DCFE-484C-9678-1B8B665A600B}" dt="2021-10-19T02:48:13.916" v="316" actId="164"/>
+          <ac:spMkLst>
+            <pc:docMk/>
+            <pc:sldMk cId="615578514" sldId="342"/>
+            <ac:spMk id="58" creationId="{9115FE35-E5D2-0E42-8113-4C8C3F0628DA}"/>
+          </ac:spMkLst>
+        </pc:spChg>
+        <pc:spChg chg="add mod">
+          <ac:chgData name="Judson Santiago" userId="ebb108da2f256286" providerId="LiveId" clId="{90C51AEA-DCFE-484C-9678-1B8B665A600B}" dt="2021-10-19T02:48:13.916" v="316" actId="164"/>
+          <ac:spMkLst>
+            <pc:docMk/>
+            <pc:sldMk cId="615578514" sldId="342"/>
+            <ac:spMk id="59" creationId="{298BD916-5718-1C4C-8A08-9020578C7BD0}"/>
+          </ac:spMkLst>
+        </pc:spChg>
+        <pc:spChg chg="add mod">
+          <ac:chgData name="Judson Santiago" userId="ebb108da2f256286" providerId="LiveId" clId="{90C51AEA-DCFE-484C-9678-1B8B665A600B}" dt="2021-10-19T02:48:13.916" v="316" actId="164"/>
+          <ac:spMkLst>
+            <pc:docMk/>
+            <pc:sldMk cId="615578514" sldId="342"/>
+            <ac:spMk id="60" creationId="{B9CEF1F1-41E5-554A-BD88-32CA3CBF0C54}"/>
+          </ac:spMkLst>
+        </pc:spChg>
+        <pc:spChg chg="add mod">
+          <ac:chgData name="Judson Santiago" userId="ebb108da2f256286" providerId="LiveId" clId="{90C51AEA-DCFE-484C-9678-1B8B665A600B}" dt="2021-10-19T02:48:13.916" v="316" actId="164"/>
+          <ac:spMkLst>
+            <pc:docMk/>
+            <pc:sldMk cId="615578514" sldId="342"/>
+            <ac:spMk id="61" creationId="{448E7128-83EC-D34E-A300-CB7A7E1830E5}"/>
+          </ac:spMkLst>
+        </pc:spChg>
+        <pc:spChg chg="add mod">
+          <ac:chgData name="Judson Santiago" userId="ebb108da2f256286" providerId="LiveId" clId="{90C51AEA-DCFE-484C-9678-1B8B665A600B}" dt="2021-10-19T02:48:13.916" v="316" actId="164"/>
+          <ac:spMkLst>
+            <pc:docMk/>
+            <pc:sldMk cId="615578514" sldId="342"/>
+            <ac:spMk id="62" creationId="{05A6B4D1-AE8B-9540-BD73-A885C771D6A3}"/>
+          </ac:spMkLst>
+        </pc:spChg>
+        <pc:spChg chg="add mod">
+          <ac:chgData name="Judson Santiago" userId="ebb108da2f256286" providerId="LiveId" clId="{90C51AEA-DCFE-484C-9678-1B8B665A600B}" dt="2021-10-19T02:48:13.916" v="316" actId="164"/>
+          <ac:spMkLst>
+            <pc:docMk/>
+            <pc:sldMk cId="615578514" sldId="342"/>
+            <ac:spMk id="63" creationId="{C57F8C86-9FE2-154A-BDC8-FDF6AE9F2630}"/>
+          </ac:spMkLst>
+        </pc:spChg>
+        <pc:spChg chg="add mod">
+          <ac:chgData name="Judson Santiago" userId="ebb108da2f256286" providerId="LiveId" clId="{90C51AEA-DCFE-484C-9678-1B8B665A600B}" dt="2021-10-19T02:48:13.916" v="316" actId="164"/>
+          <ac:spMkLst>
+            <pc:docMk/>
+            <pc:sldMk cId="615578514" sldId="342"/>
+            <ac:spMk id="64" creationId="{E52BBEB7-B8C4-0443-B846-F266C406017D}"/>
+          </ac:spMkLst>
+        </pc:spChg>
+        <pc:spChg chg="mod">
+          <ac:chgData name="Judson Santiago" userId="ebb108da2f256286" providerId="LiveId" clId="{90C51AEA-DCFE-484C-9678-1B8B665A600B}" dt="2021-10-19T02:48:13.916" v="316" actId="164"/>
+          <ac:spMkLst>
+            <pc:docMk/>
+            <pc:sldMk cId="615578514" sldId="342"/>
+            <ac:spMk id="65" creationId="{00000000-0000-0000-0000-000000000000}"/>
+          </ac:spMkLst>
+        </pc:spChg>
+        <pc:spChg chg="add mod">
+          <ac:chgData name="Judson Santiago" userId="ebb108da2f256286" providerId="LiveId" clId="{90C51AEA-DCFE-484C-9678-1B8B665A600B}" dt="2021-10-19T02:48:13.916" v="316" actId="164"/>
+          <ac:spMkLst>
+            <pc:docMk/>
+            <pc:sldMk cId="615578514" sldId="342"/>
+            <ac:spMk id="66" creationId="{BC09041D-B3EF-0249-AB50-F17F4228CE39}"/>
+          </ac:spMkLst>
+        </pc:spChg>
+        <pc:spChg chg="add mod">
+          <ac:chgData name="Judson Santiago" userId="ebb108da2f256286" providerId="LiveId" clId="{90C51AEA-DCFE-484C-9678-1B8B665A600B}" dt="2021-10-19T02:51:09.497" v="324" actId="20577"/>
+          <ac:spMkLst>
+            <pc:docMk/>
+            <pc:sldMk cId="615578514" sldId="342"/>
+            <ac:spMk id="67" creationId="{E73A3727-0938-B744-875F-2CE9DE3A4DD0}"/>
+          </ac:spMkLst>
+        </pc:spChg>
+        <pc:spChg chg="add mod">
+          <ac:chgData name="Judson Santiago" userId="ebb108da2f256286" providerId="LiveId" clId="{90C51AEA-DCFE-484C-9678-1B8B665A600B}" dt="2021-10-19T03:09:18.987" v="366" actId="1035"/>
+          <ac:spMkLst>
+            <pc:docMk/>
+            <pc:sldMk cId="615578514" sldId="342"/>
+            <ac:spMk id="68" creationId="{5A480081-649D-FF4C-8EC5-3EA2FDA221EF}"/>
+          </ac:spMkLst>
+        </pc:spChg>
+        <pc:spChg chg="add mod">
+          <ac:chgData name="Judson Santiago" userId="ebb108da2f256286" providerId="LiveId" clId="{90C51AEA-DCFE-484C-9678-1B8B665A600B}" dt="2021-10-19T03:09:18.987" v="366" actId="1035"/>
+          <ac:spMkLst>
+            <pc:docMk/>
+            <pc:sldMk cId="615578514" sldId="342"/>
+            <ac:spMk id="69" creationId="{8045B86B-3FA9-7B41-8EEE-5E5528CCDE20}"/>
+          </ac:spMkLst>
+        </pc:spChg>
+        <pc:spChg chg="add mod">
+          <ac:chgData name="Judson Santiago" userId="ebb108da2f256286" providerId="LiveId" clId="{90C51AEA-DCFE-484C-9678-1B8B665A600B}" dt="2021-10-19T02:48:13.916" v="316" actId="164"/>
+          <ac:spMkLst>
+            <pc:docMk/>
+            <pc:sldMk cId="615578514" sldId="342"/>
+            <ac:spMk id="70" creationId="{4B798FE1-F54E-564A-91C4-BF24BEB759F1}"/>
+          </ac:spMkLst>
+        </pc:spChg>
+        <pc:spChg chg="add mod">
+          <ac:chgData name="Judson Santiago" userId="ebb108da2f256286" providerId="LiveId" clId="{90C51AEA-DCFE-484C-9678-1B8B665A600B}" dt="2021-10-19T02:48:13.916" v="316" actId="164"/>
+          <ac:spMkLst>
+            <pc:docMk/>
+            <pc:sldMk cId="615578514" sldId="342"/>
+            <ac:spMk id="71" creationId="{6DA04AC0-5CFE-884A-9E6E-39973CEADD83}"/>
+          </ac:spMkLst>
+        </pc:spChg>
+        <pc:spChg chg="add mod">
+          <ac:chgData name="Judson Santiago" userId="ebb108da2f256286" providerId="LiveId" clId="{90C51AEA-DCFE-484C-9678-1B8B665A600B}" dt="2021-10-19T02:48:13.916" v="316" actId="164"/>
+          <ac:spMkLst>
+            <pc:docMk/>
+            <pc:sldMk cId="615578514" sldId="342"/>
+            <ac:spMk id="72" creationId="{CCC7FBE7-8B4B-7149-AE51-6D3669380C4E}"/>
+          </ac:spMkLst>
+        </pc:spChg>
+        <pc:spChg chg="add del mod">
+          <ac:chgData name="Judson Santiago" userId="ebb108da2f256286" providerId="LiveId" clId="{90C51AEA-DCFE-484C-9678-1B8B665A600B}" dt="2021-10-19T03:00:59.301" v="330"/>
+          <ac:spMkLst>
+            <pc:docMk/>
+            <pc:sldMk cId="615578514" sldId="342"/>
+            <ac:spMk id="75" creationId="{4E54DE8A-A840-F647-A052-B5476EBD76BF}"/>
+          </ac:spMkLst>
+        </pc:spChg>
+        <pc:spChg chg="add del mod">
+          <ac:chgData name="Judson Santiago" userId="ebb108da2f256286" providerId="LiveId" clId="{90C51AEA-DCFE-484C-9678-1B8B665A600B}" dt="2021-10-19T03:00:59.301" v="330"/>
+          <ac:spMkLst>
+            <pc:docMk/>
+            <pc:sldMk cId="615578514" sldId="342"/>
+            <ac:spMk id="76" creationId="{B45410D4-E294-5C4C-8CEB-0C0D71939A15}"/>
+          </ac:spMkLst>
+        </pc:spChg>
+        <pc:spChg chg="add mod">
+          <ac:chgData name="Judson Santiago" userId="ebb108da2f256286" providerId="LiveId" clId="{90C51AEA-DCFE-484C-9678-1B8B665A600B}" dt="2021-10-19T03:07:29.189" v="357" actId="555"/>
+          <ac:spMkLst>
+            <pc:docMk/>
+            <pc:sldMk cId="615578514" sldId="342"/>
+            <ac:spMk id="77" creationId="{361CC742-0BEE-7642-AA66-8F6F5D4BC9D8}"/>
+          </ac:spMkLst>
+        </pc:spChg>
+        <pc:spChg chg="add mod">
+          <ac:chgData name="Judson Santiago" userId="ebb108da2f256286" providerId="LiveId" clId="{90C51AEA-DCFE-484C-9678-1B8B665A600B}" dt="2021-10-19T03:07:29.189" v="357" actId="555"/>
+          <ac:spMkLst>
+            <pc:docMk/>
+            <pc:sldMk cId="615578514" sldId="342"/>
+            <ac:spMk id="78" creationId="{65EFABD3-34B0-C441-A40D-E5AC909B4451}"/>
+          </ac:spMkLst>
+        </pc:spChg>
+        <pc:spChg chg="add mod">
+          <ac:chgData name="Judson Santiago" userId="ebb108da2f256286" providerId="LiveId" clId="{90C51AEA-DCFE-484C-9678-1B8B665A600B}" dt="2021-10-19T03:09:41.191" v="374" actId="20577"/>
+          <ac:spMkLst>
+            <pc:docMk/>
+            <pc:sldMk cId="615578514" sldId="342"/>
+            <ac:spMk id="79" creationId="{F056A5EB-5EEA-3846-918E-D87EC3E683A6}"/>
+          </ac:spMkLst>
+        </pc:spChg>
+        <pc:spChg chg="add mod">
+          <ac:chgData name="Judson Santiago" userId="ebb108da2f256286" providerId="LiveId" clId="{90C51AEA-DCFE-484C-9678-1B8B665A600B}" dt="2021-10-19T03:10:26.668" v="382" actId="20577"/>
+          <ac:spMkLst>
+            <pc:docMk/>
+            <pc:sldMk cId="615578514" sldId="342"/>
+            <ac:spMk id="80" creationId="{91A5FBEA-15DD-C646-ACCD-B24BA2CF5637}"/>
+          </ac:spMkLst>
+        </pc:spChg>
+        <pc:spChg chg="mod">
+          <ac:chgData name="Judson Santiago" userId="ebb108da2f256286" providerId="LiveId" clId="{90C51AEA-DCFE-484C-9678-1B8B665A600B}" dt="2021-10-19T02:48:13.916" v="316" actId="164"/>
+          <ac:spMkLst>
+            <pc:docMk/>
+            <pc:sldMk cId="615578514" sldId="342"/>
+            <ac:spMk id="89" creationId="{00000000-0000-0000-0000-000000000000}"/>
+          </ac:spMkLst>
+        </pc:spChg>
+        <pc:spChg chg="mod">
+          <ac:chgData name="Judson Santiago" userId="ebb108da2f256286" providerId="LiveId" clId="{90C51AEA-DCFE-484C-9678-1B8B665A600B}" dt="2021-10-19T02:48:13.916" v="316" actId="164"/>
+          <ac:spMkLst>
+            <pc:docMk/>
+            <pc:sldMk cId="615578514" sldId="342"/>
+            <ac:spMk id="90" creationId="{00000000-0000-0000-0000-000000000000}"/>
+          </ac:spMkLst>
+        </pc:spChg>
+        <pc:grpChg chg="add del mod">
+          <ac:chgData name="Judson Santiago" userId="ebb108da2f256286" providerId="LiveId" clId="{90C51AEA-DCFE-484C-9678-1B8B665A600B}" dt="2021-10-19T02:37:30.468" v="213" actId="165"/>
+          <ac:grpSpMkLst>
+            <pc:docMk/>
+            <pc:sldMk cId="615578514" sldId="342"/>
+            <ac:grpSpMk id="7" creationId="{37B00336-93B5-6A48-A8FB-5953136917D1}"/>
+          </ac:grpSpMkLst>
+        </pc:grpChg>
+        <pc:grpChg chg="del">
+          <ac:chgData name="Judson Santiago" userId="ebb108da2f256286" providerId="LiveId" clId="{90C51AEA-DCFE-484C-9678-1B8B665A600B}" dt="2021-10-19T02:35:31.469" v="202" actId="165"/>
+          <ac:grpSpMkLst>
+            <pc:docMk/>
+            <pc:sldMk cId="615578514" sldId="342"/>
+            <ac:grpSpMk id="10" creationId="{2018E996-6377-4EB8-B659-1F9877EF21C4}"/>
+          </ac:grpSpMkLst>
+        </pc:grpChg>
+        <pc:grpChg chg="add mod">
+          <ac:chgData name="Judson Santiago" userId="ebb108da2f256286" providerId="LiveId" clId="{90C51AEA-DCFE-484C-9678-1B8B665A600B}" dt="2021-10-19T02:48:13.916" v="316" actId="164"/>
+          <ac:grpSpMkLst>
+            <pc:docMk/>
+            <pc:sldMk cId="615578514" sldId="342"/>
+            <ac:grpSpMk id="13" creationId="{B6012E9C-68A6-8940-90A6-F35D9563FED5}"/>
+          </ac:grpSpMkLst>
+        </pc:grpChg>
+        <pc:grpChg chg="add del mod">
+          <ac:chgData name="Judson Santiago" userId="ebb108da2f256286" providerId="LiveId" clId="{90C51AEA-DCFE-484C-9678-1B8B665A600B}" dt="2021-10-19T02:37:25.768" v="212" actId="165"/>
+          <ac:grpSpMkLst>
+            <pc:docMk/>
+            <pc:sldMk cId="615578514" sldId="342"/>
+            <ac:grpSpMk id="33" creationId="{B6555EF7-4435-D847-8953-08D0F17FF6C4}"/>
+          </ac:grpSpMkLst>
+        </pc:grpChg>
+        <pc:grpChg chg="add del mod">
+          <ac:chgData name="Judson Santiago" userId="ebb108da2f256286" providerId="LiveId" clId="{90C51AEA-DCFE-484C-9678-1B8B665A600B}" dt="2021-10-19T02:37:20.626" v="211" actId="165"/>
+          <ac:grpSpMkLst>
+            <pc:docMk/>
+            <pc:sldMk cId="615578514" sldId="342"/>
+            <ac:grpSpMk id="39" creationId="{99F6BEA2-45ED-BE4C-BCC3-37EB1A59C973}"/>
+          </ac:grpSpMkLst>
+        </pc:grpChg>
+        <pc:grpChg chg="add del mod">
+          <ac:chgData name="Judson Santiago" userId="ebb108da2f256286" providerId="LiveId" clId="{90C51AEA-DCFE-484C-9678-1B8B665A600B}" dt="2021-10-19T02:37:15.200" v="210" actId="165"/>
+          <ac:grpSpMkLst>
+            <pc:docMk/>
+            <pc:sldMk cId="615578514" sldId="342"/>
+            <ac:grpSpMk id="46" creationId="{1C02740A-A2DF-584E-A1DA-9C498B42D75E}"/>
+          </ac:grpSpMkLst>
+        </pc:grpChg>
+        <pc:grpChg chg="add mod">
+          <ac:chgData name="Judson Santiago" userId="ebb108da2f256286" providerId="LiveId" clId="{90C51AEA-DCFE-484C-9678-1B8B665A600B}" dt="2021-10-19T02:33:49.083" v="189" actId="571"/>
+          <ac:grpSpMkLst>
+            <pc:docMk/>
+            <pc:sldMk cId="615578514" sldId="342"/>
+            <ac:grpSpMk id="51" creationId="{CAB06B60-1304-634B-812D-D8E48FF63CF8}"/>
+          </ac:grpSpMkLst>
+        </pc:grpChg>
+        <pc:cxnChg chg="add">
+          <ac:chgData name="Judson Santiago" userId="ebb108da2f256286" providerId="LiveId" clId="{90C51AEA-DCFE-484C-9678-1B8B665A600B}" dt="2021-10-19T03:07:57.415" v="358" actId="11529"/>
+          <ac:cxnSpMkLst>
+            <pc:docMk/>
+            <pc:sldMk cId="615578514" sldId="342"/>
+            <ac:cxnSpMk id="15" creationId="{BF5C6E07-EAB9-A749-B647-83EF46CB0F91}"/>
+          </ac:cxnSpMkLst>
+        </pc:cxnChg>
+        <pc:cxnChg chg="add mod">
+          <ac:chgData name="Judson Santiago" userId="ebb108da2f256286" providerId="LiveId" clId="{90C51AEA-DCFE-484C-9678-1B8B665A600B}" dt="2021-10-19T02:48:13.916" v="316" actId="164"/>
+          <ac:cxnSpMkLst>
+            <pc:docMk/>
+            <pc:sldMk cId="615578514" sldId="342"/>
+            <ac:cxnSpMk id="31" creationId="{36B9E13B-7F66-5145-A765-5DA841AB2842}"/>
+          </ac:cxnSpMkLst>
+        </pc:cxnChg>
+        <pc:cxnChg chg="mod topLvl">
+          <ac:chgData name="Judson Santiago" userId="ebb108da2f256286" providerId="LiveId" clId="{90C51AEA-DCFE-484C-9678-1B8B665A600B}" dt="2021-10-19T02:48:13.916" v="316" actId="164"/>
+          <ac:cxnSpMkLst>
+            <pc:docMk/>
+            <pc:sldMk cId="615578514" sldId="342"/>
+            <ac:cxnSpMk id="38" creationId="{6F1872B3-F295-404B-9692-96FB20260AE1}"/>
+          </ac:cxnSpMkLst>
+        </pc:cxnChg>
+        <pc:cxnChg chg="mod">
+          <ac:chgData name="Judson Santiago" userId="ebb108da2f256286" providerId="LiveId" clId="{90C51AEA-DCFE-484C-9678-1B8B665A600B}" dt="2021-10-19T02:48:13.916" v="316" actId="164"/>
+          <ac:cxnSpMkLst>
+            <pc:docMk/>
+            <pc:sldMk cId="615578514" sldId="342"/>
+            <ac:cxnSpMk id="41" creationId="{00000000-0000-0000-0000-000000000000}"/>
+          </ac:cxnSpMkLst>
+        </pc:cxnChg>
+        <pc:cxnChg chg="mod">
+          <ac:chgData name="Judson Santiago" userId="ebb108da2f256286" providerId="LiveId" clId="{90C51AEA-DCFE-484C-9678-1B8B665A600B}" dt="2021-10-19T02:48:13.916" v="316" actId="164"/>
+          <ac:cxnSpMkLst>
+            <pc:docMk/>
+            <pc:sldMk cId="615578514" sldId="342"/>
+            <ac:cxnSpMk id="43" creationId="{00000000-0000-0000-0000-000000000000}"/>
+          </ac:cxnSpMkLst>
+        </pc:cxnChg>
+        <pc:cxnChg chg="mod topLvl">
+          <ac:chgData name="Judson Santiago" userId="ebb108da2f256286" providerId="LiveId" clId="{90C51AEA-DCFE-484C-9678-1B8B665A600B}" dt="2021-10-19T02:48:13.916" v="316" actId="164"/>
+          <ac:cxnSpMkLst>
+            <pc:docMk/>
+            <pc:sldMk cId="615578514" sldId="342"/>
+            <ac:cxnSpMk id="45" creationId="{E4908158-BCD6-4247-BE2F-168E6E6C6EEA}"/>
+          </ac:cxnSpMkLst>
+        </pc:cxnChg>
+        <pc:cxnChg chg="mod topLvl">
+          <ac:chgData name="Judson Santiago" userId="ebb108da2f256286" providerId="LiveId" clId="{90C51AEA-DCFE-484C-9678-1B8B665A600B}" dt="2021-10-19T02:48:13.916" v="316" actId="164"/>
+          <ac:cxnSpMkLst>
+            <pc:docMk/>
+            <pc:sldMk cId="615578514" sldId="342"/>
+            <ac:cxnSpMk id="50" creationId="{61E3DFEE-EA0D-EB4F-9B53-5D695836D099}"/>
+          </ac:cxnSpMkLst>
+        </pc:cxnChg>
+        <pc:cxnChg chg="mod topLvl">
+          <ac:chgData name="Judson Santiago" userId="ebb108da2f256286" providerId="LiveId" clId="{90C51AEA-DCFE-484C-9678-1B8B665A600B}" dt="2021-10-19T02:48:13.916" v="316" actId="164"/>
+          <ac:cxnSpMkLst>
+            <pc:docMk/>
+            <pc:sldMk cId="615578514" sldId="342"/>
+            <ac:cxnSpMk id="53" creationId="{00000000-0000-0000-0000-000000000000}"/>
+          </ac:cxnSpMkLst>
+        </pc:cxnChg>
+        <pc:cxnChg chg="mod">
+          <ac:chgData name="Judson Santiago" userId="ebb108da2f256286" providerId="LiveId" clId="{90C51AEA-DCFE-484C-9678-1B8B665A600B}" dt="2021-10-19T02:33:49.083" v="189" actId="571"/>
+          <ac:cxnSpMkLst>
+            <pc:docMk/>
+            <pc:sldMk cId="615578514" sldId="342"/>
+            <ac:cxnSpMk id="55" creationId="{50DC4441-ED85-8641-8D88-00EC33FBA8EE}"/>
+          </ac:cxnSpMkLst>
+        </pc:cxnChg>
+        <pc:cxnChg chg="add mod">
+          <ac:chgData name="Judson Santiago" userId="ebb108da2f256286" providerId="LiveId" clId="{90C51AEA-DCFE-484C-9678-1B8B665A600B}" dt="2021-10-19T02:48:13.916" v="316" actId="164"/>
+          <ac:cxnSpMkLst>
+            <pc:docMk/>
+            <pc:sldMk cId="615578514" sldId="342"/>
+            <ac:cxnSpMk id="56" creationId="{46B014CE-B8D2-5448-990E-84698684CF21}"/>
+          </ac:cxnSpMkLst>
+        </pc:cxnChg>
+        <pc:cxnChg chg="mod">
+          <ac:chgData name="Judson Santiago" userId="ebb108da2f256286" providerId="LiveId" clId="{90C51AEA-DCFE-484C-9678-1B8B665A600B}" dt="2021-10-19T02:48:13.916" v="316" actId="164"/>
+          <ac:cxnSpMkLst>
+            <pc:docMk/>
+            <pc:sldMk cId="615578514" sldId="342"/>
+            <ac:cxnSpMk id="73" creationId="{00000000-0000-0000-0000-000000000000}"/>
+          </ac:cxnSpMkLst>
+        </pc:cxnChg>
+        <pc:cxnChg chg="mod">
+          <ac:chgData name="Judson Santiago" userId="ebb108da2f256286" providerId="LiveId" clId="{90C51AEA-DCFE-484C-9678-1B8B665A600B}" dt="2021-10-19T02:48:13.916" v="316" actId="164"/>
+          <ac:cxnSpMkLst>
+            <pc:docMk/>
+            <pc:sldMk cId="615578514" sldId="342"/>
+            <ac:cxnSpMk id="74" creationId="{00000000-0000-0000-0000-000000000000}"/>
+          </ac:cxnSpMkLst>
+        </pc:cxnChg>
+      </pc:sldChg>
+    </pc:docChg>
+  </pc:docChgLst>
+  <pc:docChgLst>
+    <pc:chgData name="Judson Santiago" userId="ebb108da2f256286" providerId="LiveId" clId="{73F35A3F-2598-4ADA-A885-817FFF1603C8}"/>
+    <pc:docChg chg="custSel modSld modMainMaster">
+      <pc:chgData name="Judson Santiago" userId="ebb108da2f256286" providerId="LiveId" clId="{73F35A3F-2598-4ADA-A885-817FFF1603C8}" dt="2021-10-19T14:28:10.867" v="19" actId="207"/>
+      <pc:docMkLst>
+        <pc:docMk/>
+      </pc:docMkLst>
+      <pc:sldChg chg="modSp mod">
+        <pc:chgData name="Judson Santiago" userId="ebb108da2f256286" providerId="LiveId" clId="{73F35A3F-2598-4ADA-A885-817FFF1603C8}" dt="2021-10-19T14:18:39.580" v="15" actId="1076"/>
+        <pc:sldMkLst>
+          <pc:docMk/>
+          <pc:sldMk cId="815178062" sldId="339"/>
+        </pc:sldMkLst>
+        <pc:spChg chg="mod">
+          <ac:chgData name="Judson Santiago" userId="ebb108da2f256286" providerId="LiveId" clId="{73F35A3F-2598-4ADA-A885-817FFF1603C8}" dt="2021-10-19T14:18:39.580" v="15" actId="1076"/>
+          <ac:spMkLst>
+            <pc:docMk/>
+            <pc:sldMk cId="815178062" sldId="339"/>
+            <ac:spMk id="6" creationId="{CE66DB22-4B98-4A26-B4A1-E623F13A7623}"/>
+          </ac:spMkLst>
+        </pc:spChg>
+        <pc:spChg chg="mod">
+          <ac:chgData name="Judson Santiago" userId="ebb108da2f256286" providerId="LiveId" clId="{73F35A3F-2598-4ADA-A885-817FFF1603C8}" dt="2021-10-19T14:18:31.771" v="14" actId="1035"/>
+          <ac:spMkLst>
+            <pc:docMk/>
+            <pc:sldMk cId="815178062" sldId="339"/>
+            <ac:spMk id="9" creationId="{2C3F5507-4BC0-44DE-8E01-8D2CFB469A5A}"/>
+          </ac:spMkLst>
+        </pc:spChg>
+      </pc:sldChg>
       <pc:sldChg chg="modNotesTx">
         <pc:chgData name="Judson Santiago" userId="ebb108da2f256286" providerId="LiveId" clId="{73F35A3F-2598-4ADA-A885-817FFF1603C8}" dt="2021-10-18T12:32:08.292" v="12" actId="20577"/>
         <pc:sldMkLst>
           <pc:docMk/>
           <pc:sldMk cId="2142784936" sldId="341"/>
         </pc:sldMkLst>
+      </pc:sldChg>
+      <pc:sldChg chg="modSp mod">
+        <pc:chgData name="Judson Santiago" userId="ebb108da2f256286" providerId="LiveId" clId="{73F35A3F-2598-4ADA-A885-817FFF1603C8}" dt="2021-10-19T14:28:10.867" v="19" actId="207"/>
+        <pc:sldMkLst>
+          <pc:docMk/>
+          <pc:sldMk cId="615578514" sldId="342"/>
+        </pc:sldMkLst>
+        <pc:spChg chg="mod">
+          <ac:chgData name="Judson Santiago" userId="ebb108da2f256286" providerId="LiveId" clId="{73F35A3F-2598-4ADA-A885-817FFF1603C8}" dt="2021-10-19T14:27:48.981" v="17" actId="207"/>
+          <ac:spMkLst>
+            <pc:docMk/>
+            <pc:sldMk cId="615578514" sldId="342"/>
+            <ac:spMk id="9" creationId="{2C3F5507-4BC0-44DE-8E01-8D2CFB469A5A}"/>
+          </ac:spMkLst>
+        </pc:spChg>
+        <pc:spChg chg="mod">
+          <ac:chgData name="Judson Santiago" userId="ebb108da2f256286" providerId="LiveId" clId="{73F35A3F-2598-4ADA-A885-817FFF1603C8}" dt="2021-10-19T14:28:01.316" v="18" actId="207"/>
+          <ac:spMkLst>
+            <pc:docMk/>
+            <pc:sldMk cId="615578514" sldId="342"/>
+            <ac:spMk id="36" creationId="{00000000-0000-0000-0000-000000000000}"/>
+          </ac:spMkLst>
+        </pc:spChg>
+        <pc:spChg chg="mod">
+          <ac:chgData name="Judson Santiago" userId="ebb108da2f256286" providerId="LiveId" clId="{73F35A3F-2598-4ADA-A885-817FFF1603C8}" dt="2021-10-19T14:28:01.316" v="18" actId="207"/>
+          <ac:spMkLst>
+            <pc:docMk/>
+            <pc:sldMk cId="615578514" sldId="342"/>
+            <ac:spMk id="57" creationId="{31E0253B-E984-A04B-A31C-1460DF303021}"/>
+          </ac:spMkLst>
+        </pc:spChg>
+        <pc:spChg chg="mod">
+          <ac:chgData name="Judson Santiago" userId="ebb108da2f256286" providerId="LiveId" clId="{73F35A3F-2598-4ADA-A885-817FFF1603C8}" dt="2021-10-19T14:28:01.316" v="18" actId="207"/>
+          <ac:spMkLst>
+            <pc:docMk/>
+            <pc:sldMk cId="615578514" sldId="342"/>
+            <ac:spMk id="58" creationId="{9115FE35-E5D2-0E42-8113-4C8C3F0628DA}"/>
+          </ac:spMkLst>
+        </pc:spChg>
+        <pc:spChg chg="mod">
+          <ac:chgData name="Judson Santiago" userId="ebb108da2f256286" providerId="LiveId" clId="{73F35A3F-2598-4ADA-A885-817FFF1603C8}" dt="2021-10-19T14:28:01.316" v="18" actId="207"/>
+          <ac:spMkLst>
+            <pc:docMk/>
+            <pc:sldMk cId="615578514" sldId="342"/>
+            <ac:spMk id="59" creationId="{298BD916-5718-1C4C-8A08-9020578C7BD0}"/>
+          </ac:spMkLst>
+        </pc:spChg>
+        <pc:spChg chg="mod">
+          <ac:chgData name="Judson Santiago" userId="ebb108da2f256286" providerId="LiveId" clId="{73F35A3F-2598-4ADA-A885-817FFF1603C8}" dt="2021-10-19T14:27:48.981" v="17" actId="207"/>
+          <ac:spMkLst>
+            <pc:docMk/>
+            <pc:sldMk cId="615578514" sldId="342"/>
+            <ac:spMk id="67" creationId="{E73A3727-0938-B744-875F-2CE9DE3A4DD0}"/>
+          </ac:spMkLst>
+        </pc:spChg>
+        <pc:spChg chg="mod">
+          <ac:chgData name="Judson Santiago" userId="ebb108da2f256286" providerId="LiveId" clId="{73F35A3F-2598-4ADA-A885-817FFF1603C8}" dt="2021-10-19T14:27:48.981" v="17" actId="207"/>
+          <ac:spMkLst>
+            <pc:docMk/>
+            <pc:sldMk cId="615578514" sldId="342"/>
+            <ac:spMk id="68" creationId="{5A480081-649D-FF4C-8EC5-3EA2FDA221EF}"/>
+          </ac:spMkLst>
+        </pc:spChg>
+        <pc:spChg chg="mod">
+          <ac:chgData name="Judson Santiago" userId="ebb108da2f256286" providerId="LiveId" clId="{73F35A3F-2598-4ADA-A885-817FFF1603C8}" dt="2021-10-19T14:27:48.981" v="17" actId="207"/>
+          <ac:spMkLst>
+            <pc:docMk/>
+            <pc:sldMk cId="615578514" sldId="342"/>
+            <ac:spMk id="69" creationId="{8045B86B-3FA9-7B41-8EEE-5E5528CCDE20}"/>
+          </ac:spMkLst>
+        </pc:spChg>
+        <pc:spChg chg="mod">
+          <ac:chgData name="Judson Santiago" userId="ebb108da2f256286" providerId="LiveId" clId="{73F35A3F-2598-4ADA-A885-817FFF1603C8}" dt="2021-10-19T14:27:48.981" v="17" actId="207"/>
+          <ac:spMkLst>
+            <pc:docMk/>
+            <pc:sldMk cId="615578514" sldId="342"/>
+            <ac:spMk id="77" creationId="{361CC742-0BEE-7642-AA66-8F6F5D4BC9D8}"/>
+          </ac:spMkLst>
+        </pc:spChg>
+        <pc:spChg chg="mod">
+          <ac:chgData name="Judson Santiago" userId="ebb108da2f256286" providerId="LiveId" clId="{73F35A3F-2598-4ADA-A885-817FFF1603C8}" dt="2021-10-19T14:27:48.981" v="17" actId="207"/>
+          <ac:spMkLst>
+            <pc:docMk/>
+            <pc:sldMk cId="615578514" sldId="342"/>
+            <ac:spMk id="78" creationId="{65EFABD3-34B0-C441-A40D-E5AC909B4451}"/>
+          </ac:spMkLst>
+        </pc:spChg>
+        <pc:spChg chg="mod">
+          <ac:chgData name="Judson Santiago" userId="ebb108da2f256286" providerId="LiveId" clId="{73F35A3F-2598-4ADA-A885-817FFF1603C8}" dt="2021-10-19T14:27:48.981" v="17" actId="207"/>
+          <ac:spMkLst>
+            <pc:docMk/>
+            <pc:sldMk cId="615578514" sldId="342"/>
+            <ac:spMk id="79" creationId="{F056A5EB-5EEA-3846-918E-D87EC3E683A6}"/>
+          </ac:spMkLst>
+        </pc:spChg>
+        <pc:spChg chg="mod">
+          <ac:chgData name="Judson Santiago" userId="ebb108da2f256286" providerId="LiveId" clId="{73F35A3F-2598-4ADA-A885-817FFF1603C8}" dt="2021-10-19T14:27:48.981" v="17" actId="207"/>
+          <ac:spMkLst>
+            <pc:docMk/>
+            <pc:sldMk cId="615578514" sldId="342"/>
+            <ac:spMk id="80" creationId="{91A5FBEA-15DD-C646-ACCD-B24BA2CF5637}"/>
+          </ac:spMkLst>
+        </pc:spChg>
+        <pc:grpChg chg="mod">
+          <ac:chgData name="Judson Santiago" userId="ebb108da2f256286" providerId="LiveId" clId="{73F35A3F-2598-4ADA-A885-817FFF1603C8}" dt="2021-10-19T14:28:10.867" v="19" actId="207"/>
+          <ac:grpSpMkLst>
+            <pc:docMk/>
+            <pc:sldMk cId="615578514" sldId="342"/>
+            <ac:grpSpMk id="13" creationId="{B6012E9C-68A6-8940-90A6-F35D9563FED5}"/>
+          </ac:grpSpMkLst>
+        </pc:grpChg>
+        <pc:cxnChg chg="mod">
+          <ac:chgData name="Judson Santiago" userId="ebb108da2f256286" providerId="LiveId" clId="{73F35A3F-2598-4ADA-A885-817FFF1603C8}" dt="2021-10-19T14:27:21.096" v="16" actId="1582"/>
+          <ac:cxnSpMkLst>
+            <pc:docMk/>
+            <pc:sldMk cId="615578514" sldId="342"/>
+            <ac:cxnSpMk id="15" creationId="{BF5C6E07-EAB9-A749-B647-83EF46CB0F91}"/>
+          </ac:cxnSpMkLst>
+        </pc:cxnChg>
       </pc:sldChg>
       <pc:sldMasterChg chg="addSp modSp">
         <pc:chgData name="Judson Santiago" userId="ebb108da2f256286" providerId="LiveId" clId="{73F35A3F-2598-4ADA-A885-817FFF1603C8}" dt="2021-10-13T18:09:54.437" v="0"/>
@@ -1819,7 +2618,7 @@
             <a:fld id="{4C457FC9-8E1D-4A40-BFF1-0E630693B1AB}" type="datetimeFigureOut">
               <a:rPr lang="pt-BR" smtClean="0"/>
               <a:pPr/>
-              <a:t>18/10/2021</a:t>
+              <a:t>19/10/2021</a:t>
             </a:fld>
             <a:endParaRPr lang="pt-BR"/>
           </a:p>
@@ -2584,6 +3383,108 @@
               <a:tabLst/>
               <a:defRPr/>
             </a:pPr>
+            <a:endParaRPr lang="pt-BR" b="1" dirty="0"/>
+          </a:p>
+        </p:txBody>
+      </p:sp>
+      <p:sp>
+        <p:nvSpPr>
+          <p:cNvPr id="4" name="Espaço Reservado para Número de Slide 3"/>
+          <p:cNvSpPr>
+            <a:spLocks noGrp="1"/>
+          </p:cNvSpPr>
+          <p:nvPr>
+            <p:ph type="sldNum" sz="quarter" idx="10"/>
+          </p:nvPr>
+        </p:nvSpPr>
+        <p:spPr/>
+        <p:txBody>
+          <a:bodyPr/>
+          <a:lstStyle/>
+          <a:p>
+            <a:fld id="{EF334A8D-C5BE-432D-90D0-92D67DD437AB}" type="slidenum">
+              <a:rPr lang="pt-BR" smtClean="0"/>
+              <a:pPr/>
+              <a:t>7</a:t>
+            </a:fld>
+            <a:endParaRPr lang="pt-BR"/>
+          </a:p>
+        </p:txBody>
+      </p:sp>
+    </p:spTree>
+    <p:extLst>
+      <p:ext uri="{BB962C8B-B14F-4D97-AF65-F5344CB8AC3E}">
+        <p14:creationId xmlns:p14="http://schemas.microsoft.com/office/powerpoint/2010/main" val="2986191262"/>
+      </p:ext>
+    </p:extLst>
+  </p:cSld>
+  <p:clrMapOvr>
+    <a:masterClrMapping/>
+  </p:clrMapOvr>
+</p:notes>
+</file>
+
+<file path=ppt/notesSlides/notesSlide6.xml><?xml version="1.0" encoding="utf-8"?>
+<p:notes xmlns:a="http://schemas.openxmlformats.org/drawingml/2006/main" xmlns:r="http://schemas.openxmlformats.org/officeDocument/2006/relationships" xmlns:p="http://schemas.openxmlformats.org/presentationml/2006/main">
+  <p:cSld>
+    <p:spTree>
+      <p:nvGrpSpPr>
+        <p:cNvPr id="1" name=""/>
+        <p:cNvGrpSpPr/>
+        <p:nvPr/>
+      </p:nvGrpSpPr>
+      <p:grpSpPr>
+        <a:xfrm>
+          <a:off x="0" y="0"/>
+          <a:ext cx="0" cy="0"/>
+          <a:chOff x="0" y="0"/>
+          <a:chExt cx="0" cy="0"/>
+        </a:xfrm>
+      </p:grpSpPr>
+      <p:sp>
+        <p:nvSpPr>
+          <p:cNvPr id="2" name="Espaço Reservado para Imagem de Slide 1"/>
+          <p:cNvSpPr>
+            <a:spLocks noGrp="1" noRot="1" noChangeAspect="1"/>
+          </p:cNvSpPr>
+          <p:nvPr>
+            <p:ph type="sldImg"/>
+          </p:nvPr>
+        </p:nvSpPr>
+        <p:spPr/>
+      </p:sp>
+      <p:sp>
+        <p:nvSpPr>
+          <p:cNvPr id="3" name="Espaço Reservado para Anotações 2"/>
+          <p:cNvSpPr>
+            <a:spLocks noGrp="1"/>
+          </p:cNvSpPr>
+          <p:nvPr>
+            <p:ph type="body" idx="1"/>
+          </p:nvPr>
+        </p:nvSpPr>
+        <p:spPr/>
+        <p:txBody>
+          <a:bodyPr/>
+          <a:lstStyle/>
+          <a:p>
+            <a:pPr marL="0" marR="0" lvl="0" indent="0" algn="l" defTabSz="914400" rtl="0" eaLnBrk="1" fontAlgn="auto" latinLnBrk="0" hangingPunct="1">
+              <a:lnSpc>
+                <a:spcPct val="100000"/>
+              </a:lnSpc>
+              <a:spcBef>
+                <a:spcPts val="0"/>
+              </a:spcBef>
+              <a:spcAft>
+                <a:spcPts val="0"/>
+              </a:spcAft>
+              <a:buClrTx/>
+              <a:buSzTx/>
+              <a:buFontTx/>
+              <a:buNone/>
+              <a:tabLst/>
+              <a:defRPr/>
+            </a:pPr>
             <a:r>
               <a:rPr lang="pt-BR" sz="1200" dirty="0">
                 <a:solidFill>
@@ -2654,7 +3555,7 @@
             <a:fld id="{EF334A8D-C5BE-432D-90D0-92D67DD437AB}" type="slidenum">
               <a:rPr lang="pt-BR" smtClean="0"/>
               <a:pPr/>
-              <a:t>7</a:t>
+              <a:t>8</a:t>
             </a:fld>
             <a:endParaRPr lang="pt-BR"/>
           </a:p>
@@ -2663,7 +3564,7 @@
     </p:spTree>
     <p:extLst>
       <p:ext uri="{BB962C8B-B14F-4D97-AF65-F5344CB8AC3E}">
-        <p14:creationId xmlns:p14="http://schemas.microsoft.com/office/powerpoint/2010/main" val="2986191262"/>
+        <p14:creationId xmlns:p14="http://schemas.microsoft.com/office/powerpoint/2010/main" val="1337410529"/>
       </p:ext>
     </p:extLst>
   </p:cSld>
@@ -3608,7 +4509,7 @@
             <a:fld id="{B41ABA4E-CD72-497B-97AA-7213B3980F60}" type="datetimeFigureOut">
               <a:rPr lang="en-US" smtClean="0"/>
               <a:pPr/>
-              <a:t>10/18/2021</a:t>
+              <a:t>10/19/2021</a:t>
             </a:fld>
             <a:endParaRPr lang="en-US" dirty="0"/>
           </a:p>
@@ -3785,7 +4686,7 @@
             <a:fld id="{B41ABA4E-CD72-497B-97AA-7213B3980F60}" type="datetimeFigureOut">
               <a:rPr lang="en-US" smtClean="0"/>
               <a:pPr/>
-              <a:t>10/18/2021</a:t>
+              <a:t>10/19/2021</a:t>
             </a:fld>
             <a:endParaRPr lang="en-US" dirty="0"/>
           </a:p>
@@ -3981,7 +4882,7 @@
             <a:fld id="{B41ABA4E-CD72-497B-97AA-7213B3980F60}" type="datetimeFigureOut">
               <a:rPr lang="en-US" smtClean="0"/>
               <a:pPr/>
-              <a:t>10/18/2021</a:t>
+              <a:t>10/19/2021</a:t>
             </a:fld>
             <a:endParaRPr lang="en-US" dirty="0"/>
           </a:p>
@@ -4242,7 +5143,7 @@
             <a:fld id="{B41ABA4E-CD72-497B-97AA-7213B3980F60}" type="datetimeFigureOut">
               <a:rPr lang="en-US" smtClean="0"/>
               <a:pPr/>
-              <a:t>10/18/2021</a:t>
+              <a:t>10/19/2021</a:t>
             </a:fld>
             <a:endParaRPr lang="en-US" dirty="0"/>
           </a:p>
@@ -4643,7 +5544,7 @@
             <a:fld id="{B41ABA4E-CD72-497B-97AA-7213B3980F60}" type="datetimeFigureOut">
               <a:rPr lang="en-US" smtClean="0"/>
               <a:pPr/>
-              <a:t>10/18/2021</a:t>
+              <a:t>10/19/2021</a:t>
             </a:fld>
             <a:endParaRPr lang="en-US" dirty="0"/>
           </a:p>
@@ -5083,7 +5984,7 @@
             <a:fld id="{B41ABA4E-CD72-497B-97AA-7213B3980F60}" type="datetimeFigureOut">
               <a:rPr lang="en-US" smtClean="0"/>
               <a:pPr/>
-              <a:t>10/18/2021</a:t>
+              <a:t>10/19/2021</a:t>
             </a:fld>
             <a:endParaRPr lang="en-US" dirty="0"/>
           </a:p>
@@ -5180,7 +6081,7 @@
             <a:fld id="{B41ABA4E-CD72-497B-97AA-7213B3980F60}" type="datetimeFigureOut">
               <a:rPr lang="en-US" smtClean="0"/>
               <a:pPr/>
-              <a:t>10/18/2021</a:t>
+              <a:t>10/19/2021</a:t>
             </a:fld>
             <a:endParaRPr lang="en-US" dirty="0"/>
           </a:p>
@@ -5295,7 +6196,7 @@
             <a:fld id="{B41ABA4E-CD72-497B-97AA-7213B3980F60}" type="datetimeFigureOut">
               <a:rPr lang="en-US" smtClean="0"/>
               <a:pPr/>
-              <a:t>10/18/2021</a:t>
+              <a:t>10/19/2021</a:t>
             </a:fld>
             <a:endParaRPr lang="en-US" dirty="0"/>
           </a:p>
@@ -5565,7 +6466,7 @@
             <a:fld id="{B41ABA4E-CD72-497B-97AA-7213B3980F60}" type="datetimeFigureOut">
               <a:rPr lang="en-US" smtClean="0"/>
               <a:pPr/>
-              <a:t>10/18/2021</a:t>
+              <a:t>10/19/2021</a:t>
             </a:fld>
             <a:endParaRPr lang="en-US" dirty="0"/>
           </a:p>
@@ -5768,7 +6669,7 @@
             <a:fld id="{B41ABA4E-CD72-497B-97AA-7213B3980F60}" type="datetimeFigureOut">
               <a:rPr lang="en-US" smtClean="0"/>
               <a:pPr/>
-              <a:t>10/18/2021</a:t>
+              <a:t>10/19/2021</a:t>
             </a:fld>
             <a:endParaRPr lang="en-US" dirty="0"/>
           </a:p>
@@ -6963,7 +7864,7 @@
             <a:fld id="{B41ABA4E-CD72-497B-97AA-7213B3980F60}" type="datetimeFigureOut">
               <a:rPr lang="en-US" smtClean="0"/>
               <a:pPr/>
-              <a:t>10/18/2021</a:t>
+              <a:t>10/19/2021</a:t>
             </a:fld>
             <a:endParaRPr lang="en-US" dirty="0"/>
           </a:p>
@@ -15742,198 +16643,8 @@
           </a:p>
         </p:txBody>
       </p:sp>
-      <p:grpSp>
-        <p:nvGrpSpPr>
-          <p:cNvPr id="26" name="Agrupar 25">
-            <a:extLst>
-              <a:ext uri="{FF2B5EF4-FFF2-40B4-BE49-F238E27FC236}">
-                <a16:creationId xmlns:a16="http://schemas.microsoft.com/office/drawing/2014/main" id="{87FF8989-7975-4878-950F-4EF97F7CD07D}"/>
-              </a:ext>
-            </a:extLst>
-          </p:cNvPr>
-          <p:cNvGrpSpPr/>
-          <p:nvPr/>
-        </p:nvGrpSpPr>
-        <p:grpSpPr>
-          <a:xfrm>
-            <a:off x="11574734" y="6372414"/>
-            <a:ext cx="617266" cy="495111"/>
-            <a:chOff x="11574734" y="6372414"/>
-            <a:chExt cx="617266" cy="495111"/>
-          </a:xfrm>
-        </p:grpSpPr>
-        <p:sp>
-          <p:nvSpPr>
-            <p:cNvPr id="27" name="Triângulo isósceles 6">
-              <a:extLst>
-                <a:ext uri="{FF2B5EF4-FFF2-40B4-BE49-F238E27FC236}">
-                  <a16:creationId xmlns:a16="http://schemas.microsoft.com/office/drawing/2014/main" id="{FA06FF30-E6F7-4624-91E7-645FC4F9B822}"/>
-                </a:ext>
-              </a:extLst>
-            </p:cNvPr>
-            <p:cNvSpPr/>
-            <p:nvPr/>
-          </p:nvSpPr>
-          <p:spPr>
-            <a:xfrm>
-              <a:off x="11574734" y="6372414"/>
-              <a:ext cx="593516" cy="464210"/>
-            </a:xfrm>
-            <a:custGeom>
-              <a:avLst/>
-              <a:gdLst>
-                <a:gd name="connsiteX0" fmla="*/ 0 w 864096"/>
-                <a:gd name="connsiteY0" fmla="*/ 1512168 h 1512168"/>
-                <a:gd name="connsiteX1" fmla="*/ 432048 w 864096"/>
-                <a:gd name="connsiteY1" fmla="*/ 0 h 1512168"/>
-                <a:gd name="connsiteX2" fmla="*/ 864096 w 864096"/>
-                <a:gd name="connsiteY2" fmla="*/ 1512168 h 1512168"/>
-                <a:gd name="connsiteX3" fmla="*/ 0 w 864096"/>
-                <a:gd name="connsiteY3" fmla="*/ 1512168 h 1512168"/>
-                <a:gd name="connsiteX0" fmla="*/ 0 w 864096"/>
-                <a:gd name="connsiteY0" fmla="*/ 787773 h 787773"/>
-                <a:gd name="connsiteX1" fmla="*/ 847684 w 864096"/>
-                <a:gd name="connsiteY1" fmla="*/ 0 h 787773"/>
-                <a:gd name="connsiteX2" fmla="*/ 864096 w 864096"/>
-                <a:gd name="connsiteY2" fmla="*/ 787773 h 787773"/>
-                <a:gd name="connsiteX3" fmla="*/ 0 w 864096"/>
-                <a:gd name="connsiteY3" fmla="*/ 787773 h 787773"/>
-                <a:gd name="connsiteX0" fmla="*/ 0 w 864096"/>
-                <a:gd name="connsiteY0" fmla="*/ 797298 h 797298"/>
-                <a:gd name="connsiteX1" fmla="*/ 857209 w 864096"/>
-                <a:gd name="connsiteY1" fmla="*/ 0 h 797298"/>
-                <a:gd name="connsiteX2" fmla="*/ 864096 w 864096"/>
-                <a:gd name="connsiteY2" fmla="*/ 797298 h 797298"/>
-                <a:gd name="connsiteX3" fmla="*/ 0 w 864096"/>
-                <a:gd name="connsiteY3" fmla="*/ 797298 h 797298"/>
-                <a:gd name="connsiteX0" fmla="*/ 0 w 864096"/>
-                <a:gd name="connsiteY0" fmla="*/ 799680 h 799680"/>
-                <a:gd name="connsiteX1" fmla="*/ 861971 w 864096"/>
-                <a:gd name="connsiteY1" fmla="*/ 0 h 799680"/>
-                <a:gd name="connsiteX2" fmla="*/ 864096 w 864096"/>
-                <a:gd name="connsiteY2" fmla="*/ 799680 h 799680"/>
-                <a:gd name="connsiteX3" fmla="*/ 0 w 864096"/>
-                <a:gd name="connsiteY3" fmla="*/ 799680 h 799680"/>
-              </a:gdLst>
-              <a:ahLst/>
-              <a:cxnLst>
-                <a:cxn ang="0">
-                  <a:pos x="connsiteX0" y="connsiteY0"/>
-                </a:cxn>
-                <a:cxn ang="0">
-                  <a:pos x="connsiteX1" y="connsiteY1"/>
-                </a:cxn>
-                <a:cxn ang="0">
-                  <a:pos x="connsiteX2" y="connsiteY2"/>
-                </a:cxn>
-                <a:cxn ang="0">
-                  <a:pos x="connsiteX3" y="connsiteY3"/>
-                </a:cxn>
-              </a:cxnLst>
-              <a:rect l="l" t="t" r="r" b="b"/>
-              <a:pathLst>
-                <a:path w="864096" h="799680">
-                  <a:moveTo>
-                    <a:pt x="0" y="799680"/>
-                  </a:moveTo>
-                  <a:lnTo>
-                    <a:pt x="861971" y="0"/>
-                  </a:lnTo>
-                  <a:cubicBezTo>
-                    <a:pt x="864267" y="265766"/>
-                    <a:pt x="861800" y="533914"/>
-                    <a:pt x="864096" y="799680"/>
-                  </a:cubicBezTo>
-                  <a:lnTo>
-                    <a:pt x="0" y="799680"/>
-                  </a:lnTo>
-                  <a:close/>
-                </a:path>
-              </a:pathLst>
-            </a:custGeom>
-            <a:solidFill>
-              <a:schemeClr val="accent1">
-                <a:lumMod val="75000"/>
-              </a:schemeClr>
-            </a:solidFill>
-            <a:ln>
-              <a:solidFill>
-                <a:schemeClr val="accent1">
-                  <a:lumMod val="75000"/>
-                </a:schemeClr>
-              </a:solidFill>
-            </a:ln>
-          </p:spPr>
-          <p:style>
-            <a:lnRef idx="2">
-              <a:schemeClr val="accent1">
-                <a:shade val="50000"/>
-              </a:schemeClr>
-            </a:lnRef>
-            <a:fillRef idx="1">
-              <a:schemeClr val="accent1"/>
-            </a:fillRef>
-            <a:effectRef idx="0">
-              <a:schemeClr val="accent1"/>
-            </a:effectRef>
-            <a:fontRef idx="minor">
-              <a:schemeClr val="lt1"/>
-            </a:fontRef>
-          </p:style>
-          <p:txBody>
-            <a:bodyPr rtlCol="0" anchor="ctr"/>
-            <a:lstStyle/>
-            <a:p>
-              <a:pPr algn="ctr"/>
-              <a:endParaRPr lang="pt-BR" dirty="0"/>
-            </a:p>
-          </p:txBody>
-        </p:sp>
-        <p:sp>
-          <p:nvSpPr>
-            <p:cNvPr id="28" name="Retângulo 27">
-              <a:extLst>
-                <a:ext uri="{FF2B5EF4-FFF2-40B4-BE49-F238E27FC236}">
-                  <a16:creationId xmlns:a16="http://schemas.microsoft.com/office/drawing/2014/main" id="{D04787C4-1E8D-4AB5-9D04-FBD90739F0EC}"/>
-                </a:ext>
-              </a:extLst>
-            </p:cNvPr>
-            <p:cNvSpPr/>
-            <p:nvPr/>
-          </p:nvSpPr>
-          <p:spPr>
-            <a:xfrm>
-              <a:off x="11800716" y="6467415"/>
-              <a:ext cx="391284" cy="400110"/>
-            </a:xfrm>
-            <a:prstGeom prst="rect">
-              <a:avLst/>
-            </a:prstGeom>
-          </p:spPr>
-          <p:txBody>
-            <a:bodyPr wrap="square">
-              <a:spAutoFit/>
-            </a:bodyPr>
-            <a:lstStyle/>
-            <a:p>
-              <a:pPr marL="68580" indent="0">
-                <a:buNone/>
-              </a:pPr>
-              <a:r>
-                <a:rPr lang="pt-BR" sz="2000" dirty="0">
-                  <a:solidFill>
-                    <a:schemeClr val="bg1"/>
-                  </a:solidFill>
-                  <a:latin typeface="Consolas" panose="020B0609020204030204" pitchFamily="49" charset="0"/>
-                </a:rPr>
-                <a:t>»</a:t>
-              </a:r>
-            </a:p>
-          </p:txBody>
-        </p:sp>
-      </p:grpSp>
-      <mc:AlternateContent xmlns:mc="http://schemas.openxmlformats.org/markup-compatibility/2006" xmlns:a14="http://schemas.microsoft.com/office/drawing/2010/main">
-        <mc:Choice Requires="a14">
+      <mc:AlternateContent xmlns:mc="http://schemas.openxmlformats.org/markup-compatibility/2006">
+        <mc:Choice xmlns:a14="http://schemas.microsoft.com/office/drawing/2010/main" Requires="a14">
           <p:sp>
             <p:nvSpPr>
               <p:cNvPr id="6" name="CaixaDeTexto 5">
@@ -15948,7 +16659,7 @@
             </p:nvSpPr>
             <p:spPr>
               <a:xfrm>
-                <a:off x="7896274" y="3105834"/>
+                <a:off x="7902123" y="3105834"/>
                 <a:ext cx="1295996" cy="646331"/>
               </a:xfrm>
               <a:prstGeom prst="rect">
@@ -16136,7 +16847,7 @@
             </p:txBody>
           </p:sp>
         </mc:Choice>
-        <mc:Fallback xmlns="">
+        <mc:Fallback>
           <p:sp>
             <p:nvSpPr>
               <p:cNvPr id="6" name="CaixaDeTexto 5">
@@ -16153,7 +16864,7 @@
             </p:nvSpPr>
             <p:spPr>
               <a:xfrm>
-                <a:off x="7896274" y="3105834"/>
+                <a:off x="7902123" y="3105834"/>
                 <a:ext cx="1295996" cy="646331"/>
               </a:xfrm>
               <a:prstGeom prst="rect">
@@ -16183,10 +16894,10 @@
       </mc:AlternateContent>
       <p:grpSp>
         <p:nvGrpSpPr>
-          <p:cNvPr id="11" name="Agrupar 10">
+          <p:cNvPr id="4" name="Agrupar 3">
             <a:extLst>
               <a:ext uri="{FF2B5EF4-FFF2-40B4-BE49-F238E27FC236}">
-                <a16:creationId xmlns:a16="http://schemas.microsoft.com/office/drawing/2014/main" id="{312390C2-8299-4389-8308-B4C76099C68A}"/>
+                <a16:creationId xmlns:a16="http://schemas.microsoft.com/office/drawing/2014/main" id="{6B3DB0A9-C249-314C-A449-1122E3132EB3}"/>
               </a:ext>
             </a:extLst>
           </p:cNvPr>
@@ -16197,8 +16908,8 @@
           <a:xfrm>
             <a:off x="2495600" y="2334553"/>
             <a:ext cx="4102160" cy="3533892"/>
-            <a:chOff x="2018445" y="2041426"/>
-            <a:chExt cx="4815579" cy="4148481"/>
+            <a:chOff x="2495600" y="2334553"/>
+            <a:chExt cx="4102160" cy="3533892"/>
           </a:xfrm>
         </p:grpSpPr>
         <p:cxnSp>
@@ -16211,8 +16922,8 @@
           </p:nvCxnSpPr>
           <p:spPr>
             <a:xfrm flipV="1">
-              <a:off x="2390797" y="2529396"/>
-              <a:ext cx="1" cy="3059844"/>
+              <a:off x="2812789" y="2750231"/>
+              <a:ext cx="1" cy="2606534"/>
             </a:xfrm>
             <a:prstGeom prst="line">
               <a:avLst/>
@@ -16251,8 +16962,8 @@
           </p:nvSpPr>
           <p:spPr>
             <a:xfrm>
-              <a:off x="2208073" y="2041426"/>
-              <a:ext cx="365444" cy="433564"/>
+              <a:off x="2657135" y="2334553"/>
+              <a:ext cx="311304" cy="369332"/>
             </a:xfrm>
             <a:prstGeom prst="rect">
               <a:avLst/>
@@ -16297,8 +17008,8 @@
           </p:nvCxnSpPr>
           <p:spPr>
             <a:xfrm>
-              <a:off x="2135560" y="5326427"/>
-              <a:ext cx="4287756" cy="0"/>
+              <a:off x="2595365" y="5132888"/>
+              <a:ext cx="3652533" cy="0"/>
             </a:xfrm>
             <a:prstGeom prst="line">
               <a:avLst/>
@@ -16337,8 +17048,8 @@
           </p:nvSpPr>
           <p:spPr>
             <a:xfrm>
-              <a:off x="6468580" y="5086122"/>
-              <a:ext cx="365444" cy="433564"/>
+              <a:off x="6286456" y="4928183"/>
+              <a:ext cx="311304" cy="369332"/>
             </a:xfrm>
             <a:prstGeom prst="rect">
               <a:avLst/>
@@ -16383,8 +17094,8 @@
               </p:nvSpPr>
               <p:spPr>
                 <a:xfrm>
-                  <a:off x="3478862" y="3786905"/>
-                  <a:ext cx="564686" cy="505824"/>
+                  <a:off x="3739659" y="3821443"/>
+                  <a:ext cx="481029" cy="430887"/>
                 </a:xfrm>
                 <a:prstGeom prst="rect">
                   <a:avLst/>
@@ -16443,8 +17154,8 @@
               </p:nvSpPr>
               <p:spPr>
                 <a:xfrm>
-                  <a:off x="3478862" y="3786905"/>
-                  <a:ext cx="564686" cy="505824"/>
+                  <a:off x="3739659" y="3821443"/>
+                  <a:ext cx="481029" cy="430887"/>
                 </a:xfrm>
                 <a:prstGeom prst="rect">
                   <a:avLst/>
@@ -16479,8 +17190,8 @@
           </p:nvCxnSpPr>
           <p:spPr>
             <a:xfrm flipH="1" flipV="1">
-              <a:off x="5530209" y="3215043"/>
-              <a:ext cx="6592" cy="2111384"/>
+              <a:off x="5487103" y="3334301"/>
+              <a:ext cx="5615" cy="1798587"/>
             </a:xfrm>
             <a:prstGeom prst="straightConnector1">
               <a:avLst/>
@@ -16518,8 +17229,8 @@
           </p:nvCxnSpPr>
           <p:spPr>
             <a:xfrm>
-              <a:off x="2381193" y="3218297"/>
-              <a:ext cx="3146005" cy="1"/>
+              <a:off x="2804608" y="3337073"/>
+              <a:ext cx="2679930" cy="1"/>
             </a:xfrm>
             <a:prstGeom prst="straightConnector1">
               <a:avLst/>
@@ -16559,8 +17270,8 @@
               </p:nvSpPr>
               <p:spPr>
                 <a:xfrm>
-                  <a:off x="3709068" y="5693266"/>
-                  <a:ext cx="623850" cy="496641"/>
+                  <a:off x="3935760" y="5445380"/>
+                  <a:ext cx="531428" cy="423065"/>
                 </a:xfrm>
                 <a:prstGeom prst="rect">
                   <a:avLst/>
@@ -16631,8 +17342,8 @@
               </p:nvSpPr>
               <p:spPr>
                 <a:xfrm>
-                  <a:off x="3709068" y="5693266"/>
-                  <a:ext cx="623850" cy="496641"/>
+                  <a:off x="3935760" y="5445380"/>
+                  <a:ext cx="531428" cy="423065"/>
                 </a:xfrm>
                 <a:prstGeom prst="rect">
                   <a:avLst/>
@@ -16669,8 +17380,8 @@
               </p:nvSpPr>
               <p:spPr>
                 <a:xfrm>
-                  <a:off x="5830628" y="3942747"/>
-                  <a:ext cx="627012" cy="496641"/>
+                  <a:off x="5743015" y="3954197"/>
+                  <a:ext cx="534121" cy="423065"/>
                 </a:xfrm>
                 <a:prstGeom prst="rect">
                   <a:avLst/>
@@ -16741,8 +17452,8 @@
               </p:nvSpPr>
               <p:spPr>
                 <a:xfrm>
-                  <a:off x="5830628" y="3942747"/>
-                  <a:ext cx="627012" cy="496641"/>
+                  <a:off x="5743015" y="3954197"/>
+                  <a:ext cx="534121" cy="423065"/>
                 </a:xfrm>
                 <a:prstGeom prst="rect">
                   <a:avLst/>
@@ -16750,7 +17461,7 @@
                 <a:blipFill>
                   <a:blip r:embed="rId6"/>
                   <a:stretch>
-                    <a:fillRect b="-15942"/>
+                    <a:fillRect b="-11765"/>
                   </a:stretch>
                 </a:blipFill>
               </p:spPr>
@@ -16777,8 +17488,8 @@
           </p:nvSpPr>
           <p:spPr>
             <a:xfrm rot="675350">
-              <a:off x="2018445" y="4782376"/>
-              <a:ext cx="955525" cy="965464"/>
+              <a:off x="2495600" y="4669437"/>
+              <a:ext cx="813966" cy="822432"/>
             </a:xfrm>
             <a:prstGeom prst="arc">
               <a:avLst>
@@ -16821,8 +17532,8 @@
               </p:nvSpPr>
               <p:spPr>
                 <a:xfrm>
-                  <a:off x="2947476" y="4871434"/>
-                  <a:ext cx="490920" cy="469694"/>
+                  <a:off x="3286997" y="4745301"/>
+                  <a:ext cx="418191" cy="400110"/>
                 </a:xfrm>
                 <a:prstGeom prst="rect">
                   <a:avLst/>
@@ -16871,8 +17582,8 @@
               </p:nvSpPr>
               <p:spPr>
                 <a:xfrm>
-                  <a:off x="2947476" y="4871434"/>
-                  <a:ext cx="490920" cy="469694"/>
+                  <a:off x="3286997" y="4745301"/>
+                  <a:ext cx="418191" cy="400110"/>
                 </a:xfrm>
                 <a:prstGeom prst="rect">
                   <a:avLst/>
@@ -16909,8 +17620,8 @@
           </p:nvCxnSpPr>
           <p:spPr>
             <a:xfrm flipV="1">
-              <a:off x="2390795" y="3215043"/>
-              <a:ext cx="3141913" cy="2111384"/>
+              <a:off x="2812787" y="3334301"/>
+              <a:ext cx="2676444" cy="1798587"/>
             </a:xfrm>
             <a:prstGeom prst="straightConnector1">
               <a:avLst/>
@@ -16948,8 +17659,8 @@
           </p:nvSpPr>
           <p:spPr>
             <a:xfrm>
-              <a:off x="5675242" y="3225557"/>
-              <a:ext cx="155386" cy="2037178"/>
+              <a:off x="5610649" y="3343257"/>
+              <a:ext cx="132366" cy="1735374"/>
             </a:xfrm>
             <a:prstGeom prst="rightBrace">
               <a:avLst/>
@@ -16999,8 +17710,8 @@
           </p:nvSpPr>
           <p:spPr>
             <a:xfrm rot="16200000" flipH="1">
-              <a:off x="3893502" y="4049777"/>
-              <a:ext cx="173389" cy="3113207"/>
+              <a:off x="4092871" y="4045371"/>
+              <a:ext cx="147702" cy="2651991"/>
             </a:xfrm>
             <a:prstGeom prst="rightBrace">
               <a:avLst/>
@@ -17114,8 +17825,8 @@
             </a:p>
           </p:txBody>
         </p:sp>
-        <mc:AlternateContent xmlns:mc="http://schemas.openxmlformats.org/markup-compatibility/2006" xmlns:a14="http://schemas.microsoft.com/office/drawing/2010/main">
-          <mc:Choice Requires="a14">
+        <mc:AlternateContent xmlns:mc="http://schemas.openxmlformats.org/markup-compatibility/2006">
+          <mc:Choice xmlns:a14="http://schemas.microsoft.com/office/drawing/2010/main" Requires="a14">
             <p:sp>
               <p:nvSpPr>
                 <p:cNvPr id="9" name="CaixaDeTexto 8">
@@ -17130,7 +17841,7 @@
               </p:nvSpPr>
               <p:spPr>
                 <a:xfrm>
-                  <a:off x="7665506" y="4144609"/>
+                  <a:off x="7622372" y="4140489"/>
                   <a:ext cx="1757532" cy="760721"/>
                 </a:xfrm>
                 <a:prstGeom prst="rect">
@@ -17325,7 +18036,7 @@
               </p:txBody>
             </p:sp>
           </mc:Choice>
-          <mc:Fallback xmlns="">
+          <mc:Fallback>
             <p:sp>
               <p:nvSpPr>
                 <p:cNvPr id="9" name="CaixaDeTexto 8">
@@ -17342,7 +18053,7 @@
               </p:nvSpPr>
               <p:spPr>
                 <a:xfrm>
-                  <a:off x="7665506" y="4144609"/>
+                  <a:off x="7622372" y="4140489"/>
                   <a:ext cx="1757532" cy="760721"/>
                 </a:xfrm>
                 <a:prstGeom prst="rect">
@@ -17388,6 +18099,4988 @@
 </file>
 
 <file path=ppt/slides/slide8.xml><?xml version="1.0" encoding="utf-8"?>
+<p:sld xmlns:a="http://schemas.openxmlformats.org/drawingml/2006/main" xmlns:r="http://schemas.openxmlformats.org/officeDocument/2006/relationships" xmlns:p="http://schemas.openxmlformats.org/presentationml/2006/main">
+  <p:cSld>
+    <p:spTree>
+      <p:nvGrpSpPr>
+        <p:cNvPr id="1" name=""/>
+        <p:cNvGrpSpPr/>
+        <p:nvPr/>
+      </p:nvGrpSpPr>
+      <p:grpSpPr>
+        <a:xfrm>
+          <a:off x="0" y="0"/>
+          <a:ext cx="0" cy="0"/>
+          <a:chOff x="0" y="0"/>
+          <a:chExt cx="0" cy="0"/>
+        </a:xfrm>
+      </p:grpSpPr>
+      <p:sp>
+        <p:nvSpPr>
+          <p:cNvPr id="2" name="Espaço Reservado para Conteúdo 1"/>
+          <p:cNvSpPr>
+            <a:spLocks noGrp="1"/>
+          </p:cNvSpPr>
+          <p:nvPr>
+            <p:ph idx="1"/>
+          </p:nvPr>
+        </p:nvSpPr>
+        <p:spPr/>
+        <p:txBody>
+          <a:bodyPr/>
+          <a:lstStyle/>
+          <a:p>
+            <a:r>
+              <a:rPr lang="pt-BR" dirty="0"/>
+              <a:t>Para manter o ângulo entre 0 e 359 é preciso </a:t>
+            </a:r>
+            <a:br>
+              <a:rPr lang="pt-BR" dirty="0"/>
+            </a:br>
+            <a:r>
+              <a:rPr lang="pt-BR" dirty="0"/>
+              <a:t>ajustar o resultado conforme o </a:t>
+            </a:r>
+            <a:r>
+              <a:rPr lang="pt-BR" dirty="0">
+                <a:solidFill>
+                  <a:schemeClr val="accent1">
+                    <a:lumMod val="75000"/>
+                  </a:schemeClr>
+                </a:solidFill>
+              </a:rPr>
+              <a:t>quadrante</a:t>
+            </a:r>
+            <a:r>
+              <a:rPr lang="pt-BR" dirty="0"/>
+              <a:t>:</a:t>
+            </a:r>
+            <a:endParaRPr lang="pt-BR" dirty="0">
+              <a:solidFill>
+                <a:schemeClr val="accent1">
+                  <a:lumMod val="75000"/>
+                </a:schemeClr>
+              </a:solidFill>
+            </a:endParaRPr>
+          </a:p>
+        </p:txBody>
+      </p:sp>
+      <p:sp>
+        <p:nvSpPr>
+          <p:cNvPr id="3" name="Título 2"/>
+          <p:cNvSpPr>
+            <a:spLocks noGrp="1"/>
+          </p:cNvSpPr>
+          <p:nvPr>
+            <p:ph type="title"/>
+          </p:nvPr>
+        </p:nvSpPr>
+        <p:spPr/>
+        <p:txBody>
+          <a:bodyPr/>
+          <a:lstStyle/>
+          <a:p>
+            <a:r>
+              <a:rPr lang="pt-BR" dirty="0"/>
+              <a:t>Adição de Vetores</a:t>
+            </a:r>
+          </a:p>
+        </p:txBody>
+      </p:sp>
+      <p:grpSp>
+        <p:nvGrpSpPr>
+          <p:cNvPr id="26" name="Agrupar 25">
+            <a:extLst>
+              <a:ext uri="{FF2B5EF4-FFF2-40B4-BE49-F238E27FC236}">
+                <a16:creationId xmlns:a16="http://schemas.microsoft.com/office/drawing/2014/main" id="{87FF8989-7975-4878-950F-4EF97F7CD07D}"/>
+              </a:ext>
+            </a:extLst>
+          </p:cNvPr>
+          <p:cNvGrpSpPr/>
+          <p:nvPr/>
+        </p:nvGrpSpPr>
+        <p:grpSpPr>
+          <a:xfrm>
+            <a:off x="11574734" y="6372414"/>
+            <a:ext cx="617266" cy="495111"/>
+            <a:chOff x="11574734" y="6372414"/>
+            <a:chExt cx="617266" cy="495111"/>
+          </a:xfrm>
+        </p:grpSpPr>
+        <p:sp>
+          <p:nvSpPr>
+            <p:cNvPr id="27" name="Triângulo isósceles 6">
+              <a:extLst>
+                <a:ext uri="{FF2B5EF4-FFF2-40B4-BE49-F238E27FC236}">
+                  <a16:creationId xmlns:a16="http://schemas.microsoft.com/office/drawing/2014/main" id="{FA06FF30-E6F7-4624-91E7-645FC4F9B822}"/>
+                </a:ext>
+              </a:extLst>
+            </p:cNvPr>
+            <p:cNvSpPr/>
+            <p:nvPr/>
+          </p:nvSpPr>
+          <p:spPr>
+            <a:xfrm>
+              <a:off x="11574734" y="6372414"/>
+              <a:ext cx="593516" cy="464210"/>
+            </a:xfrm>
+            <a:custGeom>
+              <a:avLst/>
+              <a:gdLst>
+                <a:gd name="connsiteX0" fmla="*/ 0 w 864096"/>
+                <a:gd name="connsiteY0" fmla="*/ 1512168 h 1512168"/>
+                <a:gd name="connsiteX1" fmla="*/ 432048 w 864096"/>
+                <a:gd name="connsiteY1" fmla="*/ 0 h 1512168"/>
+                <a:gd name="connsiteX2" fmla="*/ 864096 w 864096"/>
+                <a:gd name="connsiteY2" fmla="*/ 1512168 h 1512168"/>
+                <a:gd name="connsiteX3" fmla="*/ 0 w 864096"/>
+                <a:gd name="connsiteY3" fmla="*/ 1512168 h 1512168"/>
+                <a:gd name="connsiteX0" fmla="*/ 0 w 864096"/>
+                <a:gd name="connsiteY0" fmla="*/ 787773 h 787773"/>
+                <a:gd name="connsiteX1" fmla="*/ 847684 w 864096"/>
+                <a:gd name="connsiteY1" fmla="*/ 0 h 787773"/>
+                <a:gd name="connsiteX2" fmla="*/ 864096 w 864096"/>
+                <a:gd name="connsiteY2" fmla="*/ 787773 h 787773"/>
+                <a:gd name="connsiteX3" fmla="*/ 0 w 864096"/>
+                <a:gd name="connsiteY3" fmla="*/ 787773 h 787773"/>
+                <a:gd name="connsiteX0" fmla="*/ 0 w 864096"/>
+                <a:gd name="connsiteY0" fmla="*/ 797298 h 797298"/>
+                <a:gd name="connsiteX1" fmla="*/ 857209 w 864096"/>
+                <a:gd name="connsiteY1" fmla="*/ 0 h 797298"/>
+                <a:gd name="connsiteX2" fmla="*/ 864096 w 864096"/>
+                <a:gd name="connsiteY2" fmla="*/ 797298 h 797298"/>
+                <a:gd name="connsiteX3" fmla="*/ 0 w 864096"/>
+                <a:gd name="connsiteY3" fmla="*/ 797298 h 797298"/>
+                <a:gd name="connsiteX0" fmla="*/ 0 w 864096"/>
+                <a:gd name="connsiteY0" fmla="*/ 799680 h 799680"/>
+                <a:gd name="connsiteX1" fmla="*/ 861971 w 864096"/>
+                <a:gd name="connsiteY1" fmla="*/ 0 h 799680"/>
+                <a:gd name="connsiteX2" fmla="*/ 864096 w 864096"/>
+                <a:gd name="connsiteY2" fmla="*/ 799680 h 799680"/>
+                <a:gd name="connsiteX3" fmla="*/ 0 w 864096"/>
+                <a:gd name="connsiteY3" fmla="*/ 799680 h 799680"/>
+              </a:gdLst>
+              <a:ahLst/>
+              <a:cxnLst>
+                <a:cxn ang="0">
+                  <a:pos x="connsiteX0" y="connsiteY0"/>
+                </a:cxn>
+                <a:cxn ang="0">
+                  <a:pos x="connsiteX1" y="connsiteY1"/>
+                </a:cxn>
+                <a:cxn ang="0">
+                  <a:pos x="connsiteX2" y="connsiteY2"/>
+                </a:cxn>
+                <a:cxn ang="0">
+                  <a:pos x="connsiteX3" y="connsiteY3"/>
+                </a:cxn>
+              </a:cxnLst>
+              <a:rect l="l" t="t" r="r" b="b"/>
+              <a:pathLst>
+                <a:path w="864096" h="799680">
+                  <a:moveTo>
+                    <a:pt x="0" y="799680"/>
+                  </a:moveTo>
+                  <a:lnTo>
+                    <a:pt x="861971" y="0"/>
+                  </a:lnTo>
+                  <a:cubicBezTo>
+                    <a:pt x="864267" y="265766"/>
+                    <a:pt x="861800" y="533914"/>
+                    <a:pt x="864096" y="799680"/>
+                  </a:cubicBezTo>
+                  <a:lnTo>
+                    <a:pt x="0" y="799680"/>
+                  </a:lnTo>
+                  <a:close/>
+                </a:path>
+              </a:pathLst>
+            </a:custGeom>
+            <a:solidFill>
+              <a:schemeClr val="accent1">
+                <a:lumMod val="75000"/>
+              </a:schemeClr>
+            </a:solidFill>
+            <a:ln>
+              <a:solidFill>
+                <a:schemeClr val="accent1">
+                  <a:lumMod val="75000"/>
+                </a:schemeClr>
+              </a:solidFill>
+            </a:ln>
+          </p:spPr>
+          <p:style>
+            <a:lnRef idx="2">
+              <a:schemeClr val="accent1">
+                <a:shade val="50000"/>
+              </a:schemeClr>
+            </a:lnRef>
+            <a:fillRef idx="1">
+              <a:schemeClr val="accent1"/>
+            </a:fillRef>
+            <a:effectRef idx="0">
+              <a:schemeClr val="accent1"/>
+            </a:effectRef>
+            <a:fontRef idx="minor">
+              <a:schemeClr val="lt1"/>
+            </a:fontRef>
+          </p:style>
+          <p:txBody>
+            <a:bodyPr rtlCol="0" anchor="ctr"/>
+            <a:lstStyle/>
+            <a:p>
+              <a:pPr algn="ctr"/>
+              <a:endParaRPr lang="pt-BR" dirty="0"/>
+            </a:p>
+          </p:txBody>
+        </p:sp>
+        <p:sp>
+          <p:nvSpPr>
+            <p:cNvPr id="28" name="Retângulo 27">
+              <a:extLst>
+                <a:ext uri="{FF2B5EF4-FFF2-40B4-BE49-F238E27FC236}">
+                  <a16:creationId xmlns:a16="http://schemas.microsoft.com/office/drawing/2014/main" id="{D04787C4-1E8D-4AB5-9D04-FBD90739F0EC}"/>
+                </a:ext>
+              </a:extLst>
+            </p:cNvPr>
+            <p:cNvSpPr/>
+            <p:nvPr/>
+          </p:nvSpPr>
+          <p:spPr>
+            <a:xfrm>
+              <a:off x="11800716" y="6467415"/>
+              <a:ext cx="391284" cy="400110"/>
+            </a:xfrm>
+            <a:prstGeom prst="rect">
+              <a:avLst/>
+            </a:prstGeom>
+          </p:spPr>
+          <p:txBody>
+            <a:bodyPr wrap="square">
+              <a:spAutoFit/>
+            </a:bodyPr>
+            <a:lstStyle/>
+            <a:p>
+              <a:pPr marL="68580" indent="0">
+                <a:buNone/>
+              </a:pPr>
+              <a:r>
+                <a:rPr lang="pt-BR" sz="2000" dirty="0">
+                  <a:solidFill>
+                    <a:schemeClr val="bg1"/>
+                  </a:solidFill>
+                  <a:latin typeface="Consolas" panose="020B0609020204030204" pitchFamily="49" charset="0"/>
+                </a:rPr>
+                <a:t>»</a:t>
+              </a:r>
+            </a:p>
+          </p:txBody>
+        </p:sp>
+      </p:grpSp>
+      <mc:AlternateContent xmlns:mc="http://schemas.openxmlformats.org/markup-compatibility/2006">
+        <mc:Choice xmlns:a14="http://schemas.microsoft.com/office/drawing/2010/main" Requires="a14">
+          <p:sp>
+            <p:nvSpPr>
+              <p:cNvPr id="9" name="CaixaDeTexto 8">
+                <a:extLst>
+                  <a:ext uri="{FF2B5EF4-FFF2-40B4-BE49-F238E27FC236}">
+                    <a16:creationId xmlns:a16="http://schemas.microsoft.com/office/drawing/2014/main" id="{2C3F5507-4BC0-44DE-8E01-8D2CFB469A5A}"/>
+                  </a:ext>
+                </a:extLst>
+              </p:cNvPr>
+              <p:cNvSpPr txBox="1"/>
+              <p:nvPr/>
+            </p:nvSpPr>
+            <p:spPr>
+              <a:xfrm>
+                <a:off x="6207267" y="2701762"/>
+                <a:ext cx="2102627" cy="764440"/>
+              </a:xfrm>
+              <a:prstGeom prst="rect">
+                <a:avLst/>
+              </a:prstGeom>
+              <a:noFill/>
+            </p:spPr>
+            <p:txBody>
+              <a:bodyPr wrap="none" lIns="0" tIns="0" rIns="0" bIns="0" rtlCol="0">
+                <a:spAutoFit/>
+              </a:bodyPr>
+              <a:lstStyle/>
+              <a:p>
+                <a:pPr/>
+                <a14:m>
+                  <m:oMathPara xmlns:m="http://schemas.openxmlformats.org/officeDocument/2006/math">
+                    <m:oMathParaPr>
+                      <m:jc m:val="centerGroup"/>
+                    </m:oMathParaPr>
+                    <m:oMath xmlns:m="http://schemas.openxmlformats.org/officeDocument/2006/math">
+                      <m:sSub>
+                        <m:sSubPr>
+                          <m:ctrlPr>
+                            <a:rPr lang="pt-BR" sz="2400" i="1" smtClean="0">
+                              <a:solidFill>
+                                <a:schemeClr val="bg1">
+                                  <a:lumMod val="75000"/>
+                                </a:schemeClr>
+                              </a:solidFill>
+                              <a:latin typeface="Cambria Math" panose="02040503050406030204" pitchFamily="18" charset="0"/>
+                            </a:rPr>
+                          </m:ctrlPr>
+                        </m:sSubPr>
+                        <m:e>
+                          <m:r>
+                            <a:rPr lang="el-GR" sz="2400" i="1" dirty="0">
+                              <a:solidFill>
+                                <a:schemeClr val="bg1">
+                                  <a:lumMod val="75000"/>
+                                </a:schemeClr>
+                              </a:solidFill>
+                              <a:latin typeface="Cambria Math" panose="02040503050406030204" pitchFamily="18" charset="0"/>
+                            </a:rPr>
+                            <m:t>𝜃</m:t>
+                          </m:r>
+                        </m:e>
+                        <m:sub>
+                          <m:r>
+                            <a:rPr lang="pt-BR" sz="2400" i="1">
+                              <a:solidFill>
+                                <a:schemeClr val="bg1">
+                                  <a:lumMod val="75000"/>
+                                </a:schemeClr>
+                              </a:solidFill>
+                              <a:latin typeface="Cambria Math" panose="02040503050406030204" pitchFamily="18" charset="0"/>
+                            </a:rPr>
+                            <m:t>1</m:t>
+                          </m:r>
+                        </m:sub>
+                      </m:sSub>
+                      <m:r>
+                        <a:rPr lang="pt-BR" sz="2200" b="0" i="1" smtClean="0">
+                          <a:solidFill>
+                            <a:schemeClr val="bg1">
+                              <a:lumMod val="75000"/>
+                            </a:schemeClr>
+                          </a:solidFill>
+                          <a:latin typeface="Cambria Math" panose="02040503050406030204" pitchFamily="18" charset="0"/>
+                          <a:ea typeface="Cambria Math" panose="02040503050406030204" pitchFamily="18" charset="0"/>
+                        </a:rPr>
+                        <m:t>=</m:t>
+                      </m:r>
+                      <m:r>
+                        <m:rPr>
+                          <m:sty m:val="p"/>
+                        </m:rPr>
+                        <a:rPr lang="pt-BR" sz="2200" b="0" i="0" smtClean="0">
+                          <a:solidFill>
+                            <a:schemeClr val="bg1">
+                              <a:lumMod val="75000"/>
+                            </a:schemeClr>
+                          </a:solidFill>
+                          <a:latin typeface="Cambria Math" panose="02040503050406030204" pitchFamily="18" charset="0"/>
+                          <a:ea typeface="Cambria Math" panose="02040503050406030204" pitchFamily="18" charset="0"/>
+                        </a:rPr>
+                        <m:t>atan</m:t>
+                      </m:r>
+                      <m:r>
+                        <a:rPr lang="pt-BR" sz="2200" b="0" i="1" smtClean="0">
+                          <a:solidFill>
+                            <a:schemeClr val="bg1">
+                              <a:lumMod val="75000"/>
+                            </a:schemeClr>
+                          </a:solidFill>
+                          <a:latin typeface="Cambria Math" panose="02040503050406030204" pitchFamily="18" charset="0"/>
+                          <a:ea typeface="Cambria Math" panose="02040503050406030204" pitchFamily="18" charset="0"/>
+                        </a:rPr>
+                        <m:t>⁡</m:t>
+                      </m:r>
+                      <m:d>
+                        <m:dPr>
+                          <m:ctrlPr>
+                            <a:rPr lang="pt-BR" sz="2200" b="0" i="1" smtClean="0">
+                              <a:solidFill>
+                                <a:schemeClr val="bg1">
+                                  <a:lumMod val="75000"/>
+                                </a:schemeClr>
+                              </a:solidFill>
+                              <a:latin typeface="Cambria Math" panose="02040503050406030204" pitchFamily="18" charset="0"/>
+                              <a:ea typeface="Cambria Math" panose="02040503050406030204" pitchFamily="18" charset="0"/>
+                            </a:rPr>
+                          </m:ctrlPr>
+                        </m:dPr>
+                        <m:e>
+                          <m:f>
+                            <m:fPr>
+                              <m:ctrlPr>
+                                <a:rPr lang="pt-BR" sz="2200" i="1">
+                                  <a:solidFill>
+                                    <a:schemeClr val="bg1">
+                                      <a:lumMod val="75000"/>
+                                    </a:schemeClr>
+                                  </a:solidFill>
+                                  <a:latin typeface="Cambria Math" panose="02040503050406030204" pitchFamily="18" charset="0"/>
+                                </a:rPr>
+                              </m:ctrlPr>
+                            </m:fPr>
+                            <m:num>
+                              <m:r>
+                                <a:rPr lang="pt-BR" sz="2200" b="0" i="1" smtClean="0">
+                                  <a:solidFill>
+                                    <a:schemeClr val="bg1">
+                                      <a:lumMod val="75000"/>
+                                    </a:schemeClr>
+                                  </a:solidFill>
+                                  <a:latin typeface="Cambria Math" panose="02040503050406030204" pitchFamily="18" charset="0"/>
+                                </a:rPr>
+                                <m:t>+</m:t>
+                              </m:r>
+                              <m:sSub>
+                                <m:sSubPr>
+                                  <m:ctrlPr>
+                                    <a:rPr lang="pt-BR" sz="2200" i="1">
+                                      <a:solidFill>
+                                        <a:schemeClr val="bg1">
+                                          <a:lumMod val="75000"/>
+                                        </a:schemeClr>
+                                      </a:solidFill>
+                                      <a:latin typeface="Cambria Math" panose="02040503050406030204" pitchFamily="18" charset="0"/>
+                                    </a:rPr>
+                                  </m:ctrlPr>
+                                </m:sSubPr>
+                                <m:e>
+                                  <m:r>
+                                    <a:rPr lang="pt-BR" sz="2200" i="1">
+                                      <a:solidFill>
+                                        <a:schemeClr val="bg1">
+                                          <a:lumMod val="75000"/>
+                                        </a:schemeClr>
+                                      </a:solidFill>
+                                      <a:latin typeface="Cambria Math" panose="02040503050406030204" pitchFamily="18" charset="0"/>
+                                    </a:rPr>
+                                    <m:t>𝑟</m:t>
+                                  </m:r>
+                                </m:e>
+                                <m:sub>
+                                  <m:r>
+                                    <a:rPr lang="pt-BR" sz="2200" i="1">
+                                      <a:solidFill>
+                                        <a:schemeClr val="bg1">
+                                          <a:lumMod val="75000"/>
+                                        </a:schemeClr>
+                                      </a:solidFill>
+                                      <a:latin typeface="Cambria Math" panose="02040503050406030204" pitchFamily="18" charset="0"/>
+                                    </a:rPr>
+                                    <m:t>𝑦</m:t>
+                                  </m:r>
+                                </m:sub>
+                              </m:sSub>
+                            </m:num>
+                            <m:den>
+                              <m:sSub>
+                                <m:sSubPr>
+                                  <m:ctrlPr>
+                                    <a:rPr lang="pt-BR" sz="2200" i="1">
+                                      <a:solidFill>
+                                        <a:schemeClr val="bg1">
+                                          <a:lumMod val="75000"/>
+                                        </a:schemeClr>
+                                      </a:solidFill>
+                                      <a:latin typeface="Cambria Math" panose="02040503050406030204" pitchFamily="18" charset="0"/>
+                                    </a:rPr>
+                                  </m:ctrlPr>
+                                </m:sSubPr>
+                                <m:e>
+                                  <m:r>
+                                    <a:rPr lang="pt-BR" sz="2200" b="0" i="1" smtClean="0">
+                                      <a:solidFill>
+                                        <a:schemeClr val="bg1">
+                                          <a:lumMod val="75000"/>
+                                        </a:schemeClr>
+                                      </a:solidFill>
+                                      <a:latin typeface="Cambria Math" panose="02040503050406030204" pitchFamily="18" charset="0"/>
+                                    </a:rPr>
+                                    <m:t>+</m:t>
+                                  </m:r>
+                                  <m:r>
+                                    <a:rPr lang="pt-BR" sz="2200" i="1">
+                                      <a:solidFill>
+                                        <a:schemeClr val="bg1">
+                                          <a:lumMod val="75000"/>
+                                        </a:schemeClr>
+                                      </a:solidFill>
+                                      <a:latin typeface="Cambria Math" panose="02040503050406030204" pitchFamily="18" charset="0"/>
+                                    </a:rPr>
+                                    <m:t>𝑟</m:t>
+                                  </m:r>
+                                </m:e>
+                                <m:sub>
+                                  <m:r>
+                                    <a:rPr lang="pt-BR" sz="2200" i="1">
+                                      <a:solidFill>
+                                        <a:schemeClr val="bg1">
+                                          <a:lumMod val="75000"/>
+                                        </a:schemeClr>
+                                      </a:solidFill>
+                                      <a:latin typeface="Cambria Math" panose="02040503050406030204" pitchFamily="18" charset="0"/>
+                                    </a:rPr>
+                                    <m:t>𝑥</m:t>
+                                  </m:r>
+                                </m:sub>
+                              </m:sSub>
+                            </m:den>
+                          </m:f>
+                        </m:e>
+                      </m:d>
+                    </m:oMath>
+                  </m:oMathPara>
+                </a14:m>
+                <a:endParaRPr lang="pt-BR" sz="2200" dirty="0">
+                  <a:solidFill>
+                    <a:schemeClr val="bg1">
+                      <a:lumMod val="75000"/>
+                    </a:schemeClr>
+                  </a:solidFill>
+                </a:endParaRPr>
+              </a:p>
+            </p:txBody>
+          </p:sp>
+        </mc:Choice>
+        <mc:Fallback>
+          <p:sp>
+            <p:nvSpPr>
+              <p:cNvPr id="9" name="CaixaDeTexto 8">
+                <a:extLst>
+                  <a:ext uri="{FF2B5EF4-FFF2-40B4-BE49-F238E27FC236}">
+                    <a16:creationId xmlns:a16="http://schemas.microsoft.com/office/drawing/2014/main" id="{2C3F5507-4BC0-44DE-8E01-8D2CFB469A5A}"/>
+                  </a:ext>
+                </a:extLst>
+              </p:cNvPr>
+              <p:cNvSpPr txBox="1">
+                <a:spLocks noRot="1" noChangeAspect="1" noMove="1" noResize="1" noEditPoints="1" noAdjustHandles="1" noChangeArrowheads="1" noChangeShapeType="1" noTextEdit="1"/>
+              </p:cNvSpPr>
+              <p:nvPr/>
+            </p:nvSpPr>
+            <p:spPr>
+              <a:xfrm>
+                <a:off x="6207267" y="2701762"/>
+                <a:ext cx="2102627" cy="764440"/>
+              </a:xfrm>
+              <a:prstGeom prst="rect">
+                <a:avLst/>
+              </a:prstGeom>
+              <a:blipFill>
+                <a:blip r:embed="rId3"/>
+                <a:stretch>
+                  <a:fillRect/>
+                </a:stretch>
+              </a:blipFill>
+            </p:spPr>
+            <p:txBody>
+              <a:bodyPr/>
+              <a:lstStyle/>
+              <a:p>
+                <a:r>
+                  <a:rPr lang="pt-BR">
+                    <a:noFill/>
+                  </a:rPr>
+                  <a:t> </a:t>
+                </a:r>
+              </a:p>
+            </p:txBody>
+          </p:sp>
+        </mc:Fallback>
+      </mc:AlternateContent>
+      <mc:AlternateContent xmlns:mc="http://schemas.openxmlformats.org/markup-compatibility/2006">
+        <mc:Choice xmlns:a14="http://schemas.microsoft.com/office/drawing/2010/main" Requires="a14">
+          <p:sp>
+            <p:nvSpPr>
+              <p:cNvPr id="67" name="CaixaDeTexto 66">
+                <a:extLst>
+                  <a:ext uri="{FF2B5EF4-FFF2-40B4-BE49-F238E27FC236}">
+                    <a16:creationId xmlns:a16="http://schemas.microsoft.com/office/drawing/2014/main" id="{E73A3727-0938-B744-875F-2CE9DE3A4DD0}"/>
+                  </a:ext>
+                </a:extLst>
+              </p:cNvPr>
+              <p:cNvSpPr txBox="1"/>
+              <p:nvPr/>
+            </p:nvSpPr>
+            <p:spPr>
+              <a:xfrm>
+                <a:off x="8565204" y="2701762"/>
+                <a:ext cx="2109745" cy="764440"/>
+              </a:xfrm>
+              <a:prstGeom prst="rect">
+                <a:avLst/>
+              </a:prstGeom>
+              <a:noFill/>
+            </p:spPr>
+            <p:txBody>
+              <a:bodyPr wrap="none" lIns="0" tIns="0" rIns="0" bIns="0" rtlCol="0">
+                <a:spAutoFit/>
+              </a:bodyPr>
+              <a:lstStyle/>
+              <a:p>
+                <a:pPr/>
+                <a14:m>
+                  <m:oMathPara xmlns:m="http://schemas.openxmlformats.org/officeDocument/2006/math">
+                    <m:oMathParaPr>
+                      <m:jc m:val="centerGroup"/>
+                    </m:oMathParaPr>
+                    <m:oMath xmlns:m="http://schemas.openxmlformats.org/officeDocument/2006/math">
+                      <m:sSub>
+                        <m:sSubPr>
+                          <m:ctrlPr>
+                            <a:rPr lang="pt-BR" sz="2400" i="1" smtClean="0">
+                              <a:solidFill>
+                                <a:schemeClr val="bg1">
+                                  <a:lumMod val="75000"/>
+                                </a:schemeClr>
+                              </a:solidFill>
+                              <a:latin typeface="Cambria Math" panose="02040503050406030204" pitchFamily="18" charset="0"/>
+                            </a:rPr>
+                          </m:ctrlPr>
+                        </m:sSubPr>
+                        <m:e>
+                          <m:r>
+                            <a:rPr lang="el-GR" sz="2400" i="1" dirty="0">
+                              <a:solidFill>
+                                <a:schemeClr val="bg1">
+                                  <a:lumMod val="75000"/>
+                                </a:schemeClr>
+                              </a:solidFill>
+                              <a:latin typeface="Cambria Math" panose="02040503050406030204" pitchFamily="18" charset="0"/>
+                            </a:rPr>
+                            <m:t>𝜃</m:t>
+                          </m:r>
+                        </m:e>
+                        <m:sub>
+                          <m:r>
+                            <a:rPr lang="pt-BR" sz="2400" i="1">
+                              <a:solidFill>
+                                <a:schemeClr val="bg1">
+                                  <a:lumMod val="75000"/>
+                                </a:schemeClr>
+                              </a:solidFill>
+                              <a:latin typeface="Cambria Math" panose="02040503050406030204" pitchFamily="18" charset="0"/>
+                            </a:rPr>
+                            <m:t>2</m:t>
+                          </m:r>
+                        </m:sub>
+                      </m:sSub>
+                      <m:r>
+                        <a:rPr lang="pt-BR" sz="2200" b="0" i="1" smtClean="0">
+                          <a:solidFill>
+                            <a:schemeClr val="bg1">
+                              <a:lumMod val="75000"/>
+                            </a:schemeClr>
+                          </a:solidFill>
+                          <a:latin typeface="Cambria Math" panose="02040503050406030204" pitchFamily="18" charset="0"/>
+                          <a:ea typeface="Cambria Math" panose="02040503050406030204" pitchFamily="18" charset="0"/>
+                        </a:rPr>
+                        <m:t>=</m:t>
+                      </m:r>
+                      <m:r>
+                        <m:rPr>
+                          <m:sty m:val="p"/>
+                        </m:rPr>
+                        <a:rPr lang="pt-BR" sz="2200" b="0" i="0" smtClean="0">
+                          <a:solidFill>
+                            <a:schemeClr val="bg1">
+                              <a:lumMod val="75000"/>
+                            </a:schemeClr>
+                          </a:solidFill>
+                          <a:latin typeface="Cambria Math" panose="02040503050406030204" pitchFamily="18" charset="0"/>
+                          <a:ea typeface="Cambria Math" panose="02040503050406030204" pitchFamily="18" charset="0"/>
+                        </a:rPr>
+                        <m:t>atan</m:t>
+                      </m:r>
+                      <m:r>
+                        <a:rPr lang="pt-BR" sz="2200" b="0" i="1" smtClean="0">
+                          <a:solidFill>
+                            <a:schemeClr val="bg1">
+                              <a:lumMod val="75000"/>
+                            </a:schemeClr>
+                          </a:solidFill>
+                          <a:latin typeface="Cambria Math" panose="02040503050406030204" pitchFamily="18" charset="0"/>
+                          <a:ea typeface="Cambria Math" panose="02040503050406030204" pitchFamily="18" charset="0"/>
+                        </a:rPr>
+                        <m:t>⁡</m:t>
+                      </m:r>
+                      <m:d>
+                        <m:dPr>
+                          <m:ctrlPr>
+                            <a:rPr lang="pt-BR" sz="2200" b="0" i="1" smtClean="0">
+                              <a:solidFill>
+                                <a:schemeClr val="bg1">
+                                  <a:lumMod val="75000"/>
+                                </a:schemeClr>
+                              </a:solidFill>
+                              <a:latin typeface="Cambria Math" panose="02040503050406030204" pitchFamily="18" charset="0"/>
+                              <a:ea typeface="Cambria Math" panose="02040503050406030204" pitchFamily="18" charset="0"/>
+                            </a:rPr>
+                          </m:ctrlPr>
+                        </m:dPr>
+                        <m:e>
+                          <m:f>
+                            <m:fPr>
+                              <m:ctrlPr>
+                                <a:rPr lang="pt-BR" sz="2200" i="1">
+                                  <a:solidFill>
+                                    <a:schemeClr val="bg1">
+                                      <a:lumMod val="75000"/>
+                                    </a:schemeClr>
+                                  </a:solidFill>
+                                  <a:latin typeface="Cambria Math" panose="02040503050406030204" pitchFamily="18" charset="0"/>
+                                </a:rPr>
+                              </m:ctrlPr>
+                            </m:fPr>
+                            <m:num>
+                              <m:sSub>
+                                <m:sSubPr>
+                                  <m:ctrlPr>
+                                    <a:rPr lang="pt-BR" sz="2200" i="1">
+                                      <a:solidFill>
+                                        <a:schemeClr val="bg1">
+                                          <a:lumMod val="75000"/>
+                                        </a:schemeClr>
+                                      </a:solidFill>
+                                      <a:latin typeface="Cambria Math" panose="02040503050406030204" pitchFamily="18" charset="0"/>
+                                    </a:rPr>
+                                  </m:ctrlPr>
+                                </m:sSubPr>
+                                <m:e>
+                                  <m:r>
+                                    <a:rPr lang="pt-BR" sz="2200" b="0" i="1" smtClean="0">
+                                      <a:solidFill>
+                                        <a:schemeClr val="bg1">
+                                          <a:lumMod val="75000"/>
+                                        </a:schemeClr>
+                                      </a:solidFill>
+                                      <a:latin typeface="Cambria Math" panose="02040503050406030204" pitchFamily="18" charset="0"/>
+                                    </a:rPr>
+                                    <m:t>+</m:t>
+                                  </m:r>
+                                  <m:r>
+                                    <a:rPr lang="pt-BR" sz="2200" i="1">
+                                      <a:solidFill>
+                                        <a:schemeClr val="bg1">
+                                          <a:lumMod val="75000"/>
+                                        </a:schemeClr>
+                                      </a:solidFill>
+                                      <a:latin typeface="Cambria Math" panose="02040503050406030204" pitchFamily="18" charset="0"/>
+                                    </a:rPr>
+                                    <m:t>𝑟</m:t>
+                                  </m:r>
+                                </m:e>
+                                <m:sub>
+                                  <m:r>
+                                    <a:rPr lang="pt-BR" sz="2200" i="1">
+                                      <a:solidFill>
+                                        <a:schemeClr val="bg1">
+                                          <a:lumMod val="75000"/>
+                                        </a:schemeClr>
+                                      </a:solidFill>
+                                      <a:latin typeface="Cambria Math" panose="02040503050406030204" pitchFamily="18" charset="0"/>
+                                    </a:rPr>
+                                    <m:t>𝑦</m:t>
+                                  </m:r>
+                                </m:sub>
+                              </m:sSub>
+                            </m:num>
+                            <m:den>
+                              <m:sSub>
+                                <m:sSubPr>
+                                  <m:ctrlPr>
+                                    <a:rPr lang="pt-BR" sz="2200" i="1">
+                                      <a:solidFill>
+                                        <a:schemeClr val="bg1">
+                                          <a:lumMod val="75000"/>
+                                        </a:schemeClr>
+                                      </a:solidFill>
+                                      <a:latin typeface="Cambria Math" panose="02040503050406030204" pitchFamily="18" charset="0"/>
+                                    </a:rPr>
+                                  </m:ctrlPr>
+                                </m:sSubPr>
+                                <m:e>
+                                  <m:r>
+                                    <a:rPr lang="pt-BR" sz="2200" b="0" i="1" smtClean="0">
+                                      <a:solidFill>
+                                        <a:schemeClr val="bg1">
+                                          <a:lumMod val="75000"/>
+                                        </a:schemeClr>
+                                      </a:solidFill>
+                                      <a:latin typeface="Cambria Math" panose="02040503050406030204" pitchFamily="18" charset="0"/>
+                                    </a:rPr>
+                                    <m:t>−</m:t>
+                                  </m:r>
+                                  <m:r>
+                                    <a:rPr lang="pt-BR" sz="2200" i="1">
+                                      <a:solidFill>
+                                        <a:schemeClr val="bg1">
+                                          <a:lumMod val="75000"/>
+                                        </a:schemeClr>
+                                      </a:solidFill>
+                                      <a:latin typeface="Cambria Math" panose="02040503050406030204" pitchFamily="18" charset="0"/>
+                                    </a:rPr>
+                                    <m:t>𝑟</m:t>
+                                  </m:r>
+                                </m:e>
+                                <m:sub>
+                                  <m:r>
+                                    <a:rPr lang="pt-BR" sz="2200" i="1">
+                                      <a:solidFill>
+                                        <a:schemeClr val="bg1">
+                                          <a:lumMod val="75000"/>
+                                        </a:schemeClr>
+                                      </a:solidFill>
+                                      <a:latin typeface="Cambria Math" panose="02040503050406030204" pitchFamily="18" charset="0"/>
+                                    </a:rPr>
+                                    <m:t>𝑥</m:t>
+                                  </m:r>
+                                </m:sub>
+                              </m:sSub>
+                            </m:den>
+                          </m:f>
+                        </m:e>
+                      </m:d>
+                    </m:oMath>
+                  </m:oMathPara>
+                </a14:m>
+                <a:endParaRPr lang="pt-BR" sz="2200" dirty="0">
+                  <a:solidFill>
+                    <a:schemeClr val="bg1">
+                      <a:lumMod val="75000"/>
+                    </a:schemeClr>
+                  </a:solidFill>
+                </a:endParaRPr>
+              </a:p>
+            </p:txBody>
+          </p:sp>
+        </mc:Choice>
+        <mc:Fallback>
+          <p:sp>
+            <p:nvSpPr>
+              <p:cNvPr id="67" name="CaixaDeTexto 66">
+                <a:extLst>
+                  <a:ext uri="{FF2B5EF4-FFF2-40B4-BE49-F238E27FC236}">
+                    <a16:creationId xmlns:a16="http://schemas.microsoft.com/office/drawing/2014/main" id="{E73A3727-0938-B744-875F-2CE9DE3A4DD0}"/>
+                  </a:ext>
+                </a:extLst>
+              </p:cNvPr>
+              <p:cNvSpPr txBox="1">
+                <a:spLocks noRot="1" noChangeAspect="1" noMove="1" noResize="1" noEditPoints="1" noAdjustHandles="1" noChangeArrowheads="1" noChangeShapeType="1" noTextEdit="1"/>
+              </p:cNvSpPr>
+              <p:nvPr/>
+            </p:nvSpPr>
+            <p:spPr>
+              <a:xfrm>
+                <a:off x="8565204" y="2701762"/>
+                <a:ext cx="2109745" cy="764440"/>
+              </a:xfrm>
+              <a:prstGeom prst="rect">
+                <a:avLst/>
+              </a:prstGeom>
+              <a:blipFill>
+                <a:blip r:embed="rId4"/>
+                <a:stretch>
+                  <a:fillRect/>
+                </a:stretch>
+              </a:blipFill>
+            </p:spPr>
+            <p:txBody>
+              <a:bodyPr/>
+              <a:lstStyle/>
+              <a:p>
+                <a:r>
+                  <a:rPr lang="pt-BR">
+                    <a:noFill/>
+                  </a:rPr>
+                  <a:t> </a:t>
+                </a:r>
+              </a:p>
+            </p:txBody>
+          </p:sp>
+        </mc:Fallback>
+      </mc:AlternateContent>
+      <mc:AlternateContent xmlns:mc="http://schemas.openxmlformats.org/markup-compatibility/2006">
+        <mc:Choice xmlns:a14="http://schemas.microsoft.com/office/drawing/2010/main" Requires="a14">
+          <p:sp>
+            <p:nvSpPr>
+              <p:cNvPr id="68" name="CaixaDeTexto 67">
+                <a:extLst>
+                  <a:ext uri="{FF2B5EF4-FFF2-40B4-BE49-F238E27FC236}">
+                    <a16:creationId xmlns:a16="http://schemas.microsoft.com/office/drawing/2014/main" id="{5A480081-649D-FF4C-8EC5-3EA2FDA221EF}"/>
+                  </a:ext>
+                </a:extLst>
+              </p:cNvPr>
+              <p:cNvSpPr txBox="1"/>
+              <p:nvPr/>
+            </p:nvSpPr>
+            <p:spPr>
+              <a:xfrm>
+                <a:off x="6228085" y="4509120"/>
+                <a:ext cx="2109745" cy="764440"/>
+              </a:xfrm>
+              <a:prstGeom prst="rect">
+                <a:avLst/>
+              </a:prstGeom>
+              <a:noFill/>
+            </p:spPr>
+            <p:txBody>
+              <a:bodyPr wrap="none" lIns="0" tIns="0" rIns="0" bIns="0" rtlCol="0">
+                <a:spAutoFit/>
+              </a:bodyPr>
+              <a:lstStyle/>
+              <a:p>
+                <a:pPr/>
+                <a14:m>
+                  <m:oMathPara xmlns:m="http://schemas.openxmlformats.org/officeDocument/2006/math">
+                    <m:oMathParaPr>
+                      <m:jc m:val="centerGroup"/>
+                    </m:oMathParaPr>
+                    <m:oMath xmlns:m="http://schemas.openxmlformats.org/officeDocument/2006/math">
+                      <m:sSub>
+                        <m:sSubPr>
+                          <m:ctrlPr>
+                            <a:rPr lang="pt-BR" sz="2400" i="1" smtClean="0">
+                              <a:solidFill>
+                                <a:schemeClr val="bg1">
+                                  <a:lumMod val="75000"/>
+                                </a:schemeClr>
+                              </a:solidFill>
+                              <a:latin typeface="Cambria Math" panose="02040503050406030204" pitchFamily="18" charset="0"/>
+                            </a:rPr>
+                          </m:ctrlPr>
+                        </m:sSubPr>
+                        <m:e>
+                          <m:r>
+                            <a:rPr lang="el-GR" sz="2400" i="1" dirty="0">
+                              <a:solidFill>
+                                <a:schemeClr val="bg1">
+                                  <a:lumMod val="75000"/>
+                                </a:schemeClr>
+                              </a:solidFill>
+                              <a:latin typeface="Cambria Math" panose="02040503050406030204" pitchFamily="18" charset="0"/>
+                            </a:rPr>
+                            <m:t>𝜃</m:t>
+                          </m:r>
+                        </m:e>
+                        <m:sub>
+                          <m:r>
+                            <a:rPr lang="pt-BR" sz="2400" i="1">
+                              <a:solidFill>
+                                <a:schemeClr val="bg1">
+                                  <a:lumMod val="75000"/>
+                                </a:schemeClr>
+                              </a:solidFill>
+                              <a:latin typeface="Cambria Math" panose="02040503050406030204" pitchFamily="18" charset="0"/>
+                            </a:rPr>
+                            <m:t>3</m:t>
+                          </m:r>
+                        </m:sub>
+                      </m:sSub>
+                      <m:r>
+                        <a:rPr lang="pt-BR" sz="2200" b="0" i="1" smtClean="0">
+                          <a:solidFill>
+                            <a:schemeClr val="bg1">
+                              <a:lumMod val="75000"/>
+                            </a:schemeClr>
+                          </a:solidFill>
+                          <a:latin typeface="Cambria Math" panose="02040503050406030204" pitchFamily="18" charset="0"/>
+                          <a:ea typeface="Cambria Math" panose="02040503050406030204" pitchFamily="18" charset="0"/>
+                        </a:rPr>
+                        <m:t>=</m:t>
+                      </m:r>
+                      <m:r>
+                        <m:rPr>
+                          <m:sty m:val="p"/>
+                        </m:rPr>
+                        <a:rPr lang="pt-BR" sz="2200" b="0" i="0" smtClean="0">
+                          <a:solidFill>
+                            <a:schemeClr val="bg1">
+                              <a:lumMod val="75000"/>
+                            </a:schemeClr>
+                          </a:solidFill>
+                          <a:latin typeface="Cambria Math" panose="02040503050406030204" pitchFamily="18" charset="0"/>
+                          <a:ea typeface="Cambria Math" panose="02040503050406030204" pitchFamily="18" charset="0"/>
+                        </a:rPr>
+                        <m:t>atan</m:t>
+                      </m:r>
+                      <m:r>
+                        <a:rPr lang="pt-BR" sz="2200" b="0" i="1" smtClean="0">
+                          <a:solidFill>
+                            <a:schemeClr val="bg1">
+                              <a:lumMod val="75000"/>
+                            </a:schemeClr>
+                          </a:solidFill>
+                          <a:latin typeface="Cambria Math" panose="02040503050406030204" pitchFamily="18" charset="0"/>
+                          <a:ea typeface="Cambria Math" panose="02040503050406030204" pitchFamily="18" charset="0"/>
+                        </a:rPr>
+                        <m:t>⁡</m:t>
+                      </m:r>
+                      <m:d>
+                        <m:dPr>
+                          <m:ctrlPr>
+                            <a:rPr lang="pt-BR" sz="2200" b="0" i="1" smtClean="0">
+                              <a:solidFill>
+                                <a:schemeClr val="bg1">
+                                  <a:lumMod val="75000"/>
+                                </a:schemeClr>
+                              </a:solidFill>
+                              <a:latin typeface="Cambria Math" panose="02040503050406030204" pitchFamily="18" charset="0"/>
+                              <a:ea typeface="Cambria Math" panose="02040503050406030204" pitchFamily="18" charset="0"/>
+                            </a:rPr>
+                          </m:ctrlPr>
+                        </m:dPr>
+                        <m:e>
+                          <m:f>
+                            <m:fPr>
+                              <m:ctrlPr>
+                                <a:rPr lang="pt-BR" sz="2200" i="1">
+                                  <a:solidFill>
+                                    <a:schemeClr val="bg1">
+                                      <a:lumMod val="75000"/>
+                                    </a:schemeClr>
+                                  </a:solidFill>
+                                  <a:latin typeface="Cambria Math" panose="02040503050406030204" pitchFamily="18" charset="0"/>
+                                </a:rPr>
+                              </m:ctrlPr>
+                            </m:fPr>
+                            <m:num>
+                              <m:sSub>
+                                <m:sSubPr>
+                                  <m:ctrlPr>
+                                    <a:rPr lang="pt-BR" sz="2200" i="1">
+                                      <a:solidFill>
+                                        <a:schemeClr val="bg1">
+                                          <a:lumMod val="75000"/>
+                                        </a:schemeClr>
+                                      </a:solidFill>
+                                      <a:latin typeface="Cambria Math" panose="02040503050406030204" pitchFamily="18" charset="0"/>
+                                    </a:rPr>
+                                  </m:ctrlPr>
+                                </m:sSubPr>
+                                <m:e>
+                                  <m:r>
+                                    <a:rPr lang="pt-BR" sz="2200" b="0" i="1" smtClean="0">
+                                      <a:solidFill>
+                                        <a:schemeClr val="bg1">
+                                          <a:lumMod val="75000"/>
+                                        </a:schemeClr>
+                                      </a:solidFill>
+                                      <a:latin typeface="Cambria Math" panose="02040503050406030204" pitchFamily="18" charset="0"/>
+                                    </a:rPr>
+                                    <m:t>−</m:t>
+                                  </m:r>
+                                  <m:r>
+                                    <a:rPr lang="pt-BR" sz="2200" i="1">
+                                      <a:solidFill>
+                                        <a:schemeClr val="bg1">
+                                          <a:lumMod val="75000"/>
+                                        </a:schemeClr>
+                                      </a:solidFill>
+                                      <a:latin typeface="Cambria Math" panose="02040503050406030204" pitchFamily="18" charset="0"/>
+                                    </a:rPr>
+                                    <m:t>𝑟</m:t>
+                                  </m:r>
+                                </m:e>
+                                <m:sub>
+                                  <m:r>
+                                    <a:rPr lang="pt-BR" sz="2200" i="1">
+                                      <a:solidFill>
+                                        <a:schemeClr val="bg1">
+                                          <a:lumMod val="75000"/>
+                                        </a:schemeClr>
+                                      </a:solidFill>
+                                      <a:latin typeface="Cambria Math" panose="02040503050406030204" pitchFamily="18" charset="0"/>
+                                    </a:rPr>
+                                    <m:t>𝑦</m:t>
+                                  </m:r>
+                                </m:sub>
+                              </m:sSub>
+                            </m:num>
+                            <m:den>
+                              <m:sSub>
+                                <m:sSubPr>
+                                  <m:ctrlPr>
+                                    <a:rPr lang="pt-BR" sz="2200" i="1">
+                                      <a:solidFill>
+                                        <a:schemeClr val="bg1">
+                                          <a:lumMod val="75000"/>
+                                        </a:schemeClr>
+                                      </a:solidFill>
+                                      <a:latin typeface="Cambria Math" panose="02040503050406030204" pitchFamily="18" charset="0"/>
+                                    </a:rPr>
+                                  </m:ctrlPr>
+                                </m:sSubPr>
+                                <m:e>
+                                  <m:r>
+                                    <a:rPr lang="pt-BR" sz="2200" b="0" i="1" smtClean="0">
+                                      <a:solidFill>
+                                        <a:schemeClr val="bg1">
+                                          <a:lumMod val="75000"/>
+                                        </a:schemeClr>
+                                      </a:solidFill>
+                                      <a:latin typeface="Cambria Math" panose="02040503050406030204" pitchFamily="18" charset="0"/>
+                                    </a:rPr>
+                                    <m:t>−</m:t>
+                                  </m:r>
+                                  <m:r>
+                                    <a:rPr lang="pt-BR" sz="2200" i="1">
+                                      <a:solidFill>
+                                        <a:schemeClr val="bg1">
+                                          <a:lumMod val="75000"/>
+                                        </a:schemeClr>
+                                      </a:solidFill>
+                                      <a:latin typeface="Cambria Math" panose="02040503050406030204" pitchFamily="18" charset="0"/>
+                                    </a:rPr>
+                                    <m:t>𝑟</m:t>
+                                  </m:r>
+                                </m:e>
+                                <m:sub>
+                                  <m:r>
+                                    <a:rPr lang="pt-BR" sz="2200" i="1">
+                                      <a:solidFill>
+                                        <a:schemeClr val="bg1">
+                                          <a:lumMod val="75000"/>
+                                        </a:schemeClr>
+                                      </a:solidFill>
+                                      <a:latin typeface="Cambria Math" panose="02040503050406030204" pitchFamily="18" charset="0"/>
+                                    </a:rPr>
+                                    <m:t>𝑥</m:t>
+                                  </m:r>
+                                </m:sub>
+                              </m:sSub>
+                            </m:den>
+                          </m:f>
+                        </m:e>
+                      </m:d>
+                    </m:oMath>
+                  </m:oMathPara>
+                </a14:m>
+                <a:endParaRPr lang="pt-BR" sz="2200" dirty="0">
+                  <a:solidFill>
+                    <a:schemeClr val="bg1">
+                      <a:lumMod val="75000"/>
+                    </a:schemeClr>
+                  </a:solidFill>
+                </a:endParaRPr>
+              </a:p>
+            </p:txBody>
+          </p:sp>
+        </mc:Choice>
+        <mc:Fallback>
+          <p:sp>
+            <p:nvSpPr>
+              <p:cNvPr id="68" name="CaixaDeTexto 67">
+                <a:extLst>
+                  <a:ext uri="{FF2B5EF4-FFF2-40B4-BE49-F238E27FC236}">
+                    <a16:creationId xmlns:a16="http://schemas.microsoft.com/office/drawing/2014/main" id="{5A480081-649D-FF4C-8EC5-3EA2FDA221EF}"/>
+                  </a:ext>
+                </a:extLst>
+              </p:cNvPr>
+              <p:cNvSpPr txBox="1">
+                <a:spLocks noRot="1" noChangeAspect="1" noMove="1" noResize="1" noEditPoints="1" noAdjustHandles="1" noChangeArrowheads="1" noChangeShapeType="1" noTextEdit="1"/>
+              </p:cNvSpPr>
+              <p:nvPr/>
+            </p:nvSpPr>
+            <p:spPr>
+              <a:xfrm>
+                <a:off x="6228085" y="4509120"/>
+                <a:ext cx="2109745" cy="764440"/>
+              </a:xfrm>
+              <a:prstGeom prst="rect">
+                <a:avLst/>
+              </a:prstGeom>
+              <a:blipFill>
+                <a:blip r:embed="rId5"/>
+                <a:stretch>
+                  <a:fillRect/>
+                </a:stretch>
+              </a:blipFill>
+            </p:spPr>
+            <p:txBody>
+              <a:bodyPr/>
+              <a:lstStyle/>
+              <a:p>
+                <a:r>
+                  <a:rPr lang="pt-BR">
+                    <a:noFill/>
+                  </a:rPr>
+                  <a:t> </a:t>
+                </a:r>
+              </a:p>
+            </p:txBody>
+          </p:sp>
+        </mc:Fallback>
+      </mc:AlternateContent>
+      <mc:AlternateContent xmlns:mc="http://schemas.openxmlformats.org/markup-compatibility/2006">
+        <mc:Choice xmlns:a14="http://schemas.microsoft.com/office/drawing/2010/main" Requires="a14">
+          <p:sp>
+            <p:nvSpPr>
+              <p:cNvPr id="69" name="CaixaDeTexto 68">
+                <a:extLst>
+                  <a:ext uri="{FF2B5EF4-FFF2-40B4-BE49-F238E27FC236}">
+                    <a16:creationId xmlns:a16="http://schemas.microsoft.com/office/drawing/2014/main" id="{8045B86B-3FA9-7B41-8EEE-5E5528CCDE20}"/>
+                  </a:ext>
+                </a:extLst>
+              </p:cNvPr>
+              <p:cNvSpPr txBox="1"/>
+              <p:nvPr/>
+            </p:nvSpPr>
+            <p:spPr>
+              <a:xfrm>
+                <a:off x="8565204" y="4509120"/>
+                <a:ext cx="2102563" cy="764440"/>
+              </a:xfrm>
+              <a:prstGeom prst="rect">
+                <a:avLst/>
+              </a:prstGeom>
+              <a:noFill/>
+            </p:spPr>
+            <p:txBody>
+              <a:bodyPr wrap="none" lIns="0" tIns="0" rIns="0" bIns="0" rtlCol="0">
+                <a:spAutoFit/>
+              </a:bodyPr>
+              <a:lstStyle/>
+              <a:p>
+                <a:pPr/>
+                <a14:m>
+                  <m:oMathPara xmlns:m="http://schemas.openxmlformats.org/officeDocument/2006/math">
+                    <m:oMathParaPr>
+                      <m:jc m:val="centerGroup"/>
+                    </m:oMathParaPr>
+                    <m:oMath xmlns:m="http://schemas.openxmlformats.org/officeDocument/2006/math">
+                      <m:sSub>
+                        <m:sSubPr>
+                          <m:ctrlPr>
+                            <a:rPr lang="pt-BR" sz="2400" i="1" smtClean="0">
+                              <a:solidFill>
+                                <a:schemeClr val="bg1">
+                                  <a:lumMod val="75000"/>
+                                </a:schemeClr>
+                              </a:solidFill>
+                              <a:latin typeface="Cambria Math" panose="02040503050406030204" pitchFamily="18" charset="0"/>
+                            </a:rPr>
+                          </m:ctrlPr>
+                        </m:sSubPr>
+                        <m:e>
+                          <m:r>
+                            <a:rPr lang="el-GR" sz="2400" i="1" dirty="0">
+                              <a:solidFill>
+                                <a:schemeClr val="bg1">
+                                  <a:lumMod val="75000"/>
+                                </a:schemeClr>
+                              </a:solidFill>
+                              <a:latin typeface="Cambria Math" panose="02040503050406030204" pitchFamily="18" charset="0"/>
+                            </a:rPr>
+                            <m:t>𝜃</m:t>
+                          </m:r>
+                        </m:e>
+                        <m:sub>
+                          <m:r>
+                            <a:rPr lang="pt-BR" sz="2400" i="1">
+                              <a:solidFill>
+                                <a:schemeClr val="bg1">
+                                  <a:lumMod val="75000"/>
+                                </a:schemeClr>
+                              </a:solidFill>
+                              <a:latin typeface="Cambria Math" panose="02040503050406030204" pitchFamily="18" charset="0"/>
+                            </a:rPr>
+                            <m:t>4</m:t>
+                          </m:r>
+                        </m:sub>
+                      </m:sSub>
+                      <m:r>
+                        <a:rPr lang="pt-BR" sz="2200" b="0" i="1" smtClean="0">
+                          <a:solidFill>
+                            <a:schemeClr val="bg1">
+                              <a:lumMod val="75000"/>
+                            </a:schemeClr>
+                          </a:solidFill>
+                          <a:latin typeface="Cambria Math" panose="02040503050406030204" pitchFamily="18" charset="0"/>
+                          <a:ea typeface="Cambria Math" panose="02040503050406030204" pitchFamily="18" charset="0"/>
+                        </a:rPr>
+                        <m:t>=</m:t>
+                      </m:r>
+                      <m:r>
+                        <m:rPr>
+                          <m:sty m:val="p"/>
+                        </m:rPr>
+                        <a:rPr lang="pt-BR" sz="2200" b="0" i="0" smtClean="0">
+                          <a:solidFill>
+                            <a:schemeClr val="bg1">
+                              <a:lumMod val="75000"/>
+                            </a:schemeClr>
+                          </a:solidFill>
+                          <a:latin typeface="Cambria Math" panose="02040503050406030204" pitchFamily="18" charset="0"/>
+                          <a:ea typeface="Cambria Math" panose="02040503050406030204" pitchFamily="18" charset="0"/>
+                        </a:rPr>
+                        <m:t>atan</m:t>
+                      </m:r>
+                      <m:r>
+                        <a:rPr lang="pt-BR" sz="2200" b="0" i="1" smtClean="0">
+                          <a:solidFill>
+                            <a:schemeClr val="bg1">
+                              <a:lumMod val="75000"/>
+                            </a:schemeClr>
+                          </a:solidFill>
+                          <a:latin typeface="Cambria Math" panose="02040503050406030204" pitchFamily="18" charset="0"/>
+                          <a:ea typeface="Cambria Math" panose="02040503050406030204" pitchFamily="18" charset="0"/>
+                        </a:rPr>
+                        <m:t>⁡</m:t>
+                      </m:r>
+                      <m:d>
+                        <m:dPr>
+                          <m:ctrlPr>
+                            <a:rPr lang="pt-BR" sz="2200" b="0" i="1" smtClean="0">
+                              <a:solidFill>
+                                <a:schemeClr val="bg1">
+                                  <a:lumMod val="75000"/>
+                                </a:schemeClr>
+                              </a:solidFill>
+                              <a:latin typeface="Cambria Math" panose="02040503050406030204" pitchFamily="18" charset="0"/>
+                              <a:ea typeface="Cambria Math" panose="02040503050406030204" pitchFamily="18" charset="0"/>
+                            </a:rPr>
+                          </m:ctrlPr>
+                        </m:dPr>
+                        <m:e>
+                          <m:f>
+                            <m:fPr>
+                              <m:ctrlPr>
+                                <a:rPr lang="pt-BR" sz="2200" i="1">
+                                  <a:solidFill>
+                                    <a:schemeClr val="bg1">
+                                      <a:lumMod val="75000"/>
+                                    </a:schemeClr>
+                                  </a:solidFill>
+                                  <a:latin typeface="Cambria Math" panose="02040503050406030204" pitchFamily="18" charset="0"/>
+                                </a:rPr>
+                              </m:ctrlPr>
+                            </m:fPr>
+                            <m:num>
+                              <m:sSub>
+                                <m:sSubPr>
+                                  <m:ctrlPr>
+                                    <a:rPr lang="pt-BR" sz="2200" i="1">
+                                      <a:solidFill>
+                                        <a:schemeClr val="bg1">
+                                          <a:lumMod val="75000"/>
+                                        </a:schemeClr>
+                                      </a:solidFill>
+                                      <a:latin typeface="Cambria Math" panose="02040503050406030204" pitchFamily="18" charset="0"/>
+                                    </a:rPr>
+                                  </m:ctrlPr>
+                                </m:sSubPr>
+                                <m:e>
+                                  <m:r>
+                                    <a:rPr lang="pt-BR" sz="2200" b="0" i="1" smtClean="0">
+                                      <a:solidFill>
+                                        <a:schemeClr val="bg1">
+                                          <a:lumMod val="75000"/>
+                                        </a:schemeClr>
+                                      </a:solidFill>
+                                      <a:latin typeface="Cambria Math" panose="02040503050406030204" pitchFamily="18" charset="0"/>
+                                    </a:rPr>
+                                    <m:t>−</m:t>
+                                  </m:r>
+                                  <m:r>
+                                    <a:rPr lang="pt-BR" sz="2200" i="1">
+                                      <a:solidFill>
+                                        <a:schemeClr val="bg1">
+                                          <a:lumMod val="75000"/>
+                                        </a:schemeClr>
+                                      </a:solidFill>
+                                      <a:latin typeface="Cambria Math" panose="02040503050406030204" pitchFamily="18" charset="0"/>
+                                    </a:rPr>
+                                    <m:t>𝑟</m:t>
+                                  </m:r>
+                                </m:e>
+                                <m:sub>
+                                  <m:r>
+                                    <a:rPr lang="pt-BR" sz="2200" i="1">
+                                      <a:solidFill>
+                                        <a:schemeClr val="bg1">
+                                          <a:lumMod val="75000"/>
+                                        </a:schemeClr>
+                                      </a:solidFill>
+                                      <a:latin typeface="Cambria Math" panose="02040503050406030204" pitchFamily="18" charset="0"/>
+                                    </a:rPr>
+                                    <m:t>𝑦</m:t>
+                                  </m:r>
+                                </m:sub>
+                              </m:sSub>
+                            </m:num>
+                            <m:den>
+                              <m:sSub>
+                                <m:sSubPr>
+                                  <m:ctrlPr>
+                                    <a:rPr lang="pt-BR" sz="2200" i="1">
+                                      <a:solidFill>
+                                        <a:schemeClr val="bg1">
+                                          <a:lumMod val="75000"/>
+                                        </a:schemeClr>
+                                      </a:solidFill>
+                                      <a:latin typeface="Cambria Math" panose="02040503050406030204" pitchFamily="18" charset="0"/>
+                                    </a:rPr>
+                                  </m:ctrlPr>
+                                </m:sSubPr>
+                                <m:e>
+                                  <m:r>
+                                    <a:rPr lang="pt-BR" sz="2200" b="0" i="1" smtClean="0">
+                                      <a:solidFill>
+                                        <a:schemeClr val="bg1">
+                                          <a:lumMod val="75000"/>
+                                        </a:schemeClr>
+                                      </a:solidFill>
+                                      <a:latin typeface="Cambria Math" panose="02040503050406030204" pitchFamily="18" charset="0"/>
+                                    </a:rPr>
+                                    <m:t>+</m:t>
+                                  </m:r>
+                                  <m:r>
+                                    <a:rPr lang="pt-BR" sz="2200" i="1">
+                                      <a:solidFill>
+                                        <a:schemeClr val="bg1">
+                                          <a:lumMod val="75000"/>
+                                        </a:schemeClr>
+                                      </a:solidFill>
+                                      <a:latin typeface="Cambria Math" panose="02040503050406030204" pitchFamily="18" charset="0"/>
+                                    </a:rPr>
+                                    <m:t>𝑟</m:t>
+                                  </m:r>
+                                </m:e>
+                                <m:sub>
+                                  <m:r>
+                                    <a:rPr lang="pt-BR" sz="2200" i="1">
+                                      <a:solidFill>
+                                        <a:schemeClr val="bg1">
+                                          <a:lumMod val="75000"/>
+                                        </a:schemeClr>
+                                      </a:solidFill>
+                                      <a:latin typeface="Cambria Math" panose="02040503050406030204" pitchFamily="18" charset="0"/>
+                                    </a:rPr>
+                                    <m:t>𝑥</m:t>
+                                  </m:r>
+                                </m:sub>
+                              </m:sSub>
+                            </m:den>
+                          </m:f>
+                        </m:e>
+                      </m:d>
+                    </m:oMath>
+                  </m:oMathPara>
+                </a14:m>
+                <a:endParaRPr lang="pt-BR" sz="2200" dirty="0">
+                  <a:solidFill>
+                    <a:schemeClr val="bg1">
+                      <a:lumMod val="75000"/>
+                    </a:schemeClr>
+                  </a:solidFill>
+                </a:endParaRPr>
+              </a:p>
+            </p:txBody>
+          </p:sp>
+        </mc:Choice>
+        <mc:Fallback>
+          <p:sp>
+            <p:nvSpPr>
+              <p:cNvPr id="69" name="CaixaDeTexto 68">
+                <a:extLst>
+                  <a:ext uri="{FF2B5EF4-FFF2-40B4-BE49-F238E27FC236}">
+                    <a16:creationId xmlns:a16="http://schemas.microsoft.com/office/drawing/2014/main" id="{8045B86B-3FA9-7B41-8EEE-5E5528CCDE20}"/>
+                  </a:ext>
+                </a:extLst>
+              </p:cNvPr>
+              <p:cNvSpPr txBox="1">
+                <a:spLocks noRot="1" noChangeAspect="1" noMove="1" noResize="1" noEditPoints="1" noAdjustHandles="1" noChangeArrowheads="1" noChangeShapeType="1" noTextEdit="1"/>
+              </p:cNvSpPr>
+              <p:nvPr/>
+            </p:nvSpPr>
+            <p:spPr>
+              <a:xfrm>
+                <a:off x="8565204" y="4509120"/>
+                <a:ext cx="2102563" cy="764440"/>
+              </a:xfrm>
+              <a:prstGeom prst="rect">
+                <a:avLst/>
+              </a:prstGeom>
+              <a:blipFill>
+                <a:blip r:embed="rId6"/>
+                <a:stretch>
+                  <a:fillRect/>
+                </a:stretch>
+              </a:blipFill>
+            </p:spPr>
+            <p:txBody>
+              <a:bodyPr/>
+              <a:lstStyle/>
+              <a:p>
+                <a:r>
+                  <a:rPr lang="pt-BR">
+                    <a:noFill/>
+                  </a:rPr>
+                  <a:t> </a:t>
+                </a:r>
+              </a:p>
+            </p:txBody>
+          </p:sp>
+        </mc:Fallback>
+      </mc:AlternateContent>
+      <p:grpSp>
+        <p:nvGrpSpPr>
+          <p:cNvPr id="13" name="Agrupar 12">
+            <a:extLst>
+              <a:ext uri="{FF2B5EF4-FFF2-40B4-BE49-F238E27FC236}">
+                <a16:creationId xmlns:a16="http://schemas.microsoft.com/office/drawing/2014/main" id="{B6012E9C-68A6-8940-90A6-F35D9563FED5}"/>
+              </a:ext>
+            </a:extLst>
+          </p:cNvPr>
+          <p:cNvGrpSpPr/>
+          <p:nvPr/>
+        </p:nvGrpSpPr>
+        <p:grpSpPr>
+          <a:xfrm>
+            <a:off x="1400183" y="2600235"/>
+            <a:ext cx="4399630" cy="3133021"/>
+            <a:chOff x="1400183" y="2600235"/>
+            <a:chExt cx="4399630" cy="3133021"/>
+          </a:xfrm>
+        </p:grpSpPr>
+        <p:cxnSp>
+          <p:nvCxnSpPr>
+            <p:cNvPr id="41" name="Conector reto 40"/>
+            <p:cNvCxnSpPr>
+              <a:cxnSpLocks/>
+            </p:cNvCxnSpPr>
+            <p:nvPr/>
+          </p:nvCxnSpPr>
+          <p:spPr>
+            <a:xfrm flipV="1">
+              <a:off x="3394514" y="3039431"/>
+              <a:ext cx="1" cy="2606534"/>
+            </a:xfrm>
+            <a:prstGeom prst="line">
+              <a:avLst/>
+            </a:prstGeom>
+            <a:ln w="12700">
+              <a:solidFill>
+                <a:schemeClr val="accent1">
+                  <a:lumMod val="75000"/>
+                </a:schemeClr>
+              </a:solidFill>
+              <a:prstDash val="solid"/>
+              <a:headEnd type="none" w="med" len="med"/>
+              <a:tailEnd type="arrow" w="med" len="med"/>
+            </a:ln>
+          </p:spPr>
+          <p:style>
+            <a:lnRef idx="1">
+              <a:schemeClr val="accent1"/>
+            </a:lnRef>
+            <a:fillRef idx="0">
+              <a:schemeClr val="accent1"/>
+            </a:fillRef>
+            <a:effectRef idx="0">
+              <a:schemeClr val="accent1"/>
+            </a:effectRef>
+            <a:fontRef idx="minor">
+              <a:schemeClr val="tx1"/>
+            </a:fontRef>
+          </p:style>
+        </p:cxnSp>
+        <p:sp>
+          <p:nvSpPr>
+            <p:cNvPr id="42" name="CaixaDeTexto 41"/>
+            <p:cNvSpPr txBox="1"/>
+            <p:nvPr/>
+          </p:nvSpPr>
+          <p:spPr>
+            <a:xfrm>
+              <a:off x="3232259" y="2600235"/>
+              <a:ext cx="311304" cy="369332"/>
+            </a:xfrm>
+            <a:prstGeom prst="rect">
+              <a:avLst/>
+            </a:prstGeom>
+            <a:noFill/>
+          </p:spPr>
+          <p:txBody>
+            <a:bodyPr wrap="none" rtlCol="0">
+              <a:spAutoFit/>
+            </a:bodyPr>
+            <a:lstStyle/>
+            <a:p>
+              <a:r>
+                <a:rPr lang="pt-BR" dirty="0">
+                  <a:solidFill>
+                    <a:schemeClr val="accent1">
+                      <a:lumMod val="75000"/>
+                    </a:schemeClr>
+                  </a:solidFill>
+                  <a:latin typeface="Consolas" panose="020B0609020204030204" pitchFamily="49" charset="0"/>
+                </a:rPr>
+                <a:t>y</a:t>
+              </a:r>
+              <a:endParaRPr lang="pt-BR" baseline="-25000" dirty="0">
+                <a:solidFill>
+                  <a:schemeClr val="accent1">
+                    <a:lumMod val="75000"/>
+                  </a:schemeClr>
+                </a:solidFill>
+                <a:latin typeface="Consolas" panose="020B0609020204030204" pitchFamily="49" charset="0"/>
+              </a:endParaRPr>
+            </a:p>
+          </p:txBody>
+        </p:sp>
+        <p:cxnSp>
+          <p:nvCxnSpPr>
+            <p:cNvPr id="43" name="Conector reto 42"/>
+            <p:cNvCxnSpPr>
+              <a:cxnSpLocks/>
+            </p:cNvCxnSpPr>
+            <p:nvPr/>
+          </p:nvCxnSpPr>
+          <p:spPr>
+            <a:xfrm>
+              <a:off x="1791038" y="4456993"/>
+              <a:ext cx="3652533" cy="0"/>
+            </a:xfrm>
+            <a:prstGeom prst="line">
+              <a:avLst/>
+            </a:prstGeom>
+            <a:ln w="12700">
+              <a:solidFill>
+                <a:schemeClr val="accent1">
+                  <a:lumMod val="75000"/>
+                </a:schemeClr>
+              </a:solidFill>
+              <a:prstDash val="solid"/>
+              <a:headEnd type="none" w="med" len="med"/>
+              <a:tailEnd type="arrow" w="med" len="med"/>
+            </a:ln>
+          </p:spPr>
+          <p:style>
+            <a:lnRef idx="1">
+              <a:schemeClr val="accent1"/>
+            </a:lnRef>
+            <a:fillRef idx="0">
+              <a:schemeClr val="accent1"/>
+            </a:fillRef>
+            <a:effectRef idx="0">
+              <a:schemeClr val="accent1"/>
+            </a:effectRef>
+            <a:fontRef idx="minor">
+              <a:schemeClr val="tx1"/>
+            </a:fontRef>
+          </p:style>
+        </p:cxnSp>
+        <p:sp>
+          <p:nvSpPr>
+            <p:cNvPr id="48" name="CaixaDeTexto 47"/>
+            <p:cNvSpPr txBox="1"/>
+            <p:nvPr/>
+          </p:nvSpPr>
+          <p:spPr>
+            <a:xfrm>
+              <a:off x="5488509" y="4273104"/>
+              <a:ext cx="311304" cy="369332"/>
+            </a:xfrm>
+            <a:prstGeom prst="rect">
+              <a:avLst/>
+            </a:prstGeom>
+            <a:noFill/>
+          </p:spPr>
+          <p:txBody>
+            <a:bodyPr wrap="none" rtlCol="0">
+              <a:spAutoFit/>
+            </a:bodyPr>
+            <a:lstStyle/>
+            <a:p>
+              <a:r>
+                <a:rPr lang="pt-BR" dirty="0">
+                  <a:solidFill>
+                    <a:schemeClr val="accent1">
+                      <a:lumMod val="75000"/>
+                    </a:schemeClr>
+                  </a:solidFill>
+                  <a:latin typeface="Consolas" panose="020B0609020204030204" pitchFamily="49" charset="0"/>
+                </a:rPr>
+                <a:t>x</a:t>
+              </a:r>
+              <a:endParaRPr lang="pt-BR" baseline="-25000" dirty="0">
+                <a:solidFill>
+                  <a:schemeClr val="accent1">
+                    <a:lumMod val="75000"/>
+                  </a:schemeClr>
+                </a:solidFill>
+                <a:latin typeface="Consolas" panose="020B0609020204030204" pitchFamily="49" charset="0"/>
+              </a:endParaRPr>
+            </a:p>
+          </p:txBody>
+        </p:sp>
+        <mc:AlternateContent xmlns:mc="http://schemas.openxmlformats.org/markup-compatibility/2006" xmlns:a14="http://schemas.microsoft.com/office/drawing/2010/main">
+          <mc:Choice Requires="a14">
+            <p:sp>
+              <p:nvSpPr>
+                <p:cNvPr id="65" name="CaixaDeTexto 64"/>
+                <p:cNvSpPr txBox="1"/>
+                <p:nvPr/>
+              </p:nvSpPr>
+              <p:spPr>
+                <a:xfrm>
+                  <a:off x="3658964" y="3686226"/>
+                  <a:ext cx="481029" cy="430887"/>
+                </a:xfrm>
+                <a:prstGeom prst="rect">
+                  <a:avLst/>
+                </a:prstGeom>
+                <a:noFill/>
+              </p:spPr>
+              <p:txBody>
+                <a:bodyPr wrap="none" rtlCol="0">
+                  <a:spAutoFit/>
+                </a:bodyPr>
+                <a:lstStyle/>
+                <a:p>
+                  <a:pPr algn="ctr"/>
+                  <a14:m>
+                    <m:oMathPara xmlns:m="http://schemas.openxmlformats.org/officeDocument/2006/math">
+                      <m:oMathParaPr>
+                        <m:jc m:val="centerGroup"/>
+                      </m:oMathParaPr>
+                      <m:oMath xmlns:m="http://schemas.openxmlformats.org/officeDocument/2006/math">
+                        <m:r>
+                          <a:rPr lang="pt-BR" sz="2200" i="1" dirty="0" smtClean="0">
+                            <a:solidFill>
+                              <a:schemeClr val="bg1">
+                                <a:lumMod val="75000"/>
+                              </a:schemeClr>
+                            </a:solidFill>
+                            <a:latin typeface="Cambria Math" panose="02040503050406030204" pitchFamily="18" charset="0"/>
+                            <a:cs typeface="Consolas" pitchFamily="49" charset="0"/>
+                          </a:rPr>
+                          <m:t>𝑟</m:t>
+                        </m:r>
+                      </m:oMath>
+                    </m:oMathPara>
+                  </a14:m>
+                  <a:endParaRPr lang="pt-BR" sz="2200" dirty="0">
+                    <a:solidFill>
+                      <a:schemeClr val="bg1">
+                        <a:lumMod val="75000"/>
+                      </a:schemeClr>
+                    </a:solidFill>
+                    <a:latin typeface="Consolas" pitchFamily="49" charset="0"/>
+                    <a:cs typeface="Consolas" pitchFamily="49" charset="0"/>
+                  </a:endParaRPr>
+                </a:p>
+              </p:txBody>
+            </p:sp>
+          </mc:Choice>
+          <mc:Fallback xmlns="">
+            <p:sp>
+              <p:nvSpPr>
+                <p:cNvPr id="65" name="CaixaDeTexto 64"/>
+                <p:cNvSpPr txBox="1">
+                  <a:spLocks noRot="1" noChangeAspect="1" noMove="1" noResize="1" noEditPoints="1" noAdjustHandles="1" noChangeArrowheads="1" noChangeShapeType="1" noTextEdit="1"/>
+                </p:cNvSpPr>
+                <p:nvPr/>
+              </p:nvSpPr>
+              <p:spPr>
+                <a:xfrm>
+                  <a:off x="3658964" y="3686226"/>
+                  <a:ext cx="481029" cy="430887"/>
+                </a:xfrm>
+                <a:prstGeom prst="rect">
+                  <a:avLst/>
+                </a:prstGeom>
+                <a:blipFill>
+                  <a:blip r:embed="rId7"/>
+                  <a:stretch>
+                    <a:fillRect/>
+                  </a:stretch>
+                </a:blipFill>
+              </p:spPr>
+              <p:txBody>
+                <a:bodyPr/>
+                <a:lstStyle/>
+                <a:p>
+                  <a:r>
+                    <a:rPr lang="pt-BR">
+                      <a:noFill/>
+                    </a:rPr>
+                    <a:t> </a:t>
+                  </a:r>
+                </a:p>
+              </p:txBody>
+            </p:sp>
+          </mc:Fallback>
+        </mc:AlternateContent>
+        <p:cxnSp>
+          <p:nvCxnSpPr>
+            <p:cNvPr id="73" name="Conector de seta reta 72"/>
+            <p:cNvCxnSpPr>
+              <a:cxnSpLocks/>
+            </p:cNvCxnSpPr>
+            <p:nvPr/>
+          </p:nvCxnSpPr>
+          <p:spPr>
+            <a:xfrm flipV="1">
+              <a:off x="4638063" y="3596068"/>
+              <a:ext cx="1" cy="1676272"/>
+            </a:xfrm>
+            <a:prstGeom prst="straightConnector1">
+              <a:avLst/>
+            </a:prstGeom>
+            <a:ln>
+              <a:solidFill>
+                <a:schemeClr val="accent1">
+                  <a:lumMod val="50000"/>
+                </a:schemeClr>
+              </a:solidFill>
+              <a:prstDash val="dash"/>
+              <a:tailEnd type="none"/>
+            </a:ln>
+          </p:spPr>
+          <p:style>
+            <a:lnRef idx="1">
+              <a:schemeClr val="accent1"/>
+            </a:lnRef>
+            <a:fillRef idx="0">
+              <a:schemeClr val="accent1"/>
+            </a:fillRef>
+            <a:effectRef idx="0">
+              <a:schemeClr val="accent1"/>
+            </a:effectRef>
+            <a:fontRef idx="minor">
+              <a:schemeClr val="tx1"/>
+            </a:fontRef>
+          </p:style>
+        </p:cxnSp>
+        <p:cxnSp>
+          <p:nvCxnSpPr>
+            <p:cNvPr id="74" name="Conector de seta reta 73"/>
+            <p:cNvCxnSpPr>
+              <a:cxnSpLocks/>
+            </p:cNvCxnSpPr>
+            <p:nvPr/>
+          </p:nvCxnSpPr>
+          <p:spPr>
+            <a:xfrm>
+              <a:off x="2159902" y="3625511"/>
+              <a:ext cx="2474753" cy="0"/>
+            </a:xfrm>
+            <a:prstGeom prst="straightConnector1">
+              <a:avLst/>
+            </a:prstGeom>
+            <a:ln>
+              <a:solidFill>
+                <a:schemeClr val="accent1">
+                  <a:lumMod val="50000"/>
+                </a:schemeClr>
+              </a:solidFill>
+              <a:prstDash val="dash"/>
+              <a:tailEnd type="none"/>
+            </a:ln>
+          </p:spPr>
+          <p:style>
+            <a:lnRef idx="1">
+              <a:schemeClr val="accent1"/>
+            </a:lnRef>
+            <a:fillRef idx="0">
+              <a:schemeClr val="accent1"/>
+            </a:fillRef>
+            <a:effectRef idx="0">
+              <a:schemeClr val="accent1"/>
+            </a:effectRef>
+            <a:fontRef idx="minor">
+              <a:schemeClr val="tx1"/>
+            </a:fontRef>
+          </p:style>
+        </p:cxnSp>
+        <mc:AlternateContent xmlns:mc="http://schemas.openxmlformats.org/markup-compatibility/2006" xmlns:a14="http://schemas.microsoft.com/office/drawing/2010/main">
+          <mc:Choice Requires="a14">
+            <p:sp>
+              <p:nvSpPr>
+                <p:cNvPr id="89" name="CaixaDeTexto 88"/>
+                <p:cNvSpPr txBox="1"/>
+                <p:nvPr/>
+              </p:nvSpPr>
+              <p:spPr>
+                <a:xfrm>
+                  <a:off x="3792438" y="3093035"/>
+                  <a:ext cx="741421" cy="423065"/>
+                </a:xfrm>
+                <a:prstGeom prst="rect">
+                  <a:avLst/>
+                </a:prstGeom>
+                <a:noFill/>
+              </p:spPr>
+              <p:txBody>
+                <a:bodyPr wrap="none" rtlCol="0">
+                  <a:spAutoFit/>
+                </a:bodyPr>
+                <a:lstStyle/>
+                <a:p>
+                  <a:pPr/>
+                  <a14:m>
+                    <m:oMathPara xmlns:m="http://schemas.openxmlformats.org/officeDocument/2006/math">
+                      <m:oMathParaPr>
+                        <m:jc m:val="centerGroup"/>
+                      </m:oMathParaPr>
+                      <m:oMath xmlns:m="http://schemas.openxmlformats.org/officeDocument/2006/math">
+                        <m:r>
+                          <a:rPr lang="pt-BR" sz="2200" b="0" i="1" dirty="0" smtClean="0">
+                            <a:solidFill>
+                              <a:schemeClr val="bg1">
+                                <a:lumMod val="75000"/>
+                              </a:schemeClr>
+                            </a:solidFill>
+                            <a:latin typeface="Cambria Math" panose="02040503050406030204" pitchFamily="18" charset="0"/>
+                            <a:cs typeface="Consolas" pitchFamily="49" charset="0"/>
+                          </a:rPr>
+                          <m:t>+</m:t>
+                        </m:r>
+                        <m:r>
+                          <a:rPr lang="pt-BR" sz="2200" i="1" dirty="0" smtClean="0">
+                            <a:solidFill>
+                              <a:schemeClr val="bg1">
+                                <a:lumMod val="75000"/>
+                              </a:schemeClr>
+                            </a:solidFill>
+                            <a:latin typeface="Cambria Math" panose="02040503050406030204" pitchFamily="18" charset="0"/>
+                            <a:cs typeface="Consolas" pitchFamily="49" charset="0"/>
+                          </a:rPr>
+                          <m:t>𝑟</m:t>
+                        </m:r>
+                        <m:r>
+                          <a:rPr lang="pt-BR" sz="2200" i="1" baseline="-25000" dirty="0">
+                            <a:solidFill>
+                              <a:schemeClr val="bg1">
+                                <a:lumMod val="75000"/>
+                              </a:schemeClr>
+                            </a:solidFill>
+                            <a:latin typeface="Cambria Math" panose="02040503050406030204" pitchFamily="18" charset="0"/>
+                            <a:cs typeface="Consolas" pitchFamily="49" charset="0"/>
+                          </a:rPr>
+                          <m:t>𝑥</m:t>
+                        </m:r>
+                      </m:oMath>
+                    </m:oMathPara>
+                  </a14:m>
+                  <a:endParaRPr lang="pt-BR" sz="2200" baseline="-25000" dirty="0">
+                    <a:solidFill>
+                      <a:schemeClr val="bg1">
+                        <a:lumMod val="75000"/>
+                      </a:schemeClr>
+                    </a:solidFill>
+                    <a:latin typeface="Consolas" pitchFamily="49" charset="0"/>
+                    <a:cs typeface="Consolas" pitchFamily="49" charset="0"/>
+                  </a:endParaRPr>
+                </a:p>
+              </p:txBody>
+            </p:sp>
+          </mc:Choice>
+          <mc:Fallback xmlns="">
+            <p:sp>
+              <p:nvSpPr>
+                <p:cNvPr id="89" name="CaixaDeTexto 88"/>
+                <p:cNvSpPr txBox="1">
+                  <a:spLocks noRot="1" noChangeAspect="1" noMove="1" noResize="1" noEditPoints="1" noAdjustHandles="1" noChangeArrowheads="1" noChangeShapeType="1" noTextEdit="1"/>
+                </p:cNvSpPr>
+                <p:nvPr/>
+              </p:nvSpPr>
+              <p:spPr>
+                <a:xfrm>
+                  <a:off x="3792438" y="3093035"/>
+                  <a:ext cx="741421" cy="423065"/>
+                </a:xfrm>
+                <a:prstGeom prst="rect">
+                  <a:avLst/>
+                </a:prstGeom>
+                <a:blipFill>
+                  <a:blip r:embed="rId8"/>
+                  <a:stretch>
+                    <a:fillRect/>
+                  </a:stretch>
+                </a:blipFill>
+              </p:spPr>
+              <p:txBody>
+                <a:bodyPr/>
+                <a:lstStyle/>
+                <a:p>
+                  <a:r>
+                    <a:rPr lang="pt-BR">
+                      <a:noFill/>
+                    </a:rPr>
+                    <a:t> </a:t>
+                  </a:r>
+                </a:p>
+              </p:txBody>
+            </p:sp>
+          </mc:Fallback>
+        </mc:AlternateContent>
+        <mc:AlternateContent xmlns:mc="http://schemas.openxmlformats.org/markup-compatibility/2006" xmlns:a14="http://schemas.microsoft.com/office/drawing/2010/main">
+          <mc:Choice Requires="a14">
+            <p:sp>
+              <p:nvSpPr>
+                <p:cNvPr id="90" name="CaixaDeTexto 89"/>
+                <p:cNvSpPr txBox="1"/>
+                <p:nvPr/>
+              </p:nvSpPr>
+              <p:spPr>
+                <a:xfrm>
+                  <a:off x="4669010" y="3775747"/>
+                  <a:ext cx="744114" cy="423065"/>
+                </a:xfrm>
+                <a:prstGeom prst="rect">
+                  <a:avLst/>
+                </a:prstGeom>
+                <a:noFill/>
+              </p:spPr>
+              <p:txBody>
+                <a:bodyPr wrap="none" rtlCol="0">
+                  <a:spAutoFit/>
+                </a:bodyPr>
+                <a:lstStyle/>
+                <a:p>
+                  <a:pPr/>
+                  <a14:m>
+                    <m:oMathPara xmlns:m="http://schemas.openxmlformats.org/officeDocument/2006/math">
+                      <m:oMathParaPr>
+                        <m:jc m:val="centerGroup"/>
+                      </m:oMathParaPr>
+                      <m:oMath xmlns:m="http://schemas.openxmlformats.org/officeDocument/2006/math">
+                        <m:r>
+                          <a:rPr lang="pt-BR" sz="2200" b="0" i="1" dirty="0" smtClean="0">
+                            <a:solidFill>
+                              <a:schemeClr val="bg1">
+                                <a:lumMod val="75000"/>
+                              </a:schemeClr>
+                            </a:solidFill>
+                            <a:latin typeface="Cambria Math" panose="02040503050406030204" pitchFamily="18" charset="0"/>
+                            <a:cs typeface="Consolas" pitchFamily="49" charset="0"/>
+                          </a:rPr>
+                          <m:t>+</m:t>
+                        </m:r>
+                        <m:r>
+                          <a:rPr lang="pt-BR" sz="2200" i="1" dirty="0" smtClean="0">
+                            <a:solidFill>
+                              <a:schemeClr val="bg1">
+                                <a:lumMod val="75000"/>
+                              </a:schemeClr>
+                            </a:solidFill>
+                            <a:latin typeface="Cambria Math" panose="02040503050406030204" pitchFamily="18" charset="0"/>
+                            <a:cs typeface="Consolas" pitchFamily="49" charset="0"/>
+                          </a:rPr>
+                          <m:t>𝑟</m:t>
+                        </m:r>
+                        <m:r>
+                          <a:rPr lang="pt-BR" sz="2200" i="1" baseline="-25000" dirty="0">
+                            <a:solidFill>
+                              <a:schemeClr val="bg1">
+                                <a:lumMod val="75000"/>
+                              </a:schemeClr>
+                            </a:solidFill>
+                            <a:latin typeface="Cambria Math" panose="02040503050406030204" pitchFamily="18" charset="0"/>
+                            <a:cs typeface="Consolas" pitchFamily="49" charset="0"/>
+                          </a:rPr>
+                          <m:t>𝑦</m:t>
+                        </m:r>
+                      </m:oMath>
+                    </m:oMathPara>
+                  </a14:m>
+                  <a:endParaRPr lang="pt-BR" sz="2200" baseline="-25000" dirty="0">
+                    <a:solidFill>
+                      <a:schemeClr val="bg1">
+                        <a:lumMod val="75000"/>
+                      </a:schemeClr>
+                    </a:solidFill>
+                    <a:latin typeface="Consolas" pitchFamily="49" charset="0"/>
+                    <a:cs typeface="Consolas" pitchFamily="49" charset="0"/>
+                  </a:endParaRPr>
+                </a:p>
+              </p:txBody>
+            </p:sp>
+          </mc:Choice>
+          <mc:Fallback xmlns="">
+            <p:sp>
+              <p:nvSpPr>
+                <p:cNvPr id="90" name="CaixaDeTexto 89"/>
+                <p:cNvSpPr txBox="1">
+                  <a:spLocks noRot="1" noChangeAspect="1" noMove="1" noResize="1" noEditPoints="1" noAdjustHandles="1" noChangeArrowheads="1" noChangeShapeType="1" noTextEdit="1"/>
+                </p:cNvSpPr>
+                <p:nvPr/>
+              </p:nvSpPr>
+              <p:spPr>
+                <a:xfrm>
+                  <a:off x="4669010" y="3775747"/>
+                  <a:ext cx="744114" cy="423065"/>
+                </a:xfrm>
+                <a:prstGeom prst="rect">
+                  <a:avLst/>
+                </a:prstGeom>
+                <a:blipFill>
+                  <a:blip r:embed="rId9"/>
+                  <a:stretch>
+                    <a:fillRect b="-14706"/>
+                  </a:stretch>
+                </a:blipFill>
+              </p:spPr>
+              <p:txBody>
+                <a:bodyPr/>
+                <a:lstStyle/>
+                <a:p>
+                  <a:r>
+                    <a:rPr lang="pt-BR">
+                      <a:noFill/>
+                    </a:rPr>
+                    <a:t> </a:t>
+                  </a:r>
+                </a:p>
+              </p:txBody>
+            </p:sp>
+          </mc:Fallback>
+        </mc:AlternateContent>
+        <p:sp>
+          <p:nvSpPr>
+            <p:cNvPr id="35" name="Arco 34"/>
+            <p:cNvSpPr/>
+            <p:nvPr/>
+          </p:nvSpPr>
+          <p:spPr>
+            <a:xfrm rot="675350">
+              <a:off x="3102606" y="3994959"/>
+              <a:ext cx="813966" cy="822432"/>
+            </a:xfrm>
+            <a:prstGeom prst="arc">
+              <a:avLst>
+                <a:gd name="adj1" fmla="val 18845465"/>
+                <a:gd name="adj2" fmla="val 21339958"/>
+              </a:avLst>
+            </a:prstGeom>
+            <a:ln w="19050"/>
+          </p:spPr>
+          <p:style>
+            <a:lnRef idx="1">
+              <a:schemeClr val="accent1"/>
+            </a:lnRef>
+            <a:fillRef idx="0">
+              <a:schemeClr val="accent1"/>
+            </a:fillRef>
+            <a:effectRef idx="0">
+              <a:schemeClr val="accent1"/>
+            </a:effectRef>
+            <a:fontRef idx="minor">
+              <a:schemeClr val="tx1"/>
+            </a:fontRef>
+          </p:style>
+          <p:txBody>
+            <a:bodyPr rtlCol="0" anchor="ctr"/>
+            <a:lstStyle/>
+            <a:p>
+              <a:pPr algn="ctr"/>
+              <a:endParaRPr lang="pt-BR"/>
+            </a:p>
+          </p:txBody>
+        </p:sp>
+        <mc:AlternateContent xmlns:mc="http://schemas.openxmlformats.org/markup-compatibility/2006">
+          <mc:Choice xmlns:a14="http://schemas.microsoft.com/office/drawing/2010/main" Requires="a14">
+            <p:sp>
+              <p:nvSpPr>
+                <p:cNvPr id="36" name="Retângulo 35"/>
+                <p:cNvSpPr/>
+                <p:nvPr/>
+              </p:nvSpPr>
+              <p:spPr>
+                <a:xfrm>
+                  <a:off x="3894003" y="4070823"/>
+                  <a:ext cx="515334" cy="400110"/>
+                </a:xfrm>
+                <a:prstGeom prst="rect">
+                  <a:avLst/>
+                </a:prstGeom>
+              </p:spPr>
+              <p:txBody>
+                <a:bodyPr wrap="none">
+                  <a:spAutoFit/>
+                </a:bodyPr>
+                <a:lstStyle/>
+                <a:p>
+                  <a:pPr/>
+                  <a14:m>
+                    <m:oMathPara xmlns:m="http://schemas.openxmlformats.org/officeDocument/2006/math">
+                      <m:oMathParaPr>
+                        <m:jc m:val="centerGroup"/>
+                      </m:oMathParaPr>
+                      <m:oMath xmlns:m="http://schemas.openxmlformats.org/officeDocument/2006/math">
+                        <m:sSub>
+                          <m:sSubPr>
+                            <m:ctrlPr>
+                              <a:rPr lang="pt-BR" sz="2000" i="1" smtClean="0">
+                                <a:solidFill>
+                                  <a:schemeClr val="bg1">
+                                    <a:lumMod val="75000"/>
+                                  </a:schemeClr>
+                                </a:solidFill>
+                                <a:latin typeface="Cambria Math" panose="02040503050406030204" pitchFamily="18" charset="0"/>
+                              </a:rPr>
+                            </m:ctrlPr>
+                          </m:sSubPr>
+                          <m:e>
+                            <m:r>
+                              <a:rPr lang="el-GR" sz="2000" i="1" dirty="0">
+                                <a:solidFill>
+                                  <a:schemeClr val="bg1">
+                                    <a:lumMod val="75000"/>
+                                  </a:schemeClr>
+                                </a:solidFill>
+                                <a:latin typeface="Cambria Math" panose="02040503050406030204" pitchFamily="18" charset="0"/>
+                              </a:rPr>
+                              <m:t>𝜃</m:t>
+                            </m:r>
+                          </m:e>
+                          <m:sub>
+                            <m:r>
+                              <a:rPr lang="pt-BR" sz="2000" b="0" i="1" smtClean="0">
+                                <a:solidFill>
+                                  <a:schemeClr val="bg1">
+                                    <a:lumMod val="75000"/>
+                                  </a:schemeClr>
+                                </a:solidFill>
+                                <a:latin typeface="Cambria Math" panose="02040503050406030204" pitchFamily="18" charset="0"/>
+                              </a:rPr>
+                              <m:t>1</m:t>
+                            </m:r>
+                          </m:sub>
+                        </m:sSub>
+                      </m:oMath>
+                    </m:oMathPara>
+                  </a14:m>
+                  <a:endParaRPr lang="pt-BR" sz="2000" dirty="0">
+                    <a:solidFill>
+                      <a:schemeClr val="bg1">
+                        <a:lumMod val="75000"/>
+                      </a:schemeClr>
+                    </a:solidFill>
+                  </a:endParaRPr>
+                </a:p>
+              </p:txBody>
+            </p:sp>
+          </mc:Choice>
+          <mc:Fallback>
+            <p:sp>
+              <p:nvSpPr>
+                <p:cNvPr id="36" name="Retângulo 35"/>
+                <p:cNvSpPr>
+                  <a:spLocks noRot="1" noChangeAspect="1" noMove="1" noResize="1" noEditPoints="1" noAdjustHandles="1" noChangeArrowheads="1" noChangeShapeType="1" noTextEdit="1"/>
+                </p:cNvSpPr>
+                <p:nvPr/>
+              </p:nvSpPr>
+              <p:spPr>
+                <a:xfrm>
+                  <a:off x="3894003" y="4070823"/>
+                  <a:ext cx="515334" cy="400110"/>
+                </a:xfrm>
+                <a:prstGeom prst="rect">
+                  <a:avLst/>
+                </a:prstGeom>
+                <a:blipFill>
+                  <a:blip r:embed="rId10"/>
+                  <a:stretch>
+                    <a:fillRect/>
+                  </a:stretch>
+                </a:blipFill>
+              </p:spPr>
+              <p:txBody>
+                <a:bodyPr/>
+                <a:lstStyle/>
+                <a:p>
+                  <a:r>
+                    <a:rPr lang="pt-BR">
+                      <a:noFill/>
+                    </a:rPr>
+                    <a:t> </a:t>
+                  </a:r>
+                </a:p>
+              </p:txBody>
+            </p:sp>
+          </mc:Fallback>
+        </mc:AlternateContent>
+        <p:cxnSp>
+          <p:nvCxnSpPr>
+            <p:cNvPr id="53" name="Conector de seta reta 52"/>
+            <p:cNvCxnSpPr>
+              <a:cxnSpLocks/>
+            </p:cNvCxnSpPr>
+            <p:nvPr/>
+          </p:nvCxnSpPr>
+          <p:spPr>
+            <a:xfrm flipV="1">
+              <a:off x="3398628" y="3625512"/>
+              <a:ext cx="1237310" cy="831481"/>
+            </a:xfrm>
+            <a:prstGeom prst="straightConnector1">
+              <a:avLst/>
+            </a:prstGeom>
+            <a:ln w="19050">
+              <a:tailEnd type="stealth" w="lg" len="lg"/>
+            </a:ln>
+          </p:spPr>
+          <p:style>
+            <a:lnRef idx="1">
+              <a:schemeClr val="accent1"/>
+            </a:lnRef>
+            <a:fillRef idx="0">
+              <a:schemeClr val="accent1"/>
+            </a:fillRef>
+            <a:effectRef idx="0">
+              <a:schemeClr val="accent1"/>
+            </a:effectRef>
+            <a:fontRef idx="minor">
+              <a:schemeClr val="tx1"/>
+            </a:fontRef>
+          </p:style>
+        </p:cxnSp>
+        <p:cxnSp>
+          <p:nvCxnSpPr>
+            <p:cNvPr id="31" name="Conector de seta reta 72">
+              <a:extLst>
+                <a:ext uri="{FF2B5EF4-FFF2-40B4-BE49-F238E27FC236}">
+                  <a16:creationId xmlns:a16="http://schemas.microsoft.com/office/drawing/2014/main" id="{36B9E13B-7F66-5145-A765-5DA841AB2842}"/>
+                </a:ext>
+              </a:extLst>
+            </p:cNvPr>
+            <p:cNvCxnSpPr>
+              <a:cxnSpLocks/>
+            </p:cNvCxnSpPr>
+            <p:nvPr/>
+          </p:nvCxnSpPr>
+          <p:spPr>
+            <a:xfrm flipV="1">
+              <a:off x="2159902" y="3608900"/>
+              <a:ext cx="1" cy="1676273"/>
+            </a:xfrm>
+            <a:prstGeom prst="straightConnector1">
+              <a:avLst/>
+            </a:prstGeom>
+            <a:ln>
+              <a:solidFill>
+                <a:schemeClr val="accent1">
+                  <a:lumMod val="50000"/>
+                </a:schemeClr>
+              </a:solidFill>
+              <a:prstDash val="dash"/>
+              <a:tailEnd type="none"/>
+            </a:ln>
+          </p:spPr>
+          <p:style>
+            <a:lnRef idx="1">
+              <a:schemeClr val="accent1"/>
+            </a:lnRef>
+            <a:fillRef idx="0">
+              <a:schemeClr val="accent1"/>
+            </a:fillRef>
+            <a:effectRef idx="0">
+              <a:schemeClr val="accent1"/>
+            </a:effectRef>
+            <a:fontRef idx="minor">
+              <a:schemeClr val="tx1"/>
+            </a:fontRef>
+          </p:style>
+        </p:cxnSp>
+        <p:sp>
+          <p:nvSpPr>
+            <p:cNvPr id="34" name="Arco 33">
+              <a:extLst>
+                <a:ext uri="{FF2B5EF4-FFF2-40B4-BE49-F238E27FC236}">
+                  <a16:creationId xmlns:a16="http://schemas.microsoft.com/office/drawing/2014/main" id="{8233B84F-2ADB-6E49-BA09-7B0DBF57A91B}"/>
+                </a:ext>
+              </a:extLst>
+            </p:cNvPr>
+            <p:cNvSpPr/>
+            <p:nvPr/>
+          </p:nvSpPr>
+          <p:spPr>
+            <a:xfrm rot="20924650" flipH="1">
+              <a:off x="2869967" y="3994958"/>
+              <a:ext cx="813966" cy="822432"/>
+            </a:xfrm>
+            <a:prstGeom prst="arc">
+              <a:avLst>
+                <a:gd name="adj1" fmla="val 18845465"/>
+                <a:gd name="adj2" fmla="val 21339958"/>
+              </a:avLst>
+            </a:prstGeom>
+            <a:ln w="19050"/>
+          </p:spPr>
+          <p:style>
+            <a:lnRef idx="1">
+              <a:schemeClr val="accent1"/>
+            </a:lnRef>
+            <a:fillRef idx="0">
+              <a:schemeClr val="accent1"/>
+            </a:fillRef>
+            <a:effectRef idx="0">
+              <a:schemeClr val="accent1"/>
+            </a:effectRef>
+            <a:fontRef idx="minor">
+              <a:schemeClr val="tx1"/>
+            </a:fontRef>
+          </p:style>
+          <p:txBody>
+            <a:bodyPr rtlCol="0" anchor="ctr"/>
+            <a:lstStyle/>
+            <a:p>
+              <a:pPr algn="ctr"/>
+              <a:endParaRPr lang="pt-BR"/>
+            </a:p>
+          </p:txBody>
+        </p:sp>
+        <p:cxnSp>
+          <p:nvCxnSpPr>
+            <p:cNvPr id="38" name="Conector de seta reta 52">
+              <a:extLst>
+                <a:ext uri="{FF2B5EF4-FFF2-40B4-BE49-F238E27FC236}">
+                  <a16:creationId xmlns:a16="http://schemas.microsoft.com/office/drawing/2014/main" id="{6F1872B3-F295-404B-9692-96FB20260AE1}"/>
+                </a:ext>
+              </a:extLst>
+            </p:cNvPr>
+            <p:cNvCxnSpPr>
+              <a:cxnSpLocks/>
+            </p:cNvCxnSpPr>
+            <p:nvPr/>
+          </p:nvCxnSpPr>
+          <p:spPr>
+            <a:xfrm flipH="1" flipV="1">
+              <a:off x="2150601" y="3625511"/>
+              <a:ext cx="1237310" cy="831481"/>
+            </a:xfrm>
+            <a:prstGeom prst="straightConnector1">
+              <a:avLst/>
+            </a:prstGeom>
+            <a:ln w="19050">
+              <a:tailEnd type="stealth" w="lg" len="lg"/>
+            </a:ln>
+          </p:spPr>
+          <p:style>
+            <a:lnRef idx="1">
+              <a:schemeClr val="accent1"/>
+            </a:lnRef>
+            <a:fillRef idx="0">
+              <a:schemeClr val="accent1"/>
+            </a:fillRef>
+            <a:effectRef idx="0">
+              <a:schemeClr val="accent1"/>
+            </a:effectRef>
+            <a:fontRef idx="minor">
+              <a:schemeClr val="tx1"/>
+            </a:fontRef>
+          </p:style>
+        </p:cxnSp>
+        <p:sp>
+          <p:nvSpPr>
+            <p:cNvPr id="40" name="Arco 39">
+              <a:extLst>
+                <a:ext uri="{FF2B5EF4-FFF2-40B4-BE49-F238E27FC236}">
+                  <a16:creationId xmlns:a16="http://schemas.microsoft.com/office/drawing/2014/main" id="{6E71181D-4F25-E043-BC80-53526D0D5FE4}"/>
+                </a:ext>
+              </a:extLst>
+            </p:cNvPr>
+            <p:cNvSpPr/>
+            <p:nvPr/>
+          </p:nvSpPr>
+          <p:spPr>
+            <a:xfrm rot="675350" flipH="1" flipV="1">
+              <a:off x="2872592" y="4095923"/>
+              <a:ext cx="813966" cy="822432"/>
+            </a:xfrm>
+            <a:prstGeom prst="arc">
+              <a:avLst>
+                <a:gd name="adj1" fmla="val 18845465"/>
+                <a:gd name="adj2" fmla="val 21339958"/>
+              </a:avLst>
+            </a:prstGeom>
+            <a:ln w="19050">
+              <a:solidFill>
+                <a:schemeClr val="accent1">
+                  <a:lumMod val="75000"/>
+                </a:schemeClr>
+              </a:solidFill>
+            </a:ln>
+          </p:spPr>
+          <p:style>
+            <a:lnRef idx="1">
+              <a:schemeClr val="accent1"/>
+            </a:lnRef>
+            <a:fillRef idx="0">
+              <a:schemeClr val="accent1"/>
+            </a:fillRef>
+            <a:effectRef idx="0">
+              <a:schemeClr val="accent1"/>
+            </a:effectRef>
+            <a:fontRef idx="minor">
+              <a:schemeClr val="tx1"/>
+            </a:fontRef>
+          </p:style>
+          <p:txBody>
+            <a:bodyPr rtlCol="0" anchor="ctr"/>
+            <a:lstStyle/>
+            <a:p>
+              <a:pPr algn="ctr"/>
+              <a:endParaRPr lang="pt-BR"/>
+            </a:p>
+          </p:txBody>
+        </p:sp>
+        <p:cxnSp>
+          <p:nvCxnSpPr>
+            <p:cNvPr id="45" name="Conector de seta reta 52">
+              <a:extLst>
+                <a:ext uri="{FF2B5EF4-FFF2-40B4-BE49-F238E27FC236}">
+                  <a16:creationId xmlns:a16="http://schemas.microsoft.com/office/drawing/2014/main" id="{E4908158-BCD6-4247-BE2F-168E6E6C6EEA}"/>
+                </a:ext>
+              </a:extLst>
+            </p:cNvPr>
+            <p:cNvCxnSpPr>
+              <a:cxnSpLocks/>
+            </p:cNvCxnSpPr>
+            <p:nvPr/>
+          </p:nvCxnSpPr>
+          <p:spPr>
+            <a:xfrm flipH="1">
+              <a:off x="2153226" y="4456321"/>
+              <a:ext cx="1237310" cy="831481"/>
+            </a:xfrm>
+            <a:prstGeom prst="straightConnector1">
+              <a:avLst/>
+            </a:prstGeom>
+            <a:ln w="19050">
+              <a:tailEnd type="stealth" w="lg" len="lg"/>
+            </a:ln>
+          </p:spPr>
+          <p:style>
+            <a:lnRef idx="1">
+              <a:schemeClr val="accent1"/>
+            </a:lnRef>
+            <a:fillRef idx="0">
+              <a:schemeClr val="accent1"/>
+            </a:fillRef>
+            <a:effectRef idx="0">
+              <a:schemeClr val="accent1"/>
+            </a:effectRef>
+            <a:fontRef idx="minor">
+              <a:schemeClr val="tx1"/>
+            </a:fontRef>
+          </p:style>
+        </p:cxnSp>
+        <p:sp>
+          <p:nvSpPr>
+            <p:cNvPr id="47" name="Arco 46">
+              <a:extLst>
+                <a:ext uri="{FF2B5EF4-FFF2-40B4-BE49-F238E27FC236}">
+                  <a16:creationId xmlns:a16="http://schemas.microsoft.com/office/drawing/2014/main" id="{DF7709B9-BB79-BF42-94DD-AB225C06E89D}"/>
+                </a:ext>
+              </a:extLst>
+            </p:cNvPr>
+            <p:cNvSpPr/>
+            <p:nvPr/>
+          </p:nvSpPr>
+          <p:spPr>
+            <a:xfrm rot="20924650" flipV="1">
+              <a:off x="3102606" y="4096059"/>
+              <a:ext cx="813966" cy="822432"/>
+            </a:xfrm>
+            <a:prstGeom prst="arc">
+              <a:avLst>
+                <a:gd name="adj1" fmla="val 18845465"/>
+                <a:gd name="adj2" fmla="val 21339958"/>
+              </a:avLst>
+            </a:prstGeom>
+            <a:ln w="19050">
+              <a:solidFill>
+                <a:schemeClr val="accent1">
+                  <a:lumMod val="75000"/>
+                </a:schemeClr>
+              </a:solidFill>
+            </a:ln>
+          </p:spPr>
+          <p:style>
+            <a:lnRef idx="1">
+              <a:schemeClr val="accent1"/>
+            </a:lnRef>
+            <a:fillRef idx="0">
+              <a:schemeClr val="accent1"/>
+            </a:fillRef>
+            <a:effectRef idx="0">
+              <a:schemeClr val="accent1"/>
+            </a:effectRef>
+            <a:fontRef idx="minor">
+              <a:schemeClr val="tx1"/>
+            </a:fontRef>
+          </p:style>
+          <p:txBody>
+            <a:bodyPr rtlCol="0" anchor="ctr"/>
+            <a:lstStyle/>
+            <a:p>
+              <a:pPr algn="ctr"/>
+              <a:endParaRPr lang="pt-BR"/>
+            </a:p>
+          </p:txBody>
+        </p:sp>
+        <p:cxnSp>
+          <p:nvCxnSpPr>
+            <p:cNvPr id="50" name="Conector de seta reta 52">
+              <a:extLst>
+                <a:ext uri="{FF2B5EF4-FFF2-40B4-BE49-F238E27FC236}">
+                  <a16:creationId xmlns:a16="http://schemas.microsoft.com/office/drawing/2014/main" id="{61E3DFEE-EA0D-EB4F-9B53-5D695836D099}"/>
+                </a:ext>
+              </a:extLst>
+            </p:cNvPr>
+            <p:cNvCxnSpPr>
+              <a:cxnSpLocks/>
+            </p:cNvCxnSpPr>
+            <p:nvPr/>
+          </p:nvCxnSpPr>
+          <p:spPr>
+            <a:xfrm>
+              <a:off x="3398628" y="4456457"/>
+              <a:ext cx="1237310" cy="831481"/>
+            </a:xfrm>
+            <a:prstGeom prst="straightConnector1">
+              <a:avLst/>
+            </a:prstGeom>
+            <a:ln w="19050">
+              <a:tailEnd type="stealth" w="lg" len="lg"/>
+            </a:ln>
+          </p:spPr>
+          <p:style>
+            <a:lnRef idx="1">
+              <a:schemeClr val="accent1"/>
+            </a:lnRef>
+            <a:fillRef idx="0">
+              <a:schemeClr val="accent1"/>
+            </a:fillRef>
+            <a:effectRef idx="0">
+              <a:schemeClr val="accent1"/>
+            </a:effectRef>
+            <a:fontRef idx="minor">
+              <a:schemeClr val="tx1"/>
+            </a:fontRef>
+          </p:style>
+        </p:cxnSp>
+        <p:cxnSp>
+          <p:nvCxnSpPr>
+            <p:cNvPr id="56" name="Conector de seta reta 73">
+              <a:extLst>
+                <a:ext uri="{FF2B5EF4-FFF2-40B4-BE49-F238E27FC236}">
+                  <a16:creationId xmlns:a16="http://schemas.microsoft.com/office/drawing/2014/main" id="{46B014CE-B8D2-5448-990E-84698684CF21}"/>
+                </a:ext>
+              </a:extLst>
+            </p:cNvPr>
+            <p:cNvCxnSpPr>
+              <a:cxnSpLocks/>
+            </p:cNvCxnSpPr>
+            <p:nvPr/>
+          </p:nvCxnSpPr>
+          <p:spPr>
+            <a:xfrm>
+              <a:off x="2159902" y="5285173"/>
+              <a:ext cx="2474753" cy="0"/>
+            </a:xfrm>
+            <a:prstGeom prst="straightConnector1">
+              <a:avLst/>
+            </a:prstGeom>
+            <a:ln>
+              <a:solidFill>
+                <a:schemeClr val="accent1">
+                  <a:lumMod val="50000"/>
+                </a:schemeClr>
+              </a:solidFill>
+              <a:prstDash val="dash"/>
+              <a:tailEnd type="none"/>
+            </a:ln>
+          </p:spPr>
+          <p:style>
+            <a:lnRef idx="1">
+              <a:schemeClr val="accent1"/>
+            </a:lnRef>
+            <a:fillRef idx="0">
+              <a:schemeClr val="accent1"/>
+            </a:fillRef>
+            <a:effectRef idx="0">
+              <a:schemeClr val="accent1"/>
+            </a:effectRef>
+            <a:fontRef idx="minor">
+              <a:schemeClr val="tx1"/>
+            </a:fontRef>
+          </p:style>
+        </p:cxnSp>
+        <mc:AlternateContent xmlns:mc="http://schemas.openxmlformats.org/markup-compatibility/2006">
+          <mc:Choice xmlns:a14="http://schemas.microsoft.com/office/drawing/2010/main" Requires="a14">
+            <p:sp>
+              <p:nvSpPr>
+                <p:cNvPr id="57" name="Retângulo 56">
+                  <a:extLst>
+                    <a:ext uri="{FF2B5EF4-FFF2-40B4-BE49-F238E27FC236}">
+                      <a16:creationId xmlns:a16="http://schemas.microsoft.com/office/drawing/2014/main" id="{31E0253B-E984-A04B-A31C-1460DF303021}"/>
+                    </a:ext>
+                  </a:extLst>
+                </p:cNvPr>
+                <p:cNvSpPr/>
+                <p:nvPr/>
+              </p:nvSpPr>
+              <p:spPr>
+                <a:xfrm>
+                  <a:off x="3885406" y="4456393"/>
+                  <a:ext cx="515334" cy="400110"/>
+                </a:xfrm>
+                <a:prstGeom prst="rect">
+                  <a:avLst/>
+                </a:prstGeom>
+              </p:spPr>
+              <p:txBody>
+                <a:bodyPr wrap="none">
+                  <a:spAutoFit/>
+                </a:bodyPr>
+                <a:lstStyle/>
+                <a:p>
+                  <a:pPr/>
+                  <a14:m>
+                    <m:oMathPara xmlns:m="http://schemas.openxmlformats.org/officeDocument/2006/math">
+                      <m:oMathParaPr>
+                        <m:jc m:val="centerGroup"/>
+                      </m:oMathParaPr>
+                      <m:oMath xmlns:m="http://schemas.openxmlformats.org/officeDocument/2006/math">
+                        <m:sSub>
+                          <m:sSubPr>
+                            <m:ctrlPr>
+                              <a:rPr lang="pt-BR" sz="2000" i="1" smtClean="0">
+                                <a:solidFill>
+                                  <a:schemeClr val="bg1">
+                                    <a:lumMod val="75000"/>
+                                  </a:schemeClr>
+                                </a:solidFill>
+                                <a:latin typeface="Cambria Math" panose="02040503050406030204" pitchFamily="18" charset="0"/>
+                              </a:rPr>
+                            </m:ctrlPr>
+                          </m:sSubPr>
+                          <m:e>
+                            <m:r>
+                              <a:rPr lang="el-GR" sz="2000" i="1" dirty="0">
+                                <a:solidFill>
+                                  <a:schemeClr val="bg1">
+                                    <a:lumMod val="75000"/>
+                                  </a:schemeClr>
+                                </a:solidFill>
+                                <a:latin typeface="Cambria Math" panose="02040503050406030204" pitchFamily="18" charset="0"/>
+                              </a:rPr>
+                              <m:t>𝜃</m:t>
+                            </m:r>
+                          </m:e>
+                          <m:sub>
+                            <m:r>
+                              <a:rPr lang="pt-BR" sz="2000" b="0" i="1" smtClean="0">
+                                <a:solidFill>
+                                  <a:schemeClr val="bg1">
+                                    <a:lumMod val="75000"/>
+                                  </a:schemeClr>
+                                </a:solidFill>
+                                <a:latin typeface="Cambria Math" panose="02040503050406030204" pitchFamily="18" charset="0"/>
+                              </a:rPr>
+                              <m:t>4</m:t>
+                            </m:r>
+                          </m:sub>
+                        </m:sSub>
+                      </m:oMath>
+                    </m:oMathPara>
+                  </a14:m>
+                  <a:endParaRPr lang="pt-BR" sz="2000" dirty="0">
+                    <a:solidFill>
+                      <a:schemeClr val="bg1">
+                        <a:lumMod val="75000"/>
+                      </a:schemeClr>
+                    </a:solidFill>
+                  </a:endParaRPr>
+                </a:p>
+              </p:txBody>
+            </p:sp>
+          </mc:Choice>
+          <mc:Fallback>
+            <p:sp>
+              <p:nvSpPr>
+                <p:cNvPr id="57" name="Retângulo 56">
+                  <a:extLst>
+                    <a:ext uri="{FF2B5EF4-FFF2-40B4-BE49-F238E27FC236}">
+                      <a16:creationId xmlns:a16="http://schemas.microsoft.com/office/drawing/2014/main" id="{31E0253B-E984-A04B-A31C-1460DF303021}"/>
+                    </a:ext>
+                  </a:extLst>
+                </p:cNvPr>
+                <p:cNvSpPr>
+                  <a:spLocks noRot="1" noChangeAspect="1" noMove="1" noResize="1" noEditPoints="1" noAdjustHandles="1" noChangeArrowheads="1" noChangeShapeType="1" noTextEdit="1"/>
+                </p:cNvSpPr>
+                <p:nvPr/>
+              </p:nvSpPr>
+              <p:spPr>
+                <a:xfrm>
+                  <a:off x="3885406" y="4456393"/>
+                  <a:ext cx="515334" cy="400110"/>
+                </a:xfrm>
+                <a:prstGeom prst="rect">
+                  <a:avLst/>
+                </a:prstGeom>
+                <a:blipFill>
+                  <a:blip r:embed="rId11"/>
+                  <a:stretch>
+                    <a:fillRect/>
+                  </a:stretch>
+                </a:blipFill>
+              </p:spPr>
+              <p:txBody>
+                <a:bodyPr/>
+                <a:lstStyle/>
+                <a:p>
+                  <a:r>
+                    <a:rPr lang="pt-BR">
+                      <a:noFill/>
+                    </a:rPr>
+                    <a:t> </a:t>
+                  </a:r>
+                </a:p>
+              </p:txBody>
+            </p:sp>
+          </mc:Fallback>
+        </mc:AlternateContent>
+        <mc:AlternateContent xmlns:mc="http://schemas.openxmlformats.org/markup-compatibility/2006">
+          <mc:Choice xmlns:a14="http://schemas.microsoft.com/office/drawing/2010/main" Requires="a14">
+            <p:sp>
+              <p:nvSpPr>
+                <p:cNvPr id="58" name="Retângulo 57">
+                  <a:extLst>
+                    <a:ext uri="{FF2B5EF4-FFF2-40B4-BE49-F238E27FC236}">
+                      <a16:creationId xmlns:a16="http://schemas.microsoft.com/office/drawing/2014/main" id="{9115FE35-E5D2-0E42-8113-4C8C3F0628DA}"/>
+                    </a:ext>
+                  </a:extLst>
+                </p:cNvPr>
+                <p:cNvSpPr/>
+                <p:nvPr/>
+              </p:nvSpPr>
+              <p:spPr>
+                <a:xfrm>
+                  <a:off x="2416077" y="4042270"/>
+                  <a:ext cx="521297" cy="400110"/>
+                </a:xfrm>
+                <a:prstGeom prst="rect">
+                  <a:avLst/>
+                </a:prstGeom>
+              </p:spPr>
+              <p:txBody>
+                <a:bodyPr wrap="none">
+                  <a:spAutoFit/>
+                </a:bodyPr>
+                <a:lstStyle/>
+                <a:p>
+                  <a:pPr/>
+                  <a14:m>
+                    <m:oMathPara xmlns:m="http://schemas.openxmlformats.org/officeDocument/2006/math">
+                      <m:oMathParaPr>
+                        <m:jc m:val="centerGroup"/>
+                      </m:oMathParaPr>
+                      <m:oMath xmlns:m="http://schemas.openxmlformats.org/officeDocument/2006/math">
+                        <m:sSub>
+                          <m:sSubPr>
+                            <m:ctrlPr>
+                              <a:rPr lang="pt-BR" sz="2000" i="1" smtClean="0">
+                                <a:solidFill>
+                                  <a:schemeClr val="bg1">
+                                    <a:lumMod val="75000"/>
+                                  </a:schemeClr>
+                                </a:solidFill>
+                                <a:latin typeface="Cambria Math" panose="02040503050406030204" pitchFamily="18" charset="0"/>
+                              </a:rPr>
+                            </m:ctrlPr>
+                          </m:sSubPr>
+                          <m:e>
+                            <m:r>
+                              <a:rPr lang="el-GR" sz="2000" i="1" dirty="0">
+                                <a:solidFill>
+                                  <a:schemeClr val="bg1">
+                                    <a:lumMod val="75000"/>
+                                  </a:schemeClr>
+                                </a:solidFill>
+                                <a:latin typeface="Cambria Math" panose="02040503050406030204" pitchFamily="18" charset="0"/>
+                              </a:rPr>
+                              <m:t>𝜃</m:t>
+                            </m:r>
+                          </m:e>
+                          <m:sub>
+                            <m:r>
+                              <a:rPr lang="pt-BR" sz="2000" b="0" i="1" smtClean="0">
+                                <a:solidFill>
+                                  <a:schemeClr val="bg1">
+                                    <a:lumMod val="75000"/>
+                                  </a:schemeClr>
+                                </a:solidFill>
+                                <a:latin typeface="Cambria Math" panose="02040503050406030204" pitchFamily="18" charset="0"/>
+                              </a:rPr>
+                              <m:t>2</m:t>
+                            </m:r>
+                          </m:sub>
+                        </m:sSub>
+                      </m:oMath>
+                    </m:oMathPara>
+                  </a14:m>
+                  <a:endParaRPr lang="pt-BR" sz="2000" dirty="0">
+                    <a:solidFill>
+                      <a:schemeClr val="bg1">
+                        <a:lumMod val="75000"/>
+                      </a:schemeClr>
+                    </a:solidFill>
+                  </a:endParaRPr>
+                </a:p>
+              </p:txBody>
+            </p:sp>
+          </mc:Choice>
+          <mc:Fallback>
+            <p:sp>
+              <p:nvSpPr>
+                <p:cNvPr id="58" name="Retângulo 57">
+                  <a:extLst>
+                    <a:ext uri="{FF2B5EF4-FFF2-40B4-BE49-F238E27FC236}">
+                      <a16:creationId xmlns:a16="http://schemas.microsoft.com/office/drawing/2014/main" id="{9115FE35-E5D2-0E42-8113-4C8C3F0628DA}"/>
+                    </a:ext>
+                  </a:extLst>
+                </p:cNvPr>
+                <p:cNvSpPr>
+                  <a:spLocks noRot="1" noChangeAspect="1" noMove="1" noResize="1" noEditPoints="1" noAdjustHandles="1" noChangeArrowheads="1" noChangeShapeType="1" noTextEdit="1"/>
+                </p:cNvSpPr>
+                <p:nvPr/>
+              </p:nvSpPr>
+              <p:spPr>
+                <a:xfrm>
+                  <a:off x="2416077" y="4042270"/>
+                  <a:ext cx="521297" cy="400110"/>
+                </a:xfrm>
+                <a:prstGeom prst="rect">
+                  <a:avLst/>
+                </a:prstGeom>
+                <a:blipFill>
+                  <a:blip r:embed="rId12"/>
+                  <a:stretch>
+                    <a:fillRect/>
+                  </a:stretch>
+                </a:blipFill>
+              </p:spPr>
+              <p:txBody>
+                <a:bodyPr/>
+                <a:lstStyle/>
+                <a:p>
+                  <a:r>
+                    <a:rPr lang="pt-BR">
+                      <a:noFill/>
+                    </a:rPr>
+                    <a:t> </a:t>
+                  </a:r>
+                </a:p>
+              </p:txBody>
+            </p:sp>
+          </mc:Fallback>
+        </mc:AlternateContent>
+        <mc:AlternateContent xmlns:mc="http://schemas.openxmlformats.org/markup-compatibility/2006">
+          <mc:Choice xmlns:a14="http://schemas.microsoft.com/office/drawing/2010/main" Requires="a14">
+            <p:sp>
+              <p:nvSpPr>
+                <p:cNvPr id="59" name="Retângulo 58">
+                  <a:extLst>
+                    <a:ext uri="{FF2B5EF4-FFF2-40B4-BE49-F238E27FC236}">
+                      <a16:creationId xmlns:a16="http://schemas.microsoft.com/office/drawing/2014/main" id="{298BD916-5718-1C4C-8A08-9020578C7BD0}"/>
+                    </a:ext>
+                  </a:extLst>
+                </p:cNvPr>
+                <p:cNvSpPr/>
+                <p:nvPr/>
+              </p:nvSpPr>
+              <p:spPr>
+                <a:xfrm>
+                  <a:off x="2416077" y="4456393"/>
+                  <a:ext cx="521297" cy="400110"/>
+                </a:xfrm>
+                <a:prstGeom prst="rect">
+                  <a:avLst/>
+                </a:prstGeom>
+              </p:spPr>
+              <p:txBody>
+                <a:bodyPr wrap="none">
+                  <a:spAutoFit/>
+                </a:bodyPr>
+                <a:lstStyle/>
+                <a:p>
+                  <a:pPr/>
+                  <a14:m>
+                    <m:oMathPara xmlns:m="http://schemas.openxmlformats.org/officeDocument/2006/math">
+                      <m:oMathParaPr>
+                        <m:jc m:val="centerGroup"/>
+                      </m:oMathParaPr>
+                      <m:oMath xmlns:m="http://schemas.openxmlformats.org/officeDocument/2006/math">
+                        <m:sSub>
+                          <m:sSubPr>
+                            <m:ctrlPr>
+                              <a:rPr lang="pt-BR" sz="2000" i="1" smtClean="0">
+                                <a:solidFill>
+                                  <a:schemeClr val="bg1">
+                                    <a:lumMod val="75000"/>
+                                  </a:schemeClr>
+                                </a:solidFill>
+                                <a:latin typeface="Cambria Math" panose="02040503050406030204" pitchFamily="18" charset="0"/>
+                              </a:rPr>
+                            </m:ctrlPr>
+                          </m:sSubPr>
+                          <m:e>
+                            <m:r>
+                              <a:rPr lang="el-GR" sz="2000" i="1" dirty="0">
+                                <a:solidFill>
+                                  <a:schemeClr val="bg1">
+                                    <a:lumMod val="75000"/>
+                                  </a:schemeClr>
+                                </a:solidFill>
+                                <a:latin typeface="Cambria Math" panose="02040503050406030204" pitchFamily="18" charset="0"/>
+                              </a:rPr>
+                              <m:t>𝜃</m:t>
+                            </m:r>
+                          </m:e>
+                          <m:sub>
+                            <m:r>
+                              <a:rPr lang="pt-BR" sz="2000" b="0" i="1" smtClean="0">
+                                <a:solidFill>
+                                  <a:schemeClr val="bg1">
+                                    <a:lumMod val="75000"/>
+                                  </a:schemeClr>
+                                </a:solidFill>
+                                <a:latin typeface="Cambria Math" panose="02040503050406030204" pitchFamily="18" charset="0"/>
+                              </a:rPr>
+                              <m:t>3</m:t>
+                            </m:r>
+                          </m:sub>
+                        </m:sSub>
+                      </m:oMath>
+                    </m:oMathPara>
+                  </a14:m>
+                  <a:endParaRPr lang="pt-BR" sz="2000" dirty="0">
+                    <a:solidFill>
+                      <a:schemeClr val="bg1">
+                        <a:lumMod val="75000"/>
+                      </a:schemeClr>
+                    </a:solidFill>
+                  </a:endParaRPr>
+                </a:p>
+              </p:txBody>
+            </p:sp>
+          </mc:Choice>
+          <mc:Fallback>
+            <p:sp>
+              <p:nvSpPr>
+                <p:cNvPr id="59" name="Retângulo 58">
+                  <a:extLst>
+                    <a:ext uri="{FF2B5EF4-FFF2-40B4-BE49-F238E27FC236}">
+                      <a16:creationId xmlns:a16="http://schemas.microsoft.com/office/drawing/2014/main" id="{298BD916-5718-1C4C-8A08-9020578C7BD0}"/>
+                    </a:ext>
+                  </a:extLst>
+                </p:cNvPr>
+                <p:cNvSpPr>
+                  <a:spLocks noRot="1" noChangeAspect="1" noMove="1" noResize="1" noEditPoints="1" noAdjustHandles="1" noChangeArrowheads="1" noChangeShapeType="1" noTextEdit="1"/>
+                </p:cNvSpPr>
+                <p:nvPr/>
+              </p:nvSpPr>
+              <p:spPr>
+                <a:xfrm>
+                  <a:off x="2416077" y="4456393"/>
+                  <a:ext cx="521297" cy="400110"/>
+                </a:xfrm>
+                <a:prstGeom prst="rect">
+                  <a:avLst/>
+                </a:prstGeom>
+                <a:blipFill>
+                  <a:blip r:embed="rId13"/>
+                  <a:stretch>
+                    <a:fillRect/>
+                  </a:stretch>
+                </a:blipFill>
+              </p:spPr>
+              <p:txBody>
+                <a:bodyPr/>
+                <a:lstStyle/>
+                <a:p>
+                  <a:r>
+                    <a:rPr lang="pt-BR">
+                      <a:noFill/>
+                    </a:rPr>
+                    <a:t> </a:t>
+                  </a:r>
+                </a:p>
+              </p:txBody>
+            </p:sp>
+          </mc:Fallback>
+        </mc:AlternateContent>
+        <mc:AlternateContent xmlns:mc="http://schemas.openxmlformats.org/markup-compatibility/2006" xmlns:a14="http://schemas.microsoft.com/office/drawing/2010/main">
+          <mc:Choice Requires="a14">
+            <p:sp>
+              <p:nvSpPr>
+                <p:cNvPr id="60" name="CaixaDeTexto 59">
+                  <a:extLst>
+                    <a:ext uri="{FF2B5EF4-FFF2-40B4-BE49-F238E27FC236}">
+                      <a16:creationId xmlns:a16="http://schemas.microsoft.com/office/drawing/2014/main" id="{B9CEF1F1-41E5-554A-BD88-32CA3CBF0C54}"/>
+                    </a:ext>
+                  </a:extLst>
+                </p:cNvPr>
+                <p:cNvSpPr txBox="1"/>
+                <p:nvPr/>
+              </p:nvSpPr>
+              <p:spPr>
+                <a:xfrm>
+                  <a:off x="2426819" y="3093035"/>
+                  <a:ext cx="741420" cy="423065"/>
+                </a:xfrm>
+                <a:prstGeom prst="rect">
+                  <a:avLst/>
+                </a:prstGeom>
+                <a:noFill/>
+              </p:spPr>
+              <p:txBody>
+                <a:bodyPr wrap="none" rtlCol="0">
+                  <a:spAutoFit/>
+                </a:bodyPr>
+                <a:lstStyle/>
+                <a:p>
+                  <a:pPr/>
+                  <a14:m>
+                    <m:oMathPara xmlns:m="http://schemas.openxmlformats.org/officeDocument/2006/math">
+                      <m:oMathParaPr>
+                        <m:jc m:val="centerGroup"/>
+                      </m:oMathParaPr>
+                      <m:oMath xmlns:m="http://schemas.openxmlformats.org/officeDocument/2006/math">
+                        <m:r>
+                          <a:rPr lang="pt-BR" sz="2200" b="0" i="1" dirty="0" smtClean="0">
+                            <a:solidFill>
+                              <a:schemeClr val="bg1">
+                                <a:lumMod val="75000"/>
+                              </a:schemeClr>
+                            </a:solidFill>
+                            <a:latin typeface="Cambria Math" panose="02040503050406030204" pitchFamily="18" charset="0"/>
+                            <a:cs typeface="Consolas" pitchFamily="49" charset="0"/>
+                          </a:rPr>
+                          <m:t>−</m:t>
+                        </m:r>
+                        <m:r>
+                          <a:rPr lang="pt-BR" sz="2200" i="1" dirty="0" smtClean="0">
+                            <a:solidFill>
+                              <a:schemeClr val="bg1">
+                                <a:lumMod val="75000"/>
+                              </a:schemeClr>
+                            </a:solidFill>
+                            <a:latin typeface="Cambria Math" panose="02040503050406030204" pitchFamily="18" charset="0"/>
+                            <a:cs typeface="Consolas" pitchFamily="49" charset="0"/>
+                          </a:rPr>
+                          <m:t>𝑟</m:t>
+                        </m:r>
+                        <m:r>
+                          <a:rPr lang="pt-BR" sz="2200" i="1" baseline="-25000" dirty="0">
+                            <a:solidFill>
+                              <a:schemeClr val="bg1">
+                                <a:lumMod val="75000"/>
+                              </a:schemeClr>
+                            </a:solidFill>
+                            <a:latin typeface="Cambria Math" panose="02040503050406030204" pitchFamily="18" charset="0"/>
+                            <a:cs typeface="Consolas" pitchFamily="49" charset="0"/>
+                          </a:rPr>
+                          <m:t>𝑥</m:t>
+                        </m:r>
+                      </m:oMath>
+                    </m:oMathPara>
+                  </a14:m>
+                  <a:endParaRPr lang="pt-BR" sz="2200" baseline="-25000" dirty="0">
+                    <a:solidFill>
+                      <a:schemeClr val="bg1">
+                        <a:lumMod val="75000"/>
+                      </a:schemeClr>
+                    </a:solidFill>
+                    <a:latin typeface="Consolas" pitchFamily="49" charset="0"/>
+                    <a:cs typeface="Consolas" pitchFamily="49" charset="0"/>
+                  </a:endParaRPr>
+                </a:p>
+              </p:txBody>
+            </p:sp>
+          </mc:Choice>
+          <mc:Fallback xmlns="">
+            <p:sp>
+              <p:nvSpPr>
+                <p:cNvPr id="60" name="CaixaDeTexto 59">
+                  <a:extLst>
+                    <a:ext uri="{FF2B5EF4-FFF2-40B4-BE49-F238E27FC236}">
+                      <a16:creationId xmlns:a16="http://schemas.microsoft.com/office/drawing/2014/main" id="{B9CEF1F1-41E5-554A-BD88-32CA3CBF0C54}"/>
+                    </a:ext>
+                  </a:extLst>
+                </p:cNvPr>
+                <p:cNvSpPr txBox="1">
+                  <a:spLocks noRot="1" noChangeAspect="1" noMove="1" noResize="1" noEditPoints="1" noAdjustHandles="1" noChangeArrowheads="1" noChangeShapeType="1" noTextEdit="1"/>
+                </p:cNvSpPr>
+                <p:nvPr/>
+              </p:nvSpPr>
+              <p:spPr>
+                <a:xfrm>
+                  <a:off x="2426819" y="3093035"/>
+                  <a:ext cx="741420" cy="423065"/>
+                </a:xfrm>
+                <a:prstGeom prst="rect">
+                  <a:avLst/>
+                </a:prstGeom>
+                <a:blipFill>
+                  <a:blip r:embed="rId14"/>
+                  <a:stretch>
+                    <a:fillRect/>
+                  </a:stretch>
+                </a:blipFill>
+              </p:spPr>
+              <p:txBody>
+                <a:bodyPr/>
+                <a:lstStyle/>
+                <a:p>
+                  <a:r>
+                    <a:rPr lang="pt-BR">
+                      <a:noFill/>
+                    </a:rPr>
+                    <a:t> </a:t>
+                  </a:r>
+                </a:p>
+              </p:txBody>
+            </p:sp>
+          </mc:Fallback>
+        </mc:AlternateContent>
+        <mc:AlternateContent xmlns:mc="http://schemas.openxmlformats.org/markup-compatibility/2006" xmlns:a14="http://schemas.microsoft.com/office/drawing/2010/main">
+          <mc:Choice Requires="a14">
+            <p:sp>
+              <p:nvSpPr>
+                <p:cNvPr id="61" name="CaixaDeTexto 60">
+                  <a:extLst>
+                    <a:ext uri="{FF2B5EF4-FFF2-40B4-BE49-F238E27FC236}">
+                      <a16:creationId xmlns:a16="http://schemas.microsoft.com/office/drawing/2014/main" id="{448E7128-83EC-D34E-A300-CB7A7E1830E5}"/>
+                    </a:ext>
+                  </a:extLst>
+                </p:cNvPr>
+                <p:cNvSpPr txBox="1"/>
+                <p:nvPr/>
+              </p:nvSpPr>
+              <p:spPr>
+                <a:xfrm>
+                  <a:off x="1400183" y="3729027"/>
+                  <a:ext cx="744114" cy="423065"/>
+                </a:xfrm>
+                <a:prstGeom prst="rect">
+                  <a:avLst/>
+                </a:prstGeom>
+                <a:noFill/>
+              </p:spPr>
+              <p:txBody>
+                <a:bodyPr wrap="none" rtlCol="0">
+                  <a:spAutoFit/>
+                </a:bodyPr>
+                <a:lstStyle/>
+                <a:p>
+                  <a:pPr/>
+                  <a14:m>
+                    <m:oMathPara xmlns:m="http://schemas.openxmlformats.org/officeDocument/2006/math">
+                      <m:oMathParaPr>
+                        <m:jc m:val="centerGroup"/>
+                      </m:oMathParaPr>
+                      <m:oMath xmlns:m="http://schemas.openxmlformats.org/officeDocument/2006/math">
+                        <m:r>
+                          <a:rPr lang="pt-BR" sz="2200" b="0" i="1" dirty="0" smtClean="0">
+                            <a:solidFill>
+                              <a:schemeClr val="bg1">
+                                <a:lumMod val="75000"/>
+                              </a:schemeClr>
+                            </a:solidFill>
+                            <a:latin typeface="Cambria Math" panose="02040503050406030204" pitchFamily="18" charset="0"/>
+                            <a:cs typeface="Consolas" pitchFamily="49" charset="0"/>
+                          </a:rPr>
+                          <m:t>+</m:t>
+                        </m:r>
+                        <m:r>
+                          <a:rPr lang="pt-BR" sz="2200" i="1" dirty="0" smtClean="0">
+                            <a:solidFill>
+                              <a:schemeClr val="bg1">
+                                <a:lumMod val="75000"/>
+                              </a:schemeClr>
+                            </a:solidFill>
+                            <a:latin typeface="Cambria Math" panose="02040503050406030204" pitchFamily="18" charset="0"/>
+                            <a:cs typeface="Consolas" pitchFamily="49" charset="0"/>
+                          </a:rPr>
+                          <m:t>𝑟</m:t>
+                        </m:r>
+                        <m:r>
+                          <a:rPr lang="pt-BR" sz="2200" i="1" baseline="-25000" dirty="0">
+                            <a:solidFill>
+                              <a:schemeClr val="bg1">
+                                <a:lumMod val="75000"/>
+                              </a:schemeClr>
+                            </a:solidFill>
+                            <a:latin typeface="Cambria Math" panose="02040503050406030204" pitchFamily="18" charset="0"/>
+                            <a:cs typeface="Consolas" pitchFamily="49" charset="0"/>
+                          </a:rPr>
+                          <m:t>𝑦</m:t>
+                        </m:r>
+                      </m:oMath>
+                    </m:oMathPara>
+                  </a14:m>
+                  <a:endParaRPr lang="pt-BR" sz="2200" baseline="-25000" dirty="0">
+                    <a:solidFill>
+                      <a:schemeClr val="bg1">
+                        <a:lumMod val="75000"/>
+                      </a:schemeClr>
+                    </a:solidFill>
+                    <a:latin typeface="Consolas" pitchFamily="49" charset="0"/>
+                    <a:cs typeface="Consolas" pitchFamily="49" charset="0"/>
+                  </a:endParaRPr>
+                </a:p>
+              </p:txBody>
+            </p:sp>
+          </mc:Choice>
+          <mc:Fallback xmlns="">
+            <p:sp>
+              <p:nvSpPr>
+                <p:cNvPr id="61" name="CaixaDeTexto 60">
+                  <a:extLst>
+                    <a:ext uri="{FF2B5EF4-FFF2-40B4-BE49-F238E27FC236}">
+                      <a16:creationId xmlns:a16="http://schemas.microsoft.com/office/drawing/2014/main" id="{448E7128-83EC-D34E-A300-CB7A7E1830E5}"/>
+                    </a:ext>
+                  </a:extLst>
+                </p:cNvPr>
+                <p:cNvSpPr txBox="1">
+                  <a:spLocks noRot="1" noChangeAspect="1" noMove="1" noResize="1" noEditPoints="1" noAdjustHandles="1" noChangeArrowheads="1" noChangeShapeType="1" noTextEdit="1"/>
+                </p:cNvSpPr>
+                <p:nvPr/>
+              </p:nvSpPr>
+              <p:spPr>
+                <a:xfrm>
+                  <a:off x="1400183" y="3729027"/>
+                  <a:ext cx="744114" cy="423065"/>
+                </a:xfrm>
+                <a:prstGeom prst="rect">
+                  <a:avLst/>
+                </a:prstGeom>
+                <a:blipFill>
+                  <a:blip r:embed="rId15"/>
+                  <a:stretch>
+                    <a:fillRect b="-14706"/>
+                  </a:stretch>
+                </a:blipFill>
+              </p:spPr>
+              <p:txBody>
+                <a:bodyPr/>
+                <a:lstStyle/>
+                <a:p>
+                  <a:r>
+                    <a:rPr lang="pt-BR">
+                      <a:noFill/>
+                    </a:rPr>
+                    <a:t> </a:t>
+                  </a:r>
+                </a:p>
+              </p:txBody>
+            </p:sp>
+          </mc:Fallback>
+        </mc:AlternateContent>
+        <mc:AlternateContent xmlns:mc="http://schemas.openxmlformats.org/markup-compatibility/2006" xmlns:a14="http://schemas.microsoft.com/office/drawing/2010/main">
+          <mc:Choice Requires="a14">
+            <p:sp>
+              <p:nvSpPr>
+                <p:cNvPr id="62" name="CaixaDeTexto 61">
+                  <a:extLst>
+                    <a:ext uri="{FF2B5EF4-FFF2-40B4-BE49-F238E27FC236}">
+                      <a16:creationId xmlns:a16="http://schemas.microsoft.com/office/drawing/2014/main" id="{05A6B4D1-AE8B-9540-BD73-A885C771D6A3}"/>
+                    </a:ext>
+                  </a:extLst>
+                </p:cNvPr>
+                <p:cNvSpPr txBox="1"/>
+                <p:nvPr/>
+              </p:nvSpPr>
+              <p:spPr>
+                <a:xfrm>
+                  <a:off x="3786700" y="5310191"/>
+                  <a:ext cx="741421" cy="423065"/>
+                </a:xfrm>
+                <a:prstGeom prst="rect">
+                  <a:avLst/>
+                </a:prstGeom>
+                <a:noFill/>
+              </p:spPr>
+              <p:txBody>
+                <a:bodyPr wrap="none" rtlCol="0">
+                  <a:spAutoFit/>
+                </a:bodyPr>
+                <a:lstStyle/>
+                <a:p>
+                  <a:pPr/>
+                  <a14:m>
+                    <m:oMathPara xmlns:m="http://schemas.openxmlformats.org/officeDocument/2006/math">
+                      <m:oMathParaPr>
+                        <m:jc m:val="centerGroup"/>
+                      </m:oMathParaPr>
+                      <m:oMath xmlns:m="http://schemas.openxmlformats.org/officeDocument/2006/math">
+                        <m:r>
+                          <a:rPr lang="pt-BR" sz="2200" b="0" i="1" dirty="0" smtClean="0">
+                            <a:solidFill>
+                              <a:schemeClr val="bg1">
+                                <a:lumMod val="75000"/>
+                              </a:schemeClr>
+                            </a:solidFill>
+                            <a:latin typeface="Cambria Math" panose="02040503050406030204" pitchFamily="18" charset="0"/>
+                            <a:cs typeface="Consolas" pitchFamily="49" charset="0"/>
+                          </a:rPr>
+                          <m:t>+</m:t>
+                        </m:r>
+                        <m:r>
+                          <a:rPr lang="pt-BR" sz="2200" i="1" dirty="0" smtClean="0">
+                            <a:solidFill>
+                              <a:schemeClr val="bg1">
+                                <a:lumMod val="75000"/>
+                              </a:schemeClr>
+                            </a:solidFill>
+                            <a:latin typeface="Cambria Math" panose="02040503050406030204" pitchFamily="18" charset="0"/>
+                            <a:cs typeface="Consolas" pitchFamily="49" charset="0"/>
+                          </a:rPr>
+                          <m:t>𝑟</m:t>
+                        </m:r>
+                        <m:r>
+                          <a:rPr lang="pt-BR" sz="2200" i="1" baseline="-25000" dirty="0">
+                            <a:solidFill>
+                              <a:schemeClr val="bg1">
+                                <a:lumMod val="75000"/>
+                              </a:schemeClr>
+                            </a:solidFill>
+                            <a:latin typeface="Cambria Math" panose="02040503050406030204" pitchFamily="18" charset="0"/>
+                            <a:cs typeface="Consolas" pitchFamily="49" charset="0"/>
+                          </a:rPr>
+                          <m:t>𝑥</m:t>
+                        </m:r>
+                      </m:oMath>
+                    </m:oMathPara>
+                  </a14:m>
+                  <a:endParaRPr lang="pt-BR" sz="2200" baseline="-25000" dirty="0">
+                    <a:solidFill>
+                      <a:schemeClr val="bg1">
+                        <a:lumMod val="75000"/>
+                      </a:schemeClr>
+                    </a:solidFill>
+                    <a:latin typeface="Consolas" pitchFamily="49" charset="0"/>
+                    <a:cs typeface="Consolas" pitchFamily="49" charset="0"/>
+                  </a:endParaRPr>
+                </a:p>
+              </p:txBody>
+            </p:sp>
+          </mc:Choice>
+          <mc:Fallback xmlns="">
+            <p:sp>
+              <p:nvSpPr>
+                <p:cNvPr id="62" name="CaixaDeTexto 61">
+                  <a:extLst>
+                    <a:ext uri="{FF2B5EF4-FFF2-40B4-BE49-F238E27FC236}">
+                      <a16:creationId xmlns:a16="http://schemas.microsoft.com/office/drawing/2014/main" id="{05A6B4D1-AE8B-9540-BD73-A885C771D6A3}"/>
+                    </a:ext>
+                  </a:extLst>
+                </p:cNvPr>
+                <p:cNvSpPr txBox="1">
+                  <a:spLocks noRot="1" noChangeAspect="1" noMove="1" noResize="1" noEditPoints="1" noAdjustHandles="1" noChangeArrowheads="1" noChangeShapeType="1" noTextEdit="1"/>
+                </p:cNvSpPr>
+                <p:nvPr/>
+              </p:nvSpPr>
+              <p:spPr>
+                <a:xfrm>
+                  <a:off x="3786700" y="5310191"/>
+                  <a:ext cx="741421" cy="423065"/>
+                </a:xfrm>
+                <a:prstGeom prst="rect">
+                  <a:avLst/>
+                </a:prstGeom>
+                <a:blipFill>
+                  <a:blip r:embed="rId16"/>
+                  <a:stretch>
+                    <a:fillRect/>
+                  </a:stretch>
+                </a:blipFill>
+              </p:spPr>
+              <p:txBody>
+                <a:bodyPr/>
+                <a:lstStyle/>
+                <a:p>
+                  <a:r>
+                    <a:rPr lang="pt-BR">
+                      <a:noFill/>
+                    </a:rPr>
+                    <a:t> </a:t>
+                  </a:r>
+                </a:p>
+              </p:txBody>
+            </p:sp>
+          </mc:Fallback>
+        </mc:AlternateContent>
+        <mc:AlternateContent xmlns:mc="http://schemas.openxmlformats.org/markup-compatibility/2006" xmlns:a14="http://schemas.microsoft.com/office/drawing/2010/main">
+          <mc:Choice Requires="a14">
+            <p:sp>
+              <p:nvSpPr>
+                <p:cNvPr id="63" name="CaixaDeTexto 62">
+                  <a:extLst>
+                    <a:ext uri="{FF2B5EF4-FFF2-40B4-BE49-F238E27FC236}">
+                      <a16:creationId xmlns:a16="http://schemas.microsoft.com/office/drawing/2014/main" id="{C57F8C86-9FE2-154A-BDC8-FDF6AE9F2630}"/>
+                    </a:ext>
+                  </a:extLst>
+                </p:cNvPr>
+                <p:cNvSpPr txBox="1"/>
+                <p:nvPr/>
+              </p:nvSpPr>
+              <p:spPr>
+                <a:xfrm>
+                  <a:off x="4669010" y="4587802"/>
+                  <a:ext cx="744114" cy="423065"/>
+                </a:xfrm>
+                <a:prstGeom prst="rect">
+                  <a:avLst/>
+                </a:prstGeom>
+                <a:noFill/>
+              </p:spPr>
+              <p:txBody>
+                <a:bodyPr wrap="none" rtlCol="0">
+                  <a:spAutoFit/>
+                </a:bodyPr>
+                <a:lstStyle/>
+                <a:p>
+                  <a:pPr/>
+                  <a14:m>
+                    <m:oMathPara xmlns:m="http://schemas.openxmlformats.org/officeDocument/2006/math">
+                      <m:oMathParaPr>
+                        <m:jc m:val="centerGroup"/>
+                      </m:oMathParaPr>
+                      <m:oMath xmlns:m="http://schemas.openxmlformats.org/officeDocument/2006/math">
+                        <m:r>
+                          <a:rPr lang="pt-BR" sz="2200" b="0" i="1" dirty="0" smtClean="0">
+                            <a:solidFill>
+                              <a:schemeClr val="bg1">
+                                <a:lumMod val="75000"/>
+                              </a:schemeClr>
+                            </a:solidFill>
+                            <a:latin typeface="Cambria Math" panose="02040503050406030204" pitchFamily="18" charset="0"/>
+                            <a:cs typeface="Consolas" pitchFamily="49" charset="0"/>
+                          </a:rPr>
+                          <m:t>−</m:t>
+                        </m:r>
+                        <m:r>
+                          <a:rPr lang="pt-BR" sz="2200" i="1" dirty="0" smtClean="0">
+                            <a:solidFill>
+                              <a:schemeClr val="bg1">
+                                <a:lumMod val="75000"/>
+                              </a:schemeClr>
+                            </a:solidFill>
+                            <a:latin typeface="Cambria Math" panose="02040503050406030204" pitchFamily="18" charset="0"/>
+                            <a:cs typeface="Consolas" pitchFamily="49" charset="0"/>
+                          </a:rPr>
+                          <m:t>𝑟</m:t>
+                        </m:r>
+                        <m:r>
+                          <a:rPr lang="pt-BR" sz="2200" i="1" baseline="-25000" dirty="0">
+                            <a:solidFill>
+                              <a:schemeClr val="bg1">
+                                <a:lumMod val="75000"/>
+                              </a:schemeClr>
+                            </a:solidFill>
+                            <a:latin typeface="Cambria Math" panose="02040503050406030204" pitchFamily="18" charset="0"/>
+                            <a:cs typeface="Consolas" pitchFamily="49" charset="0"/>
+                          </a:rPr>
+                          <m:t>𝑦</m:t>
+                        </m:r>
+                      </m:oMath>
+                    </m:oMathPara>
+                  </a14:m>
+                  <a:endParaRPr lang="pt-BR" sz="2200" baseline="-25000" dirty="0">
+                    <a:solidFill>
+                      <a:schemeClr val="bg1">
+                        <a:lumMod val="75000"/>
+                      </a:schemeClr>
+                    </a:solidFill>
+                    <a:latin typeface="Consolas" pitchFamily="49" charset="0"/>
+                    <a:cs typeface="Consolas" pitchFamily="49" charset="0"/>
+                  </a:endParaRPr>
+                </a:p>
+              </p:txBody>
+            </p:sp>
+          </mc:Choice>
+          <mc:Fallback xmlns="">
+            <p:sp>
+              <p:nvSpPr>
+                <p:cNvPr id="63" name="CaixaDeTexto 62">
+                  <a:extLst>
+                    <a:ext uri="{FF2B5EF4-FFF2-40B4-BE49-F238E27FC236}">
+                      <a16:creationId xmlns:a16="http://schemas.microsoft.com/office/drawing/2014/main" id="{C57F8C86-9FE2-154A-BDC8-FDF6AE9F2630}"/>
+                    </a:ext>
+                  </a:extLst>
+                </p:cNvPr>
+                <p:cNvSpPr txBox="1">
+                  <a:spLocks noRot="1" noChangeAspect="1" noMove="1" noResize="1" noEditPoints="1" noAdjustHandles="1" noChangeArrowheads="1" noChangeShapeType="1" noTextEdit="1"/>
+                </p:cNvSpPr>
+                <p:nvPr/>
+              </p:nvSpPr>
+              <p:spPr>
+                <a:xfrm>
+                  <a:off x="4669010" y="4587802"/>
+                  <a:ext cx="744114" cy="423065"/>
+                </a:xfrm>
+                <a:prstGeom prst="rect">
+                  <a:avLst/>
+                </a:prstGeom>
+                <a:blipFill>
+                  <a:blip r:embed="rId17"/>
+                  <a:stretch>
+                    <a:fillRect b="-11765"/>
+                  </a:stretch>
+                </a:blipFill>
+              </p:spPr>
+              <p:txBody>
+                <a:bodyPr/>
+                <a:lstStyle/>
+                <a:p>
+                  <a:r>
+                    <a:rPr lang="pt-BR">
+                      <a:noFill/>
+                    </a:rPr>
+                    <a:t> </a:t>
+                  </a:r>
+                </a:p>
+              </p:txBody>
+            </p:sp>
+          </mc:Fallback>
+        </mc:AlternateContent>
+        <mc:AlternateContent xmlns:mc="http://schemas.openxmlformats.org/markup-compatibility/2006" xmlns:a14="http://schemas.microsoft.com/office/drawing/2010/main">
+          <mc:Choice Requires="a14">
+            <p:sp>
+              <p:nvSpPr>
+                <p:cNvPr id="64" name="CaixaDeTexto 63">
+                  <a:extLst>
+                    <a:ext uri="{FF2B5EF4-FFF2-40B4-BE49-F238E27FC236}">
+                      <a16:creationId xmlns:a16="http://schemas.microsoft.com/office/drawing/2014/main" id="{E52BBEB7-B8C4-0443-B846-F266C406017D}"/>
+                    </a:ext>
+                  </a:extLst>
+                </p:cNvPr>
+                <p:cNvSpPr txBox="1"/>
+                <p:nvPr/>
+              </p:nvSpPr>
+              <p:spPr>
+                <a:xfrm>
+                  <a:off x="2421081" y="5310191"/>
+                  <a:ext cx="741420" cy="423065"/>
+                </a:xfrm>
+                <a:prstGeom prst="rect">
+                  <a:avLst/>
+                </a:prstGeom>
+                <a:noFill/>
+              </p:spPr>
+              <p:txBody>
+                <a:bodyPr wrap="none" rtlCol="0">
+                  <a:spAutoFit/>
+                </a:bodyPr>
+                <a:lstStyle/>
+                <a:p>
+                  <a:pPr/>
+                  <a14:m>
+                    <m:oMathPara xmlns:m="http://schemas.openxmlformats.org/officeDocument/2006/math">
+                      <m:oMathParaPr>
+                        <m:jc m:val="centerGroup"/>
+                      </m:oMathParaPr>
+                      <m:oMath xmlns:m="http://schemas.openxmlformats.org/officeDocument/2006/math">
+                        <m:r>
+                          <a:rPr lang="pt-BR" sz="2200" b="0" i="1" dirty="0" smtClean="0">
+                            <a:solidFill>
+                              <a:schemeClr val="bg1">
+                                <a:lumMod val="75000"/>
+                              </a:schemeClr>
+                            </a:solidFill>
+                            <a:latin typeface="Cambria Math" panose="02040503050406030204" pitchFamily="18" charset="0"/>
+                            <a:cs typeface="Consolas" pitchFamily="49" charset="0"/>
+                          </a:rPr>
+                          <m:t>−</m:t>
+                        </m:r>
+                        <m:r>
+                          <a:rPr lang="pt-BR" sz="2200" i="1" dirty="0" smtClean="0">
+                            <a:solidFill>
+                              <a:schemeClr val="bg1">
+                                <a:lumMod val="75000"/>
+                              </a:schemeClr>
+                            </a:solidFill>
+                            <a:latin typeface="Cambria Math" panose="02040503050406030204" pitchFamily="18" charset="0"/>
+                            <a:cs typeface="Consolas" pitchFamily="49" charset="0"/>
+                          </a:rPr>
+                          <m:t>𝑟</m:t>
+                        </m:r>
+                        <m:r>
+                          <a:rPr lang="pt-BR" sz="2200" i="1" baseline="-25000" dirty="0">
+                            <a:solidFill>
+                              <a:schemeClr val="bg1">
+                                <a:lumMod val="75000"/>
+                              </a:schemeClr>
+                            </a:solidFill>
+                            <a:latin typeface="Cambria Math" panose="02040503050406030204" pitchFamily="18" charset="0"/>
+                            <a:cs typeface="Consolas" pitchFamily="49" charset="0"/>
+                          </a:rPr>
+                          <m:t>𝑥</m:t>
+                        </m:r>
+                      </m:oMath>
+                    </m:oMathPara>
+                  </a14:m>
+                  <a:endParaRPr lang="pt-BR" sz="2200" baseline="-25000" dirty="0">
+                    <a:solidFill>
+                      <a:schemeClr val="bg1">
+                        <a:lumMod val="75000"/>
+                      </a:schemeClr>
+                    </a:solidFill>
+                    <a:latin typeface="Consolas" pitchFamily="49" charset="0"/>
+                    <a:cs typeface="Consolas" pitchFamily="49" charset="0"/>
+                  </a:endParaRPr>
+                </a:p>
+              </p:txBody>
+            </p:sp>
+          </mc:Choice>
+          <mc:Fallback xmlns="">
+            <p:sp>
+              <p:nvSpPr>
+                <p:cNvPr id="64" name="CaixaDeTexto 63">
+                  <a:extLst>
+                    <a:ext uri="{FF2B5EF4-FFF2-40B4-BE49-F238E27FC236}">
+                      <a16:creationId xmlns:a16="http://schemas.microsoft.com/office/drawing/2014/main" id="{E52BBEB7-B8C4-0443-B846-F266C406017D}"/>
+                    </a:ext>
+                  </a:extLst>
+                </p:cNvPr>
+                <p:cNvSpPr txBox="1">
+                  <a:spLocks noRot="1" noChangeAspect="1" noMove="1" noResize="1" noEditPoints="1" noAdjustHandles="1" noChangeArrowheads="1" noChangeShapeType="1" noTextEdit="1"/>
+                </p:cNvSpPr>
+                <p:nvPr/>
+              </p:nvSpPr>
+              <p:spPr>
+                <a:xfrm>
+                  <a:off x="2421081" y="5310191"/>
+                  <a:ext cx="741420" cy="423065"/>
+                </a:xfrm>
+                <a:prstGeom prst="rect">
+                  <a:avLst/>
+                </a:prstGeom>
+                <a:blipFill>
+                  <a:blip r:embed="rId18"/>
+                  <a:stretch>
+                    <a:fillRect/>
+                  </a:stretch>
+                </a:blipFill>
+              </p:spPr>
+              <p:txBody>
+                <a:bodyPr/>
+                <a:lstStyle/>
+                <a:p>
+                  <a:r>
+                    <a:rPr lang="pt-BR">
+                      <a:noFill/>
+                    </a:rPr>
+                    <a:t> </a:t>
+                  </a:r>
+                </a:p>
+              </p:txBody>
+            </p:sp>
+          </mc:Fallback>
+        </mc:AlternateContent>
+        <mc:AlternateContent xmlns:mc="http://schemas.openxmlformats.org/markup-compatibility/2006" xmlns:a14="http://schemas.microsoft.com/office/drawing/2010/main">
+          <mc:Choice Requires="a14">
+            <p:sp>
+              <p:nvSpPr>
+                <p:cNvPr id="66" name="CaixaDeTexto 65">
+                  <a:extLst>
+                    <a:ext uri="{FF2B5EF4-FFF2-40B4-BE49-F238E27FC236}">
+                      <a16:creationId xmlns:a16="http://schemas.microsoft.com/office/drawing/2014/main" id="{BC09041D-B3EF-0249-AB50-F17F4228CE39}"/>
+                    </a:ext>
+                  </a:extLst>
+                </p:cNvPr>
+                <p:cNvSpPr txBox="1"/>
+                <p:nvPr/>
+              </p:nvSpPr>
+              <p:spPr>
+                <a:xfrm>
+                  <a:off x="1400183" y="4541082"/>
+                  <a:ext cx="744114" cy="423065"/>
+                </a:xfrm>
+                <a:prstGeom prst="rect">
+                  <a:avLst/>
+                </a:prstGeom>
+                <a:noFill/>
+              </p:spPr>
+              <p:txBody>
+                <a:bodyPr wrap="none" rtlCol="0">
+                  <a:spAutoFit/>
+                </a:bodyPr>
+                <a:lstStyle/>
+                <a:p>
+                  <a:pPr/>
+                  <a14:m>
+                    <m:oMathPara xmlns:m="http://schemas.openxmlformats.org/officeDocument/2006/math">
+                      <m:oMathParaPr>
+                        <m:jc m:val="centerGroup"/>
+                      </m:oMathParaPr>
+                      <m:oMath xmlns:m="http://schemas.openxmlformats.org/officeDocument/2006/math">
+                        <m:r>
+                          <a:rPr lang="pt-BR" sz="2200" b="0" i="1" dirty="0" smtClean="0">
+                            <a:solidFill>
+                              <a:schemeClr val="bg1">
+                                <a:lumMod val="75000"/>
+                              </a:schemeClr>
+                            </a:solidFill>
+                            <a:latin typeface="Cambria Math" panose="02040503050406030204" pitchFamily="18" charset="0"/>
+                            <a:cs typeface="Consolas" pitchFamily="49" charset="0"/>
+                          </a:rPr>
+                          <m:t>−</m:t>
+                        </m:r>
+                        <m:r>
+                          <a:rPr lang="pt-BR" sz="2200" i="1" dirty="0" smtClean="0">
+                            <a:solidFill>
+                              <a:schemeClr val="bg1">
+                                <a:lumMod val="75000"/>
+                              </a:schemeClr>
+                            </a:solidFill>
+                            <a:latin typeface="Cambria Math" panose="02040503050406030204" pitchFamily="18" charset="0"/>
+                            <a:cs typeface="Consolas" pitchFamily="49" charset="0"/>
+                          </a:rPr>
+                          <m:t>𝑟</m:t>
+                        </m:r>
+                        <m:r>
+                          <a:rPr lang="pt-BR" sz="2200" i="1" baseline="-25000" dirty="0">
+                            <a:solidFill>
+                              <a:schemeClr val="bg1">
+                                <a:lumMod val="75000"/>
+                              </a:schemeClr>
+                            </a:solidFill>
+                            <a:latin typeface="Cambria Math" panose="02040503050406030204" pitchFamily="18" charset="0"/>
+                            <a:cs typeface="Consolas" pitchFamily="49" charset="0"/>
+                          </a:rPr>
+                          <m:t>𝑦</m:t>
+                        </m:r>
+                      </m:oMath>
+                    </m:oMathPara>
+                  </a14:m>
+                  <a:endParaRPr lang="pt-BR" sz="2200" baseline="-25000" dirty="0">
+                    <a:solidFill>
+                      <a:schemeClr val="bg1">
+                        <a:lumMod val="75000"/>
+                      </a:schemeClr>
+                    </a:solidFill>
+                    <a:latin typeface="Consolas" pitchFamily="49" charset="0"/>
+                    <a:cs typeface="Consolas" pitchFamily="49" charset="0"/>
+                  </a:endParaRPr>
+                </a:p>
+              </p:txBody>
+            </p:sp>
+          </mc:Choice>
+          <mc:Fallback xmlns="">
+            <p:sp>
+              <p:nvSpPr>
+                <p:cNvPr id="66" name="CaixaDeTexto 65">
+                  <a:extLst>
+                    <a:ext uri="{FF2B5EF4-FFF2-40B4-BE49-F238E27FC236}">
+                      <a16:creationId xmlns:a16="http://schemas.microsoft.com/office/drawing/2014/main" id="{BC09041D-B3EF-0249-AB50-F17F4228CE39}"/>
+                    </a:ext>
+                  </a:extLst>
+                </p:cNvPr>
+                <p:cNvSpPr txBox="1">
+                  <a:spLocks noRot="1" noChangeAspect="1" noMove="1" noResize="1" noEditPoints="1" noAdjustHandles="1" noChangeArrowheads="1" noChangeShapeType="1" noTextEdit="1"/>
+                </p:cNvSpPr>
+                <p:nvPr/>
+              </p:nvSpPr>
+              <p:spPr>
+                <a:xfrm>
+                  <a:off x="1400183" y="4541082"/>
+                  <a:ext cx="744114" cy="423065"/>
+                </a:xfrm>
+                <a:prstGeom prst="rect">
+                  <a:avLst/>
+                </a:prstGeom>
+                <a:blipFill>
+                  <a:blip r:embed="rId19"/>
+                  <a:stretch>
+                    <a:fillRect b="-14706"/>
+                  </a:stretch>
+                </a:blipFill>
+              </p:spPr>
+              <p:txBody>
+                <a:bodyPr/>
+                <a:lstStyle/>
+                <a:p>
+                  <a:r>
+                    <a:rPr lang="pt-BR">
+                      <a:noFill/>
+                    </a:rPr>
+                    <a:t> </a:t>
+                  </a:r>
+                </a:p>
+              </p:txBody>
+            </p:sp>
+          </mc:Fallback>
+        </mc:AlternateContent>
+        <mc:AlternateContent xmlns:mc="http://schemas.openxmlformats.org/markup-compatibility/2006" xmlns:a14="http://schemas.microsoft.com/office/drawing/2010/main">
+          <mc:Choice Requires="a14">
+            <p:sp>
+              <p:nvSpPr>
+                <p:cNvPr id="70" name="CaixaDeTexto 69">
+                  <a:extLst>
+                    <a:ext uri="{FF2B5EF4-FFF2-40B4-BE49-F238E27FC236}">
+                      <a16:creationId xmlns:a16="http://schemas.microsoft.com/office/drawing/2014/main" id="{4B798FE1-F54E-564A-91C4-BF24BEB759F1}"/>
+                    </a:ext>
+                  </a:extLst>
+                </p:cNvPr>
+                <p:cNvSpPr txBox="1"/>
+                <p:nvPr/>
+              </p:nvSpPr>
+              <p:spPr>
+                <a:xfrm>
+                  <a:off x="2834426" y="3680710"/>
+                  <a:ext cx="481029" cy="430887"/>
+                </a:xfrm>
+                <a:prstGeom prst="rect">
+                  <a:avLst/>
+                </a:prstGeom>
+                <a:noFill/>
+              </p:spPr>
+              <p:txBody>
+                <a:bodyPr wrap="none" rtlCol="0">
+                  <a:spAutoFit/>
+                </a:bodyPr>
+                <a:lstStyle/>
+                <a:p>
+                  <a:pPr algn="ctr"/>
+                  <a14:m>
+                    <m:oMathPara xmlns:m="http://schemas.openxmlformats.org/officeDocument/2006/math">
+                      <m:oMathParaPr>
+                        <m:jc m:val="centerGroup"/>
+                      </m:oMathParaPr>
+                      <m:oMath xmlns:m="http://schemas.openxmlformats.org/officeDocument/2006/math">
+                        <m:r>
+                          <a:rPr lang="pt-BR" sz="2200" i="1" dirty="0" smtClean="0">
+                            <a:solidFill>
+                              <a:schemeClr val="bg1">
+                                <a:lumMod val="75000"/>
+                              </a:schemeClr>
+                            </a:solidFill>
+                            <a:latin typeface="Cambria Math" panose="02040503050406030204" pitchFamily="18" charset="0"/>
+                            <a:cs typeface="Consolas" pitchFamily="49" charset="0"/>
+                          </a:rPr>
+                          <m:t>𝑟</m:t>
+                        </m:r>
+                      </m:oMath>
+                    </m:oMathPara>
+                  </a14:m>
+                  <a:endParaRPr lang="pt-BR" sz="2200" dirty="0">
+                    <a:solidFill>
+                      <a:schemeClr val="bg1">
+                        <a:lumMod val="75000"/>
+                      </a:schemeClr>
+                    </a:solidFill>
+                    <a:latin typeface="Consolas" pitchFamily="49" charset="0"/>
+                    <a:cs typeface="Consolas" pitchFamily="49" charset="0"/>
+                  </a:endParaRPr>
+                </a:p>
+              </p:txBody>
+            </p:sp>
+          </mc:Choice>
+          <mc:Fallback xmlns="">
+            <p:sp>
+              <p:nvSpPr>
+                <p:cNvPr id="70" name="CaixaDeTexto 69">
+                  <a:extLst>
+                    <a:ext uri="{FF2B5EF4-FFF2-40B4-BE49-F238E27FC236}">
+                      <a16:creationId xmlns:a16="http://schemas.microsoft.com/office/drawing/2014/main" id="{4B798FE1-F54E-564A-91C4-BF24BEB759F1}"/>
+                    </a:ext>
+                  </a:extLst>
+                </p:cNvPr>
+                <p:cNvSpPr txBox="1">
+                  <a:spLocks noRot="1" noChangeAspect="1" noMove="1" noResize="1" noEditPoints="1" noAdjustHandles="1" noChangeArrowheads="1" noChangeShapeType="1" noTextEdit="1"/>
+                </p:cNvSpPr>
+                <p:nvPr/>
+              </p:nvSpPr>
+              <p:spPr>
+                <a:xfrm>
+                  <a:off x="2834426" y="3680710"/>
+                  <a:ext cx="481029" cy="430887"/>
+                </a:xfrm>
+                <a:prstGeom prst="rect">
+                  <a:avLst/>
+                </a:prstGeom>
+                <a:blipFill>
+                  <a:blip r:embed="rId20"/>
+                  <a:stretch>
+                    <a:fillRect/>
+                  </a:stretch>
+                </a:blipFill>
+              </p:spPr>
+              <p:txBody>
+                <a:bodyPr/>
+                <a:lstStyle/>
+                <a:p>
+                  <a:r>
+                    <a:rPr lang="pt-BR">
+                      <a:noFill/>
+                    </a:rPr>
+                    <a:t> </a:t>
+                  </a:r>
+                </a:p>
+              </p:txBody>
+            </p:sp>
+          </mc:Fallback>
+        </mc:AlternateContent>
+        <mc:AlternateContent xmlns:mc="http://schemas.openxmlformats.org/markup-compatibility/2006" xmlns:a14="http://schemas.microsoft.com/office/drawing/2010/main">
+          <mc:Choice Requires="a14">
+            <p:sp>
+              <p:nvSpPr>
+                <p:cNvPr id="71" name="CaixaDeTexto 70">
+                  <a:extLst>
+                    <a:ext uri="{FF2B5EF4-FFF2-40B4-BE49-F238E27FC236}">
+                      <a16:creationId xmlns:a16="http://schemas.microsoft.com/office/drawing/2014/main" id="{6DA04AC0-5CFE-884A-9E6E-39973CEADD83}"/>
+                    </a:ext>
+                  </a:extLst>
+                </p:cNvPr>
+                <p:cNvSpPr txBox="1"/>
+                <p:nvPr/>
+              </p:nvSpPr>
+              <p:spPr>
+                <a:xfrm>
+                  <a:off x="3630992" y="4783030"/>
+                  <a:ext cx="481029" cy="430887"/>
+                </a:xfrm>
+                <a:prstGeom prst="rect">
+                  <a:avLst/>
+                </a:prstGeom>
+                <a:noFill/>
+              </p:spPr>
+              <p:txBody>
+                <a:bodyPr wrap="none" rtlCol="0">
+                  <a:spAutoFit/>
+                </a:bodyPr>
+                <a:lstStyle/>
+                <a:p>
+                  <a:pPr algn="ctr"/>
+                  <a14:m>
+                    <m:oMathPara xmlns:m="http://schemas.openxmlformats.org/officeDocument/2006/math">
+                      <m:oMathParaPr>
+                        <m:jc m:val="centerGroup"/>
+                      </m:oMathParaPr>
+                      <m:oMath xmlns:m="http://schemas.openxmlformats.org/officeDocument/2006/math">
+                        <m:r>
+                          <a:rPr lang="pt-BR" sz="2200" i="1" dirty="0" smtClean="0">
+                            <a:solidFill>
+                              <a:schemeClr val="bg1">
+                                <a:lumMod val="75000"/>
+                              </a:schemeClr>
+                            </a:solidFill>
+                            <a:latin typeface="Cambria Math" panose="02040503050406030204" pitchFamily="18" charset="0"/>
+                            <a:cs typeface="Consolas" pitchFamily="49" charset="0"/>
+                          </a:rPr>
+                          <m:t>𝑟</m:t>
+                        </m:r>
+                      </m:oMath>
+                    </m:oMathPara>
+                  </a14:m>
+                  <a:endParaRPr lang="pt-BR" sz="2200" dirty="0">
+                    <a:solidFill>
+                      <a:schemeClr val="bg1">
+                        <a:lumMod val="75000"/>
+                      </a:schemeClr>
+                    </a:solidFill>
+                    <a:latin typeface="Consolas" pitchFamily="49" charset="0"/>
+                    <a:cs typeface="Consolas" pitchFamily="49" charset="0"/>
+                  </a:endParaRPr>
+                </a:p>
+              </p:txBody>
+            </p:sp>
+          </mc:Choice>
+          <mc:Fallback xmlns="">
+            <p:sp>
+              <p:nvSpPr>
+                <p:cNvPr id="71" name="CaixaDeTexto 70">
+                  <a:extLst>
+                    <a:ext uri="{FF2B5EF4-FFF2-40B4-BE49-F238E27FC236}">
+                      <a16:creationId xmlns:a16="http://schemas.microsoft.com/office/drawing/2014/main" id="{6DA04AC0-5CFE-884A-9E6E-39973CEADD83}"/>
+                    </a:ext>
+                  </a:extLst>
+                </p:cNvPr>
+                <p:cNvSpPr txBox="1">
+                  <a:spLocks noRot="1" noChangeAspect="1" noMove="1" noResize="1" noEditPoints="1" noAdjustHandles="1" noChangeArrowheads="1" noChangeShapeType="1" noTextEdit="1"/>
+                </p:cNvSpPr>
+                <p:nvPr/>
+              </p:nvSpPr>
+              <p:spPr>
+                <a:xfrm>
+                  <a:off x="3630992" y="4783030"/>
+                  <a:ext cx="481029" cy="430887"/>
+                </a:xfrm>
+                <a:prstGeom prst="rect">
+                  <a:avLst/>
+                </a:prstGeom>
+                <a:blipFill>
+                  <a:blip r:embed="rId21"/>
+                  <a:stretch>
+                    <a:fillRect/>
+                  </a:stretch>
+                </a:blipFill>
+              </p:spPr>
+              <p:txBody>
+                <a:bodyPr/>
+                <a:lstStyle/>
+                <a:p>
+                  <a:r>
+                    <a:rPr lang="pt-BR">
+                      <a:noFill/>
+                    </a:rPr>
+                    <a:t> </a:t>
+                  </a:r>
+                </a:p>
+              </p:txBody>
+            </p:sp>
+          </mc:Fallback>
+        </mc:AlternateContent>
+        <mc:AlternateContent xmlns:mc="http://schemas.openxmlformats.org/markup-compatibility/2006" xmlns:a14="http://schemas.microsoft.com/office/drawing/2010/main">
+          <mc:Choice Requires="a14">
+            <p:sp>
+              <p:nvSpPr>
+                <p:cNvPr id="72" name="CaixaDeTexto 71">
+                  <a:extLst>
+                    <a:ext uri="{FF2B5EF4-FFF2-40B4-BE49-F238E27FC236}">
+                      <a16:creationId xmlns:a16="http://schemas.microsoft.com/office/drawing/2014/main" id="{CCC7FBE7-8B4B-7149-AE51-6D3669380C4E}"/>
+                    </a:ext>
+                  </a:extLst>
+                </p:cNvPr>
+                <p:cNvSpPr txBox="1"/>
+                <p:nvPr/>
+              </p:nvSpPr>
+              <p:spPr>
+                <a:xfrm>
+                  <a:off x="2806454" y="4777514"/>
+                  <a:ext cx="481029" cy="430887"/>
+                </a:xfrm>
+                <a:prstGeom prst="rect">
+                  <a:avLst/>
+                </a:prstGeom>
+                <a:noFill/>
+              </p:spPr>
+              <p:txBody>
+                <a:bodyPr wrap="none" rtlCol="0">
+                  <a:spAutoFit/>
+                </a:bodyPr>
+                <a:lstStyle/>
+                <a:p>
+                  <a:pPr algn="ctr"/>
+                  <a14:m>
+                    <m:oMathPara xmlns:m="http://schemas.openxmlformats.org/officeDocument/2006/math">
+                      <m:oMathParaPr>
+                        <m:jc m:val="centerGroup"/>
+                      </m:oMathParaPr>
+                      <m:oMath xmlns:m="http://schemas.openxmlformats.org/officeDocument/2006/math">
+                        <m:r>
+                          <a:rPr lang="pt-BR" sz="2200" i="1" dirty="0" smtClean="0">
+                            <a:solidFill>
+                              <a:schemeClr val="bg1">
+                                <a:lumMod val="75000"/>
+                              </a:schemeClr>
+                            </a:solidFill>
+                            <a:latin typeface="Cambria Math" panose="02040503050406030204" pitchFamily="18" charset="0"/>
+                            <a:cs typeface="Consolas" pitchFamily="49" charset="0"/>
+                          </a:rPr>
+                          <m:t>𝑟</m:t>
+                        </m:r>
+                      </m:oMath>
+                    </m:oMathPara>
+                  </a14:m>
+                  <a:endParaRPr lang="pt-BR" sz="2200" dirty="0">
+                    <a:solidFill>
+                      <a:schemeClr val="bg1">
+                        <a:lumMod val="75000"/>
+                      </a:schemeClr>
+                    </a:solidFill>
+                    <a:latin typeface="Consolas" pitchFamily="49" charset="0"/>
+                    <a:cs typeface="Consolas" pitchFamily="49" charset="0"/>
+                  </a:endParaRPr>
+                </a:p>
+              </p:txBody>
+            </p:sp>
+          </mc:Choice>
+          <mc:Fallback xmlns="">
+            <p:sp>
+              <p:nvSpPr>
+                <p:cNvPr id="72" name="CaixaDeTexto 71">
+                  <a:extLst>
+                    <a:ext uri="{FF2B5EF4-FFF2-40B4-BE49-F238E27FC236}">
+                      <a16:creationId xmlns:a16="http://schemas.microsoft.com/office/drawing/2014/main" id="{CCC7FBE7-8B4B-7149-AE51-6D3669380C4E}"/>
+                    </a:ext>
+                  </a:extLst>
+                </p:cNvPr>
+                <p:cNvSpPr txBox="1">
+                  <a:spLocks noRot="1" noChangeAspect="1" noMove="1" noResize="1" noEditPoints="1" noAdjustHandles="1" noChangeArrowheads="1" noChangeShapeType="1" noTextEdit="1"/>
+                </p:cNvSpPr>
+                <p:nvPr/>
+              </p:nvSpPr>
+              <p:spPr>
+                <a:xfrm>
+                  <a:off x="2806454" y="4777514"/>
+                  <a:ext cx="481029" cy="430887"/>
+                </a:xfrm>
+                <a:prstGeom prst="rect">
+                  <a:avLst/>
+                </a:prstGeom>
+                <a:blipFill>
+                  <a:blip r:embed="rId22"/>
+                  <a:stretch>
+                    <a:fillRect/>
+                  </a:stretch>
+                </a:blipFill>
+              </p:spPr>
+              <p:txBody>
+                <a:bodyPr/>
+                <a:lstStyle/>
+                <a:p>
+                  <a:r>
+                    <a:rPr lang="pt-BR">
+                      <a:noFill/>
+                    </a:rPr>
+                    <a:t> </a:t>
+                  </a:r>
+                </a:p>
+              </p:txBody>
+            </p:sp>
+          </mc:Fallback>
+        </mc:AlternateContent>
+      </p:grpSp>
+      <mc:AlternateContent xmlns:mc="http://schemas.openxmlformats.org/markup-compatibility/2006">
+        <mc:Choice xmlns:a14="http://schemas.microsoft.com/office/drawing/2010/main" Requires="a14">
+          <p:sp>
+            <p:nvSpPr>
+              <p:cNvPr id="77" name="CaixaDeTexto 76">
+                <a:extLst>
+                  <a:ext uri="{FF2B5EF4-FFF2-40B4-BE49-F238E27FC236}">
+                    <a16:creationId xmlns:a16="http://schemas.microsoft.com/office/drawing/2014/main" id="{361CC742-0BEE-7642-AA66-8F6F5D4BC9D8}"/>
+                  </a:ext>
+                </a:extLst>
+              </p:cNvPr>
+              <p:cNvSpPr txBox="1"/>
+              <p:nvPr/>
+            </p:nvSpPr>
+            <p:spPr>
+              <a:xfrm>
+                <a:off x="6222761" y="3610381"/>
+                <a:ext cx="863954" cy="330732"/>
+              </a:xfrm>
+              <a:prstGeom prst="rect">
+                <a:avLst/>
+              </a:prstGeom>
+              <a:noFill/>
+            </p:spPr>
+            <p:txBody>
+              <a:bodyPr wrap="none" lIns="0" tIns="0" rIns="0" bIns="0" rtlCol="0">
+                <a:spAutoFit/>
+              </a:bodyPr>
+              <a:lstStyle/>
+              <a:p>
+                <a:pPr/>
+                <a14:m>
+                  <m:oMathPara xmlns:m="http://schemas.openxmlformats.org/officeDocument/2006/math">
+                    <m:oMathParaPr>
+                      <m:jc m:val="centerGroup"/>
+                    </m:oMathParaPr>
+                    <m:oMath xmlns:m="http://schemas.openxmlformats.org/officeDocument/2006/math">
+                      <m:r>
+                        <a:rPr lang="pt-BR" sz="2200" b="0" i="1" smtClean="0">
+                          <a:solidFill>
+                            <a:schemeClr val="bg1">
+                              <a:lumMod val="75000"/>
+                            </a:schemeClr>
+                          </a:solidFill>
+                          <a:latin typeface="Cambria Math" panose="02040503050406030204" pitchFamily="18" charset="0"/>
+                          <a:ea typeface="Cambria Math" panose="02040503050406030204" pitchFamily="18" charset="0"/>
+                        </a:rPr>
+                        <m:t>𝜃</m:t>
+                      </m:r>
+                      <m:r>
+                        <a:rPr lang="pt-BR" sz="2200" b="0" i="1" smtClean="0">
+                          <a:solidFill>
+                            <a:schemeClr val="bg1">
+                              <a:lumMod val="75000"/>
+                            </a:schemeClr>
+                          </a:solidFill>
+                          <a:latin typeface="Cambria Math" panose="02040503050406030204" pitchFamily="18" charset="0"/>
+                          <a:ea typeface="Cambria Math" panose="02040503050406030204" pitchFamily="18" charset="0"/>
+                        </a:rPr>
+                        <m:t>=</m:t>
+                      </m:r>
+                      <m:sSub>
+                        <m:sSubPr>
+                          <m:ctrlPr>
+                            <a:rPr lang="pt-BR" sz="2000" i="1">
+                              <a:solidFill>
+                                <a:schemeClr val="bg1">
+                                  <a:lumMod val="75000"/>
+                                </a:schemeClr>
+                              </a:solidFill>
+                              <a:latin typeface="Cambria Math" panose="02040503050406030204" pitchFamily="18" charset="0"/>
+                            </a:rPr>
+                          </m:ctrlPr>
+                        </m:sSubPr>
+                        <m:e>
+                          <m:r>
+                            <a:rPr lang="el-GR" sz="2000" i="1" dirty="0">
+                              <a:solidFill>
+                                <a:schemeClr val="bg1">
+                                  <a:lumMod val="75000"/>
+                                </a:schemeClr>
+                              </a:solidFill>
+                              <a:latin typeface="Cambria Math" panose="02040503050406030204" pitchFamily="18" charset="0"/>
+                            </a:rPr>
+                            <m:t>𝜃</m:t>
+                          </m:r>
+                        </m:e>
+                        <m:sub>
+                          <m:r>
+                            <a:rPr lang="pt-BR" sz="2000" i="1">
+                              <a:solidFill>
+                                <a:schemeClr val="bg1">
+                                  <a:lumMod val="75000"/>
+                                </a:schemeClr>
+                              </a:solidFill>
+                              <a:latin typeface="Cambria Math" panose="02040503050406030204" pitchFamily="18" charset="0"/>
+                            </a:rPr>
+                            <m:t>1</m:t>
+                          </m:r>
+                        </m:sub>
+                      </m:sSub>
+                    </m:oMath>
+                  </m:oMathPara>
+                </a14:m>
+                <a:endParaRPr lang="pt-BR" sz="2200" dirty="0">
+                  <a:solidFill>
+                    <a:schemeClr val="bg1">
+                      <a:lumMod val="75000"/>
+                    </a:schemeClr>
+                  </a:solidFill>
+                </a:endParaRPr>
+              </a:p>
+            </p:txBody>
+          </p:sp>
+        </mc:Choice>
+        <mc:Fallback>
+          <p:sp>
+            <p:nvSpPr>
+              <p:cNvPr id="77" name="CaixaDeTexto 76">
+                <a:extLst>
+                  <a:ext uri="{FF2B5EF4-FFF2-40B4-BE49-F238E27FC236}">
+                    <a16:creationId xmlns:a16="http://schemas.microsoft.com/office/drawing/2014/main" id="{361CC742-0BEE-7642-AA66-8F6F5D4BC9D8}"/>
+                  </a:ext>
+                </a:extLst>
+              </p:cNvPr>
+              <p:cNvSpPr txBox="1">
+                <a:spLocks noRot="1" noChangeAspect="1" noMove="1" noResize="1" noEditPoints="1" noAdjustHandles="1" noChangeArrowheads="1" noChangeShapeType="1" noTextEdit="1"/>
+              </p:cNvSpPr>
+              <p:nvPr/>
+            </p:nvSpPr>
+            <p:spPr>
+              <a:xfrm>
+                <a:off x="6222761" y="3610381"/>
+                <a:ext cx="863954" cy="330732"/>
+              </a:xfrm>
+              <a:prstGeom prst="rect">
+                <a:avLst/>
+              </a:prstGeom>
+              <a:blipFill>
+                <a:blip r:embed="rId23"/>
+                <a:stretch>
+                  <a:fillRect l="-6338" r="-704" b="-7273"/>
+                </a:stretch>
+              </a:blipFill>
+            </p:spPr>
+            <p:txBody>
+              <a:bodyPr/>
+              <a:lstStyle/>
+              <a:p>
+                <a:r>
+                  <a:rPr lang="pt-BR">
+                    <a:noFill/>
+                  </a:rPr>
+                  <a:t> </a:t>
+                </a:r>
+              </a:p>
+            </p:txBody>
+          </p:sp>
+        </mc:Fallback>
+      </mc:AlternateContent>
+      <mc:AlternateContent xmlns:mc="http://schemas.openxmlformats.org/markup-compatibility/2006">
+        <mc:Choice xmlns:a14="http://schemas.microsoft.com/office/drawing/2010/main" Requires="a14">
+          <p:sp>
+            <p:nvSpPr>
+              <p:cNvPr id="78" name="CaixaDeTexto 77">
+                <a:extLst>
+                  <a:ext uri="{FF2B5EF4-FFF2-40B4-BE49-F238E27FC236}">
+                    <a16:creationId xmlns:a16="http://schemas.microsoft.com/office/drawing/2014/main" id="{65EFABD3-34B0-C441-A40D-E5AC909B4451}"/>
+                  </a:ext>
+                </a:extLst>
+              </p:cNvPr>
+              <p:cNvSpPr txBox="1"/>
+              <p:nvPr/>
+            </p:nvSpPr>
+            <p:spPr>
+              <a:xfrm>
+                <a:off x="8565204" y="3610381"/>
+                <a:ext cx="1604863" cy="330732"/>
+              </a:xfrm>
+              <a:prstGeom prst="rect">
+                <a:avLst/>
+              </a:prstGeom>
+              <a:noFill/>
+            </p:spPr>
+            <p:txBody>
+              <a:bodyPr wrap="none" lIns="0" tIns="0" rIns="0" bIns="0" rtlCol="0">
+                <a:spAutoFit/>
+              </a:bodyPr>
+              <a:lstStyle/>
+              <a:p>
+                <a:pPr/>
+                <a14:m>
+                  <m:oMathPara xmlns:m="http://schemas.openxmlformats.org/officeDocument/2006/math">
+                    <m:oMathParaPr>
+                      <m:jc m:val="centerGroup"/>
+                    </m:oMathParaPr>
+                    <m:oMath xmlns:m="http://schemas.openxmlformats.org/officeDocument/2006/math">
+                      <m:r>
+                        <a:rPr lang="pt-BR" sz="2200" b="0" i="1" smtClean="0">
+                          <a:solidFill>
+                            <a:schemeClr val="bg1">
+                              <a:lumMod val="75000"/>
+                            </a:schemeClr>
+                          </a:solidFill>
+                          <a:latin typeface="Cambria Math" panose="02040503050406030204" pitchFamily="18" charset="0"/>
+                          <a:ea typeface="Cambria Math" panose="02040503050406030204" pitchFamily="18" charset="0"/>
+                        </a:rPr>
+                        <m:t>𝜃</m:t>
+                      </m:r>
+                      <m:r>
+                        <a:rPr lang="pt-BR" sz="2200" b="0" i="1" smtClean="0">
+                          <a:solidFill>
+                            <a:schemeClr val="bg1">
+                              <a:lumMod val="75000"/>
+                            </a:schemeClr>
+                          </a:solidFill>
+                          <a:latin typeface="Cambria Math" panose="02040503050406030204" pitchFamily="18" charset="0"/>
+                          <a:ea typeface="Cambria Math" panose="02040503050406030204" pitchFamily="18" charset="0"/>
+                        </a:rPr>
+                        <m:t>=</m:t>
+                      </m:r>
+                      <m:sSub>
+                        <m:sSubPr>
+                          <m:ctrlPr>
+                            <a:rPr lang="pt-BR" sz="2000" i="1">
+                              <a:solidFill>
+                                <a:schemeClr val="bg1">
+                                  <a:lumMod val="75000"/>
+                                </a:schemeClr>
+                              </a:solidFill>
+                              <a:latin typeface="Cambria Math" panose="02040503050406030204" pitchFamily="18" charset="0"/>
+                            </a:rPr>
+                          </m:ctrlPr>
+                        </m:sSubPr>
+                        <m:e>
+                          <m:r>
+                            <a:rPr lang="el-GR" sz="2000" i="1" dirty="0">
+                              <a:solidFill>
+                                <a:schemeClr val="bg1">
+                                  <a:lumMod val="75000"/>
+                                </a:schemeClr>
+                              </a:solidFill>
+                              <a:latin typeface="Cambria Math" panose="02040503050406030204" pitchFamily="18" charset="0"/>
+                            </a:rPr>
+                            <m:t>𝜃</m:t>
+                          </m:r>
+                        </m:e>
+                        <m:sub>
+                          <m:r>
+                            <a:rPr lang="pt-BR" sz="2000" b="0" i="1" dirty="0" smtClean="0">
+                              <a:solidFill>
+                                <a:schemeClr val="bg1">
+                                  <a:lumMod val="75000"/>
+                                </a:schemeClr>
+                              </a:solidFill>
+                              <a:latin typeface="Cambria Math" panose="02040503050406030204" pitchFamily="18" charset="0"/>
+                            </a:rPr>
+                            <m:t>2</m:t>
+                          </m:r>
+                        </m:sub>
+                      </m:sSub>
+                      <m:r>
+                        <a:rPr lang="pt-BR" sz="2000" b="0" i="1" smtClean="0">
+                          <a:solidFill>
+                            <a:schemeClr val="bg1">
+                              <a:lumMod val="75000"/>
+                            </a:schemeClr>
+                          </a:solidFill>
+                          <a:latin typeface="Cambria Math" panose="02040503050406030204" pitchFamily="18" charset="0"/>
+                        </a:rPr>
+                        <m:t>+180</m:t>
+                      </m:r>
+                    </m:oMath>
+                  </m:oMathPara>
+                </a14:m>
+                <a:endParaRPr lang="pt-BR" sz="2200" dirty="0">
+                  <a:solidFill>
+                    <a:schemeClr val="bg1">
+                      <a:lumMod val="75000"/>
+                    </a:schemeClr>
+                  </a:solidFill>
+                </a:endParaRPr>
+              </a:p>
+            </p:txBody>
+          </p:sp>
+        </mc:Choice>
+        <mc:Fallback>
+          <p:sp>
+            <p:nvSpPr>
+              <p:cNvPr id="78" name="CaixaDeTexto 77">
+                <a:extLst>
+                  <a:ext uri="{FF2B5EF4-FFF2-40B4-BE49-F238E27FC236}">
+                    <a16:creationId xmlns:a16="http://schemas.microsoft.com/office/drawing/2014/main" id="{65EFABD3-34B0-C441-A40D-E5AC909B4451}"/>
+                  </a:ext>
+                </a:extLst>
+              </p:cNvPr>
+              <p:cNvSpPr txBox="1">
+                <a:spLocks noRot="1" noChangeAspect="1" noMove="1" noResize="1" noEditPoints="1" noAdjustHandles="1" noChangeArrowheads="1" noChangeShapeType="1" noTextEdit="1"/>
+              </p:cNvSpPr>
+              <p:nvPr/>
+            </p:nvSpPr>
+            <p:spPr>
+              <a:xfrm>
+                <a:off x="8565204" y="3610381"/>
+                <a:ext cx="1604863" cy="330732"/>
+              </a:xfrm>
+              <a:prstGeom prst="rect">
+                <a:avLst/>
+              </a:prstGeom>
+              <a:blipFill>
+                <a:blip r:embed="rId24"/>
+                <a:stretch>
+                  <a:fillRect l="-3042" r="-2662" b="-9091"/>
+                </a:stretch>
+              </a:blipFill>
+            </p:spPr>
+            <p:txBody>
+              <a:bodyPr/>
+              <a:lstStyle/>
+              <a:p>
+                <a:r>
+                  <a:rPr lang="pt-BR">
+                    <a:noFill/>
+                  </a:rPr>
+                  <a:t> </a:t>
+                </a:r>
+              </a:p>
+            </p:txBody>
+          </p:sp>
+        </mc:Fallback>
+      </mc:AlternateContent>
+      <p:cxnSp>
+        <p:nvCxnSpPr>
+          <p:cNvPr id="15" name="Conector Reto 14">
+            <a:extLst>
+              <a:ext uri="{FF2B5EF4-FFF2-40B4-BE49-F238E27FC236}">
+                <a16:creationId xmlns:a16="http://schemas.microsoft.com/office/drawing/2014/main" id="{BF5C6E07-EAB9-A749-B647-83EF46CB0F91}"/>
+              </a:ext>
+            </a:extLst>
+          </p:cNvPr>
+          <p:cNvCxnSpPr/>
+          <p:nvPr/>
+        </p:nvCxnSpPr>
+        <p:spPr>
+          <a:xfrm flipV="1">
+            <a:off x="6312024" y="4242325"/>
+            <a:ext cx="4176464" cy="28553"/>
+          </a:xfrm>
+          <a:prstGeom prst="line">
+            <a:avLst/>
+          </a:prstGeom>
+          <a:ln w="28575"/>
+        </p:spPr>
+        <p:style>
+          <a:lnRef idx="1">
+            <a:schemeClr val="accent1"/>
+          </a:lnRef>
+          <a:fillRef idx="0">
+            <a:schemeClr val="accent1"/>
+          </a:fillRef>
+          <a:effectRef idx="0">
+            <a:schemeClr val="accent1"/>
+          </a:effectRef>
+          <a:fontRef idx="minor">
+            <a:schemeClr val="tx1"/>
+          </a:fontRef>
+        </p:style>
+      </p:cxnSp>
+      <mc:AlternateContent xmlns:mc="http://schemas.openxmlformats.org/markup-compatibility/2006">
+        <mc:Choice xmlns:a14="http://schemas.microsoft.com/office/drawing/2010/main" Requires="a14">
+          <p:sp>
+            <p:nvSpPr>
+              <p:cNvPr id="79" name="CaixaDeTexto 78">
+                <a:extLst>
+                  <a:ext uri="{FF2B5EF4-FFF2-40B4-BE49-F238E27FC236}">
+                    <a16:creationId xmlns:a16="http://schemas.microsoft.com/office/drawing/2014/main" id="{F056A5EB-5EEA-3846-918E-D87EC3E683A6}"/>
+                  </a:ext>
+                </a:extLst>
+              </p:cNvPr>
+              <p:cNvSpPr txBox="1"/>
+              <p:nvPr/>
+            </p:nvSpPr>
+            <p:spPr>
+              <a:xfrm>
+                <a:off x="6238825" y="5380833"/>
+                <a:ext cx="1604863" cy="330732"/>
+              </a:xfrm>
+              <a:prstGeom prst="rect">
+                <a:avLst/>
+              </a:prstGeom>
+              <a:noFill/>
+            </p:spPr>
+            <p:txBody>
+              <a:bodyPr wrap="none" lIns="0" tIns="0" rIns="0" bIns="0" rtlCol="0">
+                <a:spAutoFit/>
+              </a:bodyPr>
+              <a:lstStyle/>
+              <a:p>
+                <a:pPr/>
+                <a14:m>
+                  <m:oMathPara xmlns:m="http://schemas.openxmlformats.org/officeDocument/2006/math">
+                    <m:oMathParaPr>
+                      <m:jc m:val="centerGroup"/>
+                    </m:oMathParaPr>
+                    <m:oMath xmlns:m="http://schemas.openxmlformats.org/officeDocument/2006/math">
+                      <m:r>
+                        <a:rPr lang="pt-BR" sz="2200" b="0" i="1" smtClean="0">
+                          <a:solidFill>
+                            <a:schemeClr val="bg1">
+                              <a:lumMod val="75000"/>
+                            </a:schemeClr>
+                          </a:solidFill>
+                          <a:latin typeface="Cambria Math" panose="02040503050406030204" pitchFamily="18" charset="0"/>
+                          <a:ea typeface="Cambria Math" panose="02040503050406030204" pitchFamily="18" charset="0"/>
+                        </a:rPr>
+                        <m:t>𝜃</m:t>
+                      </m:r>
+                      <m:r>
+                        <a:rPr lang="pt-BR" sz="2200" b="0" i="1" smtClean="0">
+                          <a:solidFill>
+                            <a:schemeClr val="bg1">
+                              <a:lumMod val="75000"/>
+                            </a:schemeClr>
+                          </a:solidFill>
+                          <a:latin typeface="Cambria Math" panose="02040503050406030204" pitchFamily="18" charset="0"/>
+                          <a:ea typeface="Cambria Math" panose="02040503050406030204" pitchFamily="18" charset="0"/>
+                        </a:rPr>
+                        <m:t>=</m:t>
+                      </m:r>
+                      <m:sSub>
+                        <m:sSubPr>
+                          <m:ctrlPr>
+                            <a:rPr lang="pt-BR" sz="2000" i="1">
+                              <a:solidFill>
+                                <a:schemeClr val="bg1">
+                                  <a:lumMod val="75000"/>
+                                </a:schemeClr>
+                              </a:solidFill>
+                              <a:latin typeface="Cambria Math" panose="02040503050406030204" pitchFamily="18" charset="0"/>
+                            </a:rPr>
+                          </m:ctrlPr>
+                        </m:sSubPr>
+                        <m:e>
+                          <m:r>
+                            <a:rPr lang="el-GR" sz="2000" i="1" dirty="0">
+                              <a:solidFill>
+                                <a:schemeClr val="bg1">
+                                  <a:lumMod val="75000"/>
+                                </a:schemeClr>
+                              </a:solidFill>
+                              <a:latin typeface="Cambria Math" panose="02040503050406030204" pitchFamily="18" charset="0"/>
+                            </a:rPr>
+                            <m:t>𝜃</m:t>
+                          </m:r>
+                        </m:e>
+                        <m:sub>
+                          <m:r>
+                            <a:rPr lang="pt-BR" sz="2000" b="0" i="1" dirty="0" smtClean="0">
+                              <a:solidFill>
+                                <a:schemeClr val="bg1">
+                                  <a:lumMod val="75000"/>
+                                </a:schemeClr>
+                              </a:solidFill>
+                              <a:latin typeface="Cambria Math" panose="02040503050406030204" pitchFamily="18" charset="0"/>
+                            </a:rPr>
+                            <m:t>3</m:t>
+                          </m:r>
+                        </m:sub>
+                      </m:sSub>
+                      <m:r>
+                        <a:rPr lang="pt-BR" sz="2000" b="0" i="1" smtClean="0">
+                          <a:solidFill>
+                            <a:schemeClr val="bg1">
+                              <a:lumMod val="75000"/>
+                            </a:schemeClr>
+                          </a:solidFill>
+                          <a:latin typeface="Cambria Math" panose="02040503050406030204" pitchFamily="18" charset="0"/>
+                        </a:rPr>
+                        <m:t>+180</m:t>
+                      </m:r>
+                    </m:oMath>
+                  </m:oMathPara>
+                </a14:m>
+                <a:endParaRPr lang="pt-BR" sz="2200" dirty="0">
+                  <a:solidFill>
+                    <a:schemeClr val="bg1">
+                      <a:lumMod val="75000"/>
+                    </a:schemeClr>
+                  </a:solidFill>
+                </a:endParaRPr>
+              </a:p>
+            </p:txBody>
+          </p:sp>
+        </mc:Choice>
+        <mc:Fallback>
+          <p:sp>
+            <p:nvSpPr>
+              <p:cNvPr id="79" name="CaixaDeTexto 78">
+                <a:extLst>
+                  <a:ext uri="{FF2B5EF4-FFF2-40B4-BE49-F238E27FC236}">
+                    <a16:creationId xmlns:a16="http://schemas.microsoft.com/office/drawing/2014/main" id="{F056A5EB-5EEA-3846-918E-D87EC3E683A6}"/>
+                  </a:ext>
+                </a:extLst>
+              </p:cNvPr>
+              <p:cNvSpPr txBox="1">
+                <a:spLocks noRot="1" noChangeAspect="1" noMove="1" noResize="1" noEditPoints="1" noAdjustHandles="1" noChangeArrowheads="1" noChangeShapeType="1" noTextEdit="1"/>
+              </p:cNvSpPr>
+              <p:nvPr/>
+            </p:nvSpPr>
+            <p:spPr>
+              <a:xfrm>
+                <a:off x="6238825" y="5380833"/>
+                <a:ext cx="1604863" cy="330732"/>
+              </a:xfrm>
+              <a:prstGeom prst="rect">
+                <a:avLst/>
+              </a:prstGeom>
+              <a:blipFill>
+                <a:blip r:embed="rId25"/>
+                <a:stretch>
+                  <a:fillRect l="-3030" r="-2273" b="-9259"/>
+                </a:stretch>
+              </a:blipFill>
+            </p:spPr>
+            <p:txBody>
+              <a:bodyPr/>
+              <a:lstStyle/>
+              <a:p>
+                <a:r>
+                  <a:rPr lang="pt-BR">
+                    <a:noFill/>
+                  </a:rPr>
+                  <a:t> </a:t>
+                </a:r>
+              </a:p>
+            </p:txBody>
+          </p:sp>
+        </mc:Fallback>
+      </mc:AlternateContent>
+      <mc:AlternateContent xmlns:mc="http://schemas.openxmlformats.org/markup-compatibility/2006">
+        <mc:Choice xmlns:a14="http://schemas.microsoft.com/office/drawing/2010/main" Requires="a14">
+          <p:sp>
+            <p:nvSpPr>
+              <p:cNvPr id="80" name="CaixaDeTexto 79">
+                <a:extLst>
+                  <a:ext uri="{FF2B5EF4-FFF2-40B4-BE49-F238E27FC236}">
+                    <a16:creationId xmlns:a16="http://schemas.microsoft.com/office/drawing/2014/main" id="{91A5FBEA-15DD-C646-ACCD-B24BA2CF5637}"/>
+                  </a:ext>
+                </a:extLst>
+              </p:cNvPr>
+              <p:cNvSpPr txBox="1"/>
+              <p:nvPr/>
+            </p:nvSpPr>
+            <p:spPr>
+              <a:xfrm>
+                <a:off x="8581268" y="5380833"/>
+                <a:ext cx="1598258" cy="330732"/>
+              </a:xfrm>
+              <a:prstGeom prst="rect">
+                <a:avLst/>
+              </a:prstGeom>
+              <a:noFill/>
+            </p:spPr>
+            <p:txBody>
+              <a:bodyPr wrap="none" lIns="0" tIns="0" rIns="0" bIns="0" rtlCol="0">
+                <a:spAutoFit/>
+              </a:bodyPr>
+              <a:lstStyle/>
+              <a:p>
+                <a:pPr/>
+                <a14:m>
+                  <m:oMathPara xmlns:m="http://schemas.openxmlformats.org/officeDocument/2006/math">
+                    <m:oMathParaPr>
+                      <m:jc m:val="centerGroup"/>
+                    </m:oMathParaPr>
+                    <m:oMath xmlns:m="http://schemas.openxmlformats.org/officeDocument/2006/math">
+                      <m:r>
+                        <a:rPr lang="pt-BR" sz="2200" b="0" i="1" smtClean="0">
+                          <a:solidFill>
+                            <a:schemeClr val="bg1">
+                              <a:lumMod val="75000"/>
+                            </a:schemeClr>
+                          </a:solidFill>
+                          <a:latin typeface="Cambria Math" panose="02040503050406030204" pitchFamily="18" charset="0"/>
+                          <a:ea typeface="Cambria Math" panose="02040503050406030204" pitchFamily="18" charset="0"/>
+                        </a:rPr>
+                        <m:t>𝜃</m:t>
+                      </m:r>
+                      <m:r>
+                        <a:rPr lang="pt-BR" sz="2200" b="0" i="1" smtClean="0">
+                          <a:solidFill>
+                            <a:schemeClr val="bg1">
+                              <a:lumMod val="75000"/>
+                            </a:schemeClr>
+                          </a:solidFill>
+                          <a:latin typeface="Cambria Math" panose="02040503050406030204" pitchFamily="18" charset="0"/>
+                          <a:ea typeface="Cambria Math" panose="02040503050406030204" pitchFamily="18" charset="0"/>
+                        </a:rPr>
+                        <m:t>=</m:t>
+                      </m:r>
+                      <m:sSub>
+                        <m:sSubPr>
+                          <m:ctrlPr>
+                            <a:rPr lang="pt-BR" sz="2000" i="1">
+                              <a:solidFill>
+                                <a:schemeClr val="bg1">
+                                  <a:lumMod val="75000"/>
+                                </a:schemeClr>
+                              </a:solidFill>
+                              <a:latin typeface="Cambria Math" panose="02040503050406030204" pitchFamily="18" charset="0"/>
+                            </a:rPr>
+                          </m:ctrlPr>
+                        </m:sSubPr>
+                        <m:e>
+                          <m:r>
+                            <a:rPr lang="el-GR" sz="2000" i="1" dirty="0">
+                              <a:solidFill>
+                                <a:schemeClr val="bg1">
+                                  <a:lumMod val="75000"/>
+                                </a:schemeClr>
+                              </a:solidFill>
+                              <a:latin typeface="Cambria Math" panose="02040503050406030204" pitchFamily="18" charset="0"/>
+                            </a:rPr>
+                            <m:t>𝜃</m:t>
+                          </m:r>
+                        </m:e>
+                        <m:sub>
+                          <m:r>
+                            <a:rPr lang="pt-BR" sz="2000" b="0" i="1" dirty="0" smtClean="0">
+                              <a:solidFill>
+                                <a:schemeClr val="bg1">
+                                  <a:lumMod val="75000"/>
+                                </a:schemeClr>
+                              </a:solidFill>
+                              <a:latin typeface="Cambria Math" panose="02040503050406030204" pitchFamily="18" charset="0"/>
+                            </a:rPr>
+                            <m:t>4</m:t>
+                          </m:r>
+                        </m:sub>
+                      </m:sSub>
+                      <m:r>
+                        <a:rPr lang="pt-BR" sz="2000" b="0" i="1" smtClean="0">
+                          <a:solidFill>
+                            <a:schemeClr val="bg1">
+                              <a:lumMod val="75000"/>
+                            </a:schemeClr>
+                          </a:solidFill>
+                          <a:latin typeface="Cambria Math" panose="02040503050406030204" pitchFamily="18" charset="0"/>
+                        </a:rPr>
+                        <m:t>+360</m:t>
+                      </m:r>
+                    </m:oMath>
+                  </m:oMathPara>
+                </a14:m>
+                <a:endParaRPr lang="pt-BR" sz="2200" dirty="0">
+                  <a:solidFill>
+                    <a:schemeClr val="bg1">
+                      <a:lumMod val="75000"/>
+                    </a:schemeClr>
+                  </a:solidFill>
+                </a:endParaRPr>
+              </a:p>
+            </p:txBody>
+          </p:sp>
+        </mc:Choice>
+        <mc:Fallback>
+          <p:sp>
+            <p:nvSpPr>
+              <p:cNvPr id="80" name="CaixaDeTexto 79">
+                <a:extLst>
+                  <a:ext uri="{FF2B5EF4-FFF2-40B4-BE49-F238E27FC236}">
+                    <a16:creationId xmlns:a16="http://schemas.microsoft.com/office/drawing/2014/main" id="{91A5FBEA-15DD-C646-ACCD-B24BA2CF5637}"/>
+                  </a:ext>
+                </a:extLst>
+              </p:cNvPr>
+              <p:cNvSpPr txBox="1">
+                <a:spLocks noRot="1" noChangeAspect="1" noMove="1" noResize="1" noEditPoints="1" noAdjustHandles="1" noChangeArrowheads="1" noChangeShapeType="1" noTextEdit="1"/>
+              </p:cNvSpPr>
+              <p:nvPr/>
+            </p:nvSpPr>
+            <p:spPr>
+              <a:xfrm>
+                <a:off x="8581268" y="5380833"/>
+                <a:ext cx="1598258" cy="330732"/>
+              </a:xfrm>
+              <a:prstGeom prst="rect">
+                <a:avLst/>
+              </a:prstGeom>
+              <a:blipFill>
+                <a:blip r:embed="rId26"/>
+                <a:stretch>
+                  <a:fillRect l="-3053" r="-2290" b="-9259"/>
+                </a:stretch>
+              </a:blipFill>
+            </p:spPr>
+            <p:txBody>
+              <a:bodyPr/>
+              <a:lstStyle/>
+              <a:p>
+                <a:r>
+                  <a:rPr lang="pt-BR">
+                    <a:noFill/>
+                  </a:rPr>
+                  <a:t> </a:t>
+                </a:r>
+              </a:p>
+            </p:txBody>
+          </p:sp>
+        </mc:Fallback>
+      </mc:AlternateContent>
+    </p:spTree>
+    <p:extLst>
+      <p:ext uri="{BB962C8B-B14F-4D97-AF65-F5344CB8AC3E}">
+        <p14:creationId xmlns:p14="http://schemas.microsoft.com/office/powerpoint/2010/main" val="615578514"/>
+      </p:ext>
+    </p:extLst>
+  </p:cSld>
+  <p:clrMapOvr>
+    <a:masterClrMapping/>
+  </p:clrMapOvr>
+  <p:transition spd="slow">
+    <p:wipe/>
+  </p:transition>
+</p:sld>
+</file>
+
+<file path=ppt/slides/slide9.xml><?xml version="1.0" encoding="utf-8"?>
 <p:sld xmlns:a="http://schemas.openxmlformats.org/drawingml/2006/main" xmlns:r="http://schemas.openxmlformats.org/officeDocument/2006/relationships" xmlns:p="http://schemas.openxmlformats.org/presentationml/2006/main">
   <p:cSld>
     <p:spTree>
